--- a/Visualization/Project Presentation.pptx
+++ b/Visualization/Project Presentation.pptx
@@ -4,18 +4,26 @@
   <p:sldMasterIdLst>
     <p:sldMasterId id="2147483648" r:id="rId1"/>
   </p:sldMasterIdLst>
+  <p:notesMasterIdLst>
+    <p:notesMasterId r:id="rId18"/>
+  </p:notesMasterIdLst>
   <p:sldIdLst>
     <p:sldId id="256" r:id="rId2"/>
     <p:sldId id="257" r:id="rId3"/>
     <p:sldId id="258" r:id="rId4"/>
-    <p:sldId id="260" r:id="rId5"/>
-    <p:sldId id="261" r:id="rId6"/>
-    <p:sldId id="262" r:id="rId7"/>
-    <p:sldId id="263" r:id="rId8"/>
-    <p:sldId id="264" r:id="rId9"/>
-    <p:sldId id="259" r:id="rId10"/>
-    <p:sldId id="265" r:id="rId11"/>
-    <p:sldId id="266" r:id="rId12"/>
+    <p:sldId id="261" r:id="rId5"/>
+    <p:sldId id="262" r:id="rId6"/>
+    <p:sldId id="263" r:id="rId7"/>
+    <p:sldId id="264" r:id="rId8"/>
+    <p:sldId id="259" r:id="rId9"/>
+    <p:sldId id="265" r:id="rId10"/>
+    <p:sldId id="266" r:id="rId11"/>
+    <p:sldId id="267" r:id="rId12"/>
+    <p:sldId id="272" r:id="rId13"/>
+    <p:sldId id="269" r:id="rId14"/>
+    <p:sldId id="268" r:id="rId15"/>
+    <p:sldId id="271" r:id="rId16"/>
+    <p:sldId id="270" r:id="rId17"/>
   </p:sldIdLst>
   <p:sldSz cx="12192000" cy="6858000"/>
   <p:notesSz cx="6858000" cy="9144000"/>
@@ -114,7 +122,446 @@
       </a:defRPr>
     </a:lvl9pPr>
   </p:defaultTextStyle>
+  <p:extLst>
+    <p:ext uri="{EFAFB233-063F-42B5-8137-9DF3F51BA10A}">
+      <p15:sldGuideLst xmlns:p15="http://schemas.microsoft.com/office/powerpoint/2012/main"/>
+    </p:ext>
+  </p:extLst>
 </p:presentation>
+</file>
+
+<file path=ppt/notesMasters/notesMaster1.xml><?xml version="1.0" encoding="utf-8"?>
+<p:notesMaster xmlns:a="http://schemas.openxmlformats.org/drawingml/2006/main" xmlns:r="http://schemas.openxmlformats.org/officeDocument/2006/relationships" xmlns:p="http://schemas.openxmlformats.org/presentationml/2006/main">
+  <p:cSld>
+    <p:bg>
+      <p:bgRef idx="1001">
+        <a:schemeClr val="bg1"/>
+      </p:bgRef>
+    </p:bg>
+    <p:spTree>
+      <p:nvGrpSpPr>
+        <p:cNvPr id="1" name=""/>
+        <p:cNvGrpSpPr/>
+        <p:nvPr/>
+      </p:nvGrpSpPr>
+      <p:grpSpPr>
+        <a:xfrm>
+          <a:off x="0" y="0"/>
+          <a:ext cx="0" cy="0"/>
+          <a:chOff x="0" y="0"/>
+          <a:chExt cx="0" cy="0"/>
+        </a:xfrm>
+      </p:grpSpPr>
+      <p:sp>
+        <p:nvSpPr>
+          <p:cNvPr id="2" name="Header Placeholder 1"/>
+          <p:cNvSpPr>
+            <a:spLocks noGrp="1"/>
+          </p:cNvSpPr>
+          <p:nvPr>
+            <p:ph type="hdr" sz="quarter"/>
+          </p:nvPr>
+        </p:nvSpPr>
+        <p:spPr>
+          <a:xfrm>
+            <a:off x="0" y="0"/>
+            <a:ext cx="2971800" cy="458788"/>
+          </a:xfrm>
+          <a:prstGeom prst="rect">
+            <a:avLst/>
+          </a:prstGeom>
+        </p:spPr>
+        <p:txBody>
+          <a:bodyPr vert="horz" lIns="91440" tIns="45720" rIns="91440" bIns="45720" rtlCol="0"/>
+          <a:lstStyle>
+            <a:lvl1pPr algn="l">
+              <a:defRPr sz="1200"/>
+            </a:lvl1pPr>
+          </a:lstStyle>
+          <a:p>
+            <a:endParaRPr lang="en-AU"/>
+          </a:p>
+        </p:txBody>
+      </p:sp>
+      <p:sp>
+        <p:nvSpPr>
+          <p:cNvPr id="3" name="Date Placeholder 2"/>
+          <p:cNvSpPr>
+            <a:spLocks noGrp="1"/>
+          </p:cNvSpPr>
+          <p:nvPr>
+            <p:ph type="dt" idx="1"/>
+          </p:nvPr>
+        </p:nvSpPr>
+        <p:spPr>
+          <a:xfrm>
+            <a:off x="3884613" y="0"/>
+            <a:ext cx="2971800" cy="458788"/>
+          </a:xfrm>
+          <a:prstGeom prst="rect">
+            <a:avLst/>
+          </a:prstGeom>
+        </p:spPr>
+        <p:txBody>
+          <a:bodyPr vert="horz" lIns="91440" tIns="45720" rIns="91440" bIns="45720" rtlCol="0"/>
+          <a:lstStyle>
+            <a:lvl1pPr algn="r">
+              <a:defRPr sz="1200"/>
+            </a:lvl1pPr>
+          </a:lstStyle>
+          <a:p>
+            <a:fld id="{49BC0BDB-B6DB-436F-B4BE-E1C0C6771525}" type="datetimeFigureOut">
+              <a:rPr lang="en-AU" smtClean="0"/>
+              <a:t>3/05/2020</a:t>
+            </a:fld>
+            <a:endParaRPr lang="en-AU"/>
+          </a:p>
+        </p:txBody>
+      </p:sp>
+      <p:sp>
+        <p:nvSpPr>
+          <p:cNvPr id="4" name="Slide Image Placeholder 3"/>
+          <p:cNvSpPr>
+            <a:spLocks noGrp="1" noRot="1" noChangeAspect="1"/>
+          </p:cNvSpPr>
+          <p:nvPr>
+            <p:ph type="sldImg" idx="2"/>
+          </p:nvPr>
+        </p:nvSpPr>
+        <p:spPr>
+          <a:xfrm>
+            <a:off x="685800" y="1143000"/>
+            <a:ext cx="5486400" cy="3086100"/>
+          </a:xfrm>
+          <a:prstGeom prst="rect">
+            <a:avLst/>
+          </a:prstGeom>
+          <a:noFill/>
+          <a:ln w="12700">
+            <a:solidFill>
+              <a:prstClr val="black"/>
+            </a:solidFill>
+          </a:ln>
+        </p:spPr>
+        <p:txBody>
+          <a:bodyPr vert="horz" lIns="91440" tIns="45720" rIns="91440" bIns="45720" rtlCol="0" anchor="ctr"/>
+          <a:lstStyle/>
+          <a:p>
+            <a:endParaRPr lang="en-AU"/>
+          </a:p>
+        </p:txBody>
+      </p:sp>
+      <p:sp>
+        <p:nvSpPr>
+          <p:cNvPr id="5" name="Notes Placeholder 4"/>
+          <p:cNvSpPr>
+            <a:spLocks noGrp="1"/>
+          </p:cNvSpPr>
+          <p:nvPr>
+            <p:ph type="body" sz="quarter" idx="3"/>
+          </p:nvPr>
+        </p:nvSpPr>
+        <p:spPr>
+          <a:xfrm>
+            <a:off x="685800" y="4400550"/>
+            <a:ext cx="5486400" cy="3600450"/>
+          </a:xfrm>
+          <a:prstGeom prst="rect">
+            <a:avLst/>
+          </a:prstGeom>
+        </p:spPr>
+        <p:txBody>
+          <a:bodyPr vert="horz" lIns="91440" tIns="45720" rIns="91440" bIns="45720" rtlCol="0"/>
+          <a:lstStyle/>
+          <a:p>
+            <a:pPr lvl="0"/>
+            <a:r>
+              <a:rPr lang="en-US"/>
+              <a:t>Click to edit Master text styles</a:t>
+            </a:r>
+          </a:p>
+          <a:p>
+            <a:pPr lvl="1"/>
+            <a:r>
+              <a:rPr lang="en-US"/>
+              <a:t>Second level</a:t>
+            </a:r>
+          </a:p>
+          <a:p>
+            <a:pPr lvl="2"/>
+            <a:r>
+              <a:rPr lang="en-US"/>
+              <a:t>Third level</a:t>
+            </a:r>
+          </a:p>
+          <a:p>
+            <a:pPr lvl="3"/>
+            <a:r>
+              <a:rPr lang="en-US"/>
+              <a:t>Fourth level</a:t>
+            </a:r>
+          </a:p>
+          <a:p>
+            <a:pPr lvl="4"/>
+            <a:r>
+              <a:rPr lang="en-US"/>
+              <a:t>Fifth level</a:t>
+            </a:r>
+            <a:endParaRPr lang="en-AU"/>
+          </a:p>
+        </p:txBody>
+      </p:sp>
+      <p:sp>
+        <p:nvSpPr>
+          <p:cNvPr id="6" name="Footer Placeholder 5"/>
+          <p:cNvSpPr>
+            <a:spLocks noGrp="1"/>
+          </p:cNvSpPr>
+          <p:nvPr>
+            <p:ph type="ftr" sz="quarter" idx="4"/>
+          </p:nvPr>
+        </p:nvSpPr>
+        <p:spPr>
+          <a:xfrm>
+            <a:off x="0" y="8685213"/>
+            <a:ext cx="2971800" cy="458787"/>
+          </a:xfrm>
+          <a:prstGeom prst="rect">
+            <a:avLst/>
+          </a:prstGeom>
+        </p:spPr>
+        <p:txBody>
+          <a:bodyPr vert="horz" lIns="91440" tIns="45720" rIns="91440" bIns="45720" rtlCol="0" anchor="b"/>
+          <a:lstStyle>
+            <a:lvl1pPr algn="l">
+              <a:defRPr sz="1200"/>
+            </a:lvl1pPr>
+          </a:lstStyle>
+          <a:p>
+            <a:endParaRPr lang="en-AU"/>
+          </a:p>
+        </p:txBody>
+      </p:sp>
+      <p:sp>
+        <p:nvSpPr>
+          <p:cNvPr id="7" name="Slide Number Placeholder 6"/>
+          <p:cNvSpPr>
+            <a:spLocks noGrp="1"/>
+          </p:cNvSpPr>
+          <p:nvPr>
+            <p:ph type="sldNum" sz="quarter" idx="5"/>
+          </p:nvPr>
+        </p:nvSpPr>
+        <p:spPr>
+          <a:xfrm>
+            <a:off x="3884613" y="8685213"/>
+            <a:ext cx="2971800" cy="458787"/>
+          </a:xfrm>
+          <a:prstGeom prst="rect">
+            <a:avLst/>
+          </a:prstGeom>
+        </p:spPr>
+        <p:txBody>
+          <a:bodyPr vert="horz" lIns="91440" tIns="45720" rIns="91440" bIns="45720" rtlCol="0" anchor="b"/>
+          <a:lstStyle>
+            <a:lvl1pPr algn="r">
+              <a:defRPr sz="1200"/>
+            </a:lvl1pPr>
+          </a:lstStyle>
+          <a:p>
+            <a:fld id="{BDC55854-6EFA-4F78-B960-673BA0CB4F39}" type="slidenum">
+              <a:rPr lang="en-AU" smtClean="0"/>
+              <a:t>‹#›</a:t>
+            </a:fld>
+            <a:endParaRPr lang="en-AU"/>
+          </a:p>
+        </p:txBody>
+      </p:sp>
+    </p:spTree>
+    <p:extLst>
+      <p:ext uri="{BB962C8B-B14F-4D97-AF65-F5344CB8AC3E}">
+        <p14:creationId xmlns:p14="http://schemas.microsoft.com/office/powerpoint/2010/main" val="2282209052"/>
+      </p:ext>
+    </p:extLst>
+  </p:cSld>
+  <p:clrMap bg1="lt1" tx1="dk1" bg2="lt2" tx2="dk2" accent1="accent1" accent2="accent2" accent3="accent3" accent4="accent4" accent5="accent5" accent6="accent6" hlink="hlink" folHlink="folHlink"/>
+  <p:notesStyle>
+    <a:lvl1pPr marL="0" algn="l" defTabSz="914400" rtl="0" eaLnBrk="1" latinLnBrk="0" hangingPunct="1">
+      <a:defRPr sz="1200" kern="1200">
+        <a:solidFill>
+          <a:schemeClr val="tx1"/>
+        </a:solidFill>
+        <a:latin typeface="+mn-lt"/>
+        <a:ea typeface="+mn-ea"/>
+        <a:cs typeface="+mn-cs"/>
+      </a:defRPr>
+    </a:lvl1pPr>
+    <a:lvl2pPr marL="457200" algn="l" defTabSz="914400" rtl="0" eaLnBrk="1" latinLnBrk="0" hangingPunct="1">
+      <a:defRPr sz="1200" kern="1200">
+        <a:solidFill>
+          <a:schemeClr val="tx1"/>
+        </a:solidFill>
+        <a:latin typeface="+mn-lt"/>
+        <a:ea typeface="+mn-ea"/>
+        <a:cs typeface="+mn-cs"/>
+      </a:defRPr>
+    </a:lvl2pPr>
+    <a:lvl3pPr marL="914400" algn="l" defTabSz="914400" rtl="0" eaLnBrk="1" latinLnBrk="0" hangingPunct="1">
+      <a:defRPr sz="1200" kern="1200">
+        <a:solidFill>
+          <a:schemeClr val="tx1"/>
+        </a:solidFill>
+        <a:latin typeface="+mn-lt"/>
+        <a:ea typeface="+mn-ea"/>
+        <a:cs typeface="+mn-cs"/>
+      </a:defRPr>
+    </a:lvl3pPr>
+    <a:lvl4pPr marL="1371600" algn="l" defTabSz="914400" rtl="0" eaLnBrk="1" latinLnBrk="0" hangingPunct="1">
+      <a:defRPr sz="1200" kern="1200">
+        <a:solidFill>
+          <a:schemeClr val="tx1"/>
+        </a:solidFill>
+        <a:latin typeface="+mn-lt"/>
+        <a:ea typeface="+mn-ea"/>
+        <a:cs typeface="+mn-cs"/>
+      </a:defRPr>
+    </a:lvl4pPr>
+    <a:lvl5pPr marL="1828800" algn="l" defTabSz="914400" rtl="0" eaLnBrk="1" latinLnBrk="0" hangingPunct="1">
+      <a:defRPr sz="1200" kern="1200">
+        <a:solidFill>
+          <a:schemeClr val="tx1"/>
+        </a:solidFill>
+        <a:latin typeface="+mn-lt"/>
+        <a:ea typeface="+mn-ea"/>
+        <a:cs typeface="+mn-cs"/>
+      </a:defRPr>
+    </a:lvl5pPr>
+    <a:lvl6pPr marL="2286000" algn="l" defTabSz="914400" rtl="0" eaLnBrk="1" latinLnBrk="0" hangingPunct="1">
+      <a:defRPr sz="1200" kern="1200">
+        <a:solidFill>
+          <a:schemeClr val="tx1"/>
+        </a:solidFill>
+        <a:latin typeface="+mn-lt"/>
+        <a:ea typeface="+mn-ea"/>
+        <a:cs typeface="+mn-cs"/>
+      </a:defRPr>
+    </a:lvl6pPr>
+    <a:lvl7pPr marL="2743200" algn="l" defTabSz="914400" rtl="0" eaLnBrk="1" latinLnBrk="0" hangingPunct="1">
+      <a:defRPr sz="1200" kern="1200">
+        <a:solidFill>
+          <a:schemeClr val="tx1"/>
+        </a:solidFill>
+        <a:latin typeface="+mn-lt"/>
+        <a:ea typeface="+mn-ea"/>
+        <a:cs typeface="+mn-cs"/>
+      </a:defRPr>
+    </a:lvl7pPr>
+    <a:lvl8pPr marL="3200400" algn="l" defTabSz="914400" rtl="0" eaLnBrk="1" latinLnBrk="0" hangingPunct="1">
+      <a:defRPr sz="1200" kern="1200">
+        <a:solidFill>
+          <a:schemeClr val="tx1"/>
+        </a:solidFill>
+        <a:latin typeface="+mn-lt"/>
+        <a:ea typeface="+mn-ea"/>
+        <a:cs typeface="+mn-cs"/>
+      </a:defRPr>
+    </a:lvl8pPr>
+    <a:lvl9pPr marL="3657600" algn="l" defTabSz="914400" rtl="0" eaLnBrk="1" latinLnBrk="0" hangingPunct="1">
+      <a:defRPr sz="1200" kern="1200">
+        <a:solidFill>
+          <a:schemeClr val="tx1"/>
+        </a:solidFill>
+        <a:latin typeface="+mn-lt"/>
+        <a:ea typeface="+mn-ea"/>
+        <a:cs typeface="+mn-cs"/>
+      </a:defRPr>
+    </a:lvl9pPr>
+  </p:notesStyle>
+</p:notesMaster>
+</file>
+
+<file path=ppt/notesSlides/notesSlide1.xml><?xml version="1.0" encoding="utf-8"?>
+<p:notes xmlns:a="http://schemas.openxmlformats.org/drawingml/2006/main" xmlns:r="http://schemas.openxmlformats.org/officeDocument/2006/relationships" xmlns:p="http://schemas.openxmlformats.org/presentationml/2006/main">
+  <p:cSld>
+    <p:spTree>
+      <p:nvGrpSpPr>
+        <p:cNvPr id="1" name=""/>
+        <p:cNvGrpSpPr/>
+        <p:nvPr/>
+      </p:nvGrpSpPr>
+      <p:grpSpPr>
+        <a:xfrm>
+          <a:off x="0" y="0"/>
+          <a:ext cx="0" cy="0"/>
+          <a:chOff x="0" y="0"/>
+          <a:chExt cx="0" cy="0"/>
+        </a:xfrm>
+      </p:grpSpPr>
+      <p:sp>
+        <p:nvSpPr>
+          <p:cNvPr id="2" name="Slide Image Placeholder 1"/>
+          <p:cNvSpPr>
+            <a:spLocks noGrp="1" noRot="1" noChangeAspect="1"/>
+          </p:cNvSpPr>
+          <p:nvPr>
+            <p:ph type="sldImg"/>
+          </p:nvPr>
+        </p:nvSpPr>
+        <p:spPr/>
+      </p:sp>
+      <p:sp>
+        <p:nvSpPr>
+          <p:cNvPr id="3" name="Notes Placeholder 2"/>
+          <p:cNvSpPr>
+            <a:spLocks noGrp="1"/>
+          </p:cNvSpPr>
+          <p:nvPr>
+            <p:ph type="body" idx="1"/>
+          </p:nvPr>
+        </p:nvSpPr>
+        <p:spPr/>
+        <p:txBody>
+          <a:bodyPr/>
+          <a:lstStyle/>
+          <a:p>
+            <a:endParaRPr lang="en-AU" dirty="0"/>
+          </a:p>
+        </p:txBody>
+      </p:sp>
+      <p:sp>
+        <p:nvSpPr>
+          <p:cNvPr id="4" name="Slide Number Placeholder 3"/>
+          <p:cNvSpPr>
+            <a:spLocks noGrp="1"/>
+          </p:cNvSpPr>
+          <p:nvPr>
+            <p:ph type="sldNum" sz="quarter" idx="5"/>
+          </p:nvPr>
+        </p:nvSpPr>
+        <p:spPr/>
+        <p:txBody>
+          <a:bodyPr/>
+          <a:lstStyle/>
+          <a:p>
+            <a:fld id="{BDC55854-6EFA-4F78-B960-673BA0CB4F39}" type="slidenum">
+              <a:rPr lang="en-AU" smtClean="0"/>
+              <a:t>16</a:t>
+            </a:fld>
+            <a:endParaRPr lang="en-AU"/>
+          </a:p>
+        </p:txBody>
+      </p:sp>
+    </p:spTree>
+    <p:extLst>
+      <p:ext uri="{BB962C8B-B14F-4D97-AF65-F5344CB8AC3E}">
+        <p14:creationId xmlns:p14="http://schemas.microsoft.com/office/powerpoint/2010/main" val="3822376208"/>
+      </p:ext>
+    </p:extLst>
+  </p:cSld>
+  <p:clrMapOvr>
+    <a:masterClrMapping/>
+  </p:clrMapOvr>
+</p:notes>
 </file>
 
 <file path=ppt/slideLayouts/slideLayout1.xml><?xml version="1.0" encoding="utf-8"?>
@@ -407,7 +854,7 @@
           <a:p>
             <a:fld id="{32688324-B046-43DF-B19D-A132D4B41025}" type="datetimeFigureOut">
               <a:rPr lang="en-AU" smtClean="0"/>
-              <a:t>29/04/2020</a:t>
+              <a:t>3/05/2020</a:t>
             </a:fld>
             <a:endParaRPr lang="en-AU"/>
           </a:p>
@@ -1011,424 +1458,6 @@
               </a:extLst>
             </a:blip>
             <a:srcRect/>
-            <a:stretch>
-              <a:fillRect/>
-            </a:stretch>
-          </p:blipFill>
-          <p:spPr bwMode="auto">
-            <a:xfrm>
-              <a:off x="1419225" y="2519892"/>
-              <a:ext cx="1746250" cy="1746250"/>
-            </a:xfrm>
-            <a:prstGeom prst="rect">
-              <a:avLst/>
-            </a:prstGeom>
-            <a:noFill/>
-          </p:spPr>
-        </p:pic>
-        <p:sp>
-          <p:nvSpPr>
-            <p:cNvPr id="5" name="Oval 4">
-              <a:extLst>
-                <a:ext uri="{FF2B5EF4-FFF2-40B4-BE49-F238E27FC236}">
-                  <a16:creationId xmlns:a16="http://schemas.microsoft.com/office/drawing/2014/main" id="{AFA1A7E1-3053-4B85-9B84-B4D02CC0DEF4}"/>
-                </a:ext>
-              </a:extLst>
-            </p:cNvPr>
-            <p:cNvSpPr/>
-            <p:nvPr/>
-          </p:nvSpPr>
-          <p:spPr>
-            <a:xfrm>
-              <a:off x="1270000" y="2370667"/>
-              <a:ext cx="2044700" cy="2044700"/>
-            </a:xfrm>
-            <a:prstGeom prst="ellipse">
-              <a:avLst/>
-            </a:prstGeom>
-            <a:noFill/>
-            <a:ln>
-              <a:solidFill>
-                <a:srgbClr val="FFF200"/>
-              </a:solidFill>
-            </a:ln>
-          </p:spPr>
-          <p:style>
-            <a:lnRef idx="2">
-              <a:schemeClr val="accent1">
-                <a:shade val="50000"/>
-              </a:schemeClr>
-            </a:lnRef>
-            <a:fillRef idx="1">
-              <a:schemeClr val="accent1"/>
-            </a:fillRef>
-            <a:effectRef idx="0">
-              <a:schemeClr val="accent1"/>
-            </a:effectRef>
-            <a:fontRef idx="minor">
-              <a:schemeClr val="lt1"/>
-            </a:fontRef>
-          </p:style>
-          <p:txBody>
-            <a:bodyPr rtlCol="0" anchor="ctr"/>
-            <a:lstStyle/>
-            <a:p>
-              <a:pPr algn="ctr"/>
-              <a:endParaRPr lang="en-AU"/>
-            </a:p>
-          </p:txBody>
-        </p:sp>
-      </p:grpSp>
-      <p:sp>
-        <p:nvSpPr>
-          <p:cNvPr id="8" name="Subtitle 2">
-            <a:extLst>
-              <a:ext uri="{FF2B5EF4-FFF2-40B4-BE49-F238E27FC236}">
-                <a16:creationId xmlns:a16="http://schemas.microsoft.com/office/drawing/2014/main" id="{378141D6-E7C4-4A9F-837D-577DBB81A88D}"/>
-              </a:ext>
-            </a:extLst>
-          </p:cNvPr>
-          <p:cNvSpPr txBox="1">
-            <a:spLocks/>
-          </p:cNvSpPr>
-          <p:nvPr/>
-        </p:nvSpPr>
-        <p:spPr>
-          <a:xfrm>
-            <a:off x="3115733" y="280460"/>
-            <a:ext cx="8318500" cy="5193240"/>
-          </a:xfrm>
-          <a:prstGeom prst="rect">
-            <a:avLst/>
-          </a:prstGeom>
-        </p:spPr>
-        <p:txBody>
-          <a:bodyPr vert="horz" lIns="91440" tIns="45720" rIns="91440" bIns="45720" rtlCol="0">
-            <a:normAutofit/>
-          </a:bodyPr>
-          <a:lstStyle>
-            <a:lvl1pPr marL="228600" indent="-228600" algn="l" defTabSz="914400" rtl="0" eaLnBrk="1" latinLnBrk="0" hangingPunct="1">
-              <a:lnSpc>
-                <a:spcPct val="90000"/>
-              </a:lnSpc>
-              <a:spcBef>
-                <a:spcPts val="1000"/>
-              </a:spcBef>
-              <a:buFont typeface="Arial" panose="020B0604020202020204" pitchFamily="34" charset="0"/>
-              <a:buChar char="•"/>
-              <a:defRPr sz="2800" kern="1200">
-                <a:solidFill>
-                  <a:schemeClr val="tx1"/>
-                </a:solidFill>
-                <a:latin typeface="+mn-lt"/>
-                <a:ea typeface="+mn-ea"/>
-                <a:cs typeface="+mn-cs"/>
-              </a:defRPr>
-            </a:lvl1pPr>
-            <a:lvl2pPr marL="685800" indent="-228600" algn="l" defTabSz="914400" rtl="0" eaLnBrk="1" latinLnBrk="0" hangingPunct="1">
-              <a:lnSpc>
-                <a:spcPct val="90000"/>
-              </a:lnSpc>
-              <a:spcBef>
-                <a:spcPts val="500"/>
-              </a:spcBef>
-              <a:buFont typeface="Arial" panose="020B0604020202020204" pitchFamily="34" charset="0"/>
-              <a:buChar char="•"/>
-              <a:defRPr sz="2400" kern="1200">
-                <a:solidFill>
-                  <a:schemeClr val="tx1"/>
-                </a:solidFill>
-                <a:latin typeface="+mn-lt"/>
-                <a:ea typeface="+mn-ea"/>
-                <a:cs typeface="+mn-cs"/>
-              </a:defRPr>
-            </a:lvl2pPr>
-            <a:lvl3pPr marL="1143000" indent="-228600" algn="l" defTabSz="914400" rtl="0" eaLnBrk="1" latinLnBrk="0" hangingPunct="1">
-              <a:lnSpc>
-                <a:spcPct val="90000"/>
-              </a:lnSpc>
-              <a:spcBef>
-                <a:spcPts val="500"/>
-              </a:spcBef>
-              <a:buFont typeface="Arial" panose="020B0604020202020204" pitchFamily="34" charset="0"/>
-              <a:buChar char="•"/>
-              <a:defRPr sz="2000" kern="1200">
-                <a:solidFill>
-                  <a:schemeClr val="tx1"/>
-                </a:solidFill>
-                <a:latin typeface="+mn-lt"/>
-                <a:ea typeface="+mn-ea"/>
-                <a:cs typeface="+mn-cs"/>
-              </a:defRPr>
-            </a:lvl3pPr>
-            <a:lvl4pPr marL="1600200" indent="-228600" algn="l" defTabSz="914400" rtl="0" eaLnBrk="1" latinLnBrk="0" hangingPunct="1">
-              <a:lnSpc>
-                <a:spcPct val="90000"/>
-              </a:lnSpc>
-              <a:spcBef>
-                <a:spcPts val="500"/>
-              </a:spcBef>
-              <a:buFont typeface="Arial" panose="020B0604020202020204" pitchFamily="34" charset="0"/>
-              <a:buChar char="•"/>
-              <a:defRPr sz="1800" kern="1200">
-                <a:solidFill>
-                  <a:schemeClr val="tx1"/>
-                </a:solidFill>
-                <a:latin typeface="+mn-lt"/>
-                <a:ea typeface="+mn-ea"/>
-                <a:cs typeface="+mn-cs"/>
-              </a:defRPr>
-            </a:lvl4pPr>
-            <a:lvl5pPr marL="2057400" indent="-228600" algn="l" defTabSz="914400" rtl="0" eaLnBrk="1" latinLnBrk="0" hangingPunct="1">
-              <a:lnSpc>
-                <a:spcPct val="90000"/>
-              </a:lnSpc>
-              <a:spcBef>
-                <a:spcPts val="500"/>
-              </a:spcBef>
-              <a:buFont typeface="Arial" panose="020B0604020202020204" pitchFamily="34" charset="0"/>
-              <a:buChar char="•"/>
-              <a:defRPr sz="1800" kern="1200">
-                <a:solidFill>
-                  <a:schemeClr val="tx1"/>
-                </a:solidFill>
-                <a:latin typeface="+mn-lt"/>
-                <a:ea typeface="+mn-ea"/>
-                <a:cs typeface="+mn-cs"/>
-              </a:defRPr>
-            </a:lvl5pPr>
-            <a:lvl6pPr marL="2514600" indent="-228600" algn="l" defTabSz="914400" rtl="0" eaLnBrk="1" latinLnBrk="0" hangingPunct="1">
-              <a:lnSpc>
-                <a:spcPct val="90000"/>
-              </a:lnSpc>
-              <a:spcBef>
-                <a:spcPts val="500"/>
-              </a:spcBef>
-              <a:buFont typeface="Arial" panose="020B0604020202020204" pitchFamily="34" charset="0"/>
-              <a:buChar char="•"/>
-              <a:defRPr sz="1800" kern="1200">
-                <a:solidFill>
-                  <a:schemeClr val="tx1"/>
-                </a:solidFill>
-                <a:latin typeface="+mn-lt"/>
-                <a:ea typeface="+mn-ea"/>
-                <a:cs typeface="+mn-cs"/>
-              </a:defRPr>
-            </a:lvl6pPr>
-            <a:lvl7pPr marL="2971800" indent="-228600" algn="l" defTabSz="914400" rtl="0" eaLnBrk="1" latinLnBrk="0" hangingPunct="1">
-              <a:lnSpc>
-                <a:spcPct val="90000"/>
-              </a:lnSpc>
-              <a:spcBef>
-                <a:spcPts val="500"/>
-              </a:spcBef>
-              <a:buFont typeface="Arial" panose="020B0604020202020204" pitchFamily="34" charset="0"/>
-              <a:buChar char="•"/>
-              <a:defRPr sz="1800" kern="1200">
-                <a:solidFill>
-                  <a:schemeClr val="tx1"/>
-                </a:solidFill>
-                <a:latin typeface="+mn-lt"/>
-                <a:ea typeface="+mn-ea"/>
-                <a:cs typeface="+mn-cs"/>
-              </a:defRPr>
-            </a:lvl7pPr>
-            <a:lvl8pPr marL="3429000" indent="-228600" algn="l" defTabSz="914400" rtl="0" eaLnBrk="1" latinLnBrk="0" hangingPunct="1">
-              <a:lnSpc>
-                <a:spcPct val="90000"/>
-              </a:lnSpc>
-              <a:spcBef>
-                <a:spcPts val="500"/>
-              </a:spcBef>
-              <a:buFont typeface="Arial" panose="020B0604020202020204" pitchFamily="34" charset="0"/>
-              <a:buChar char="•"/>
-              <a:defRPr sz="1800" kern="1200">
-                <a:solidFill>
-                  <a:schemeClr val="tx1"/>
-                </a:solidFill>
-                <a:latin typeface="+mn-lt"/>
-                <a:ea typeface="+mn-ea"/>
-                <a:cs typeface="+mn-cs"/>
-              </a:defRPr>
-            </a:lvl8pPr>
-            <a:lvl9pPr marL="3886200" indent="-228600" algn="l" defTabSz="914400" rtl="0" eaLnBrk="1" latinLnBrk="0" hangingPunct="1">
-              <a:lnSpc>
-                <a:spcPct val="90000"/>
-              </a:lnSpc>
-              <a:spcBef>
-                <a:spcPts val="500"/>
-              </a:spcBef>
-              <a:buFont typeface="Arial" panose="020B0604020202020204" pitchFamily="34" charset="0"/>
-              <a:buChar char="•"/>
-              <a:defRPr sz="1800" kern="1200">
-                <a:solidFill>
-                  <a:schemeClr val="tx1"/>
-                </a:solidFill>
-                <a:latin typeface="+mn-lt"/>
-                <a:ea typeface="+mn-ea"/>
-                <a:cs typeface="+mn-cs"/>
-              </a:defRPr>
-            </a:lvl9pPr>
-          </a:lstStyle>
-          <a:p>
-            <a:pPr marL="0" indent="0">
-              <a:buFont typeface="Arial" panose="020B0604020202020204" pitchFamily="34" charset="0"/>
-              <a:buNone/>
-            </a:pPr>
-            <a:endParaRPr lang="en-AU" dirty="0">
-              <a:solidFill>
-                <a:schemeClr val="bg1"/>
-              </a:solidFill>
-              <a:latin typeface="Poppins Thin" panose="00000300000000000000" pitchFamily="2" charset="0"/>
-              <a:cs typeface="Poppins Thin" panose="00000300000000000000" pitchFamily="2" charset="0"/>
-            </a:endParaRPr>
-          </a:p>
-          <a:p>
-            <a:pPr marL="0" indent="0">
-              <a:buFont typeface="Arial" panose="020B0604020202020204" pitchFamily="34" charset="0"/>
-              <a:buNone/>
-            </a:pPr>
-            <a:r>
-              <a:rPr lang="en-AU" b="1" dirty="0">
-                <a:solidFill>
-                  <a:schemeClr val="bg1"/>
-                </a:solidFill>
-                <a:latin typeface="Poppins Thin" panose="00000300000000000000" pitchFamily="2" charset="0"/>
-                <a:cs typeface="Poppins Thin" panose="00000300000000000000" pitchFamily="2" charset="0"/>
-              </a:rPr>
-              <a:t>pandas used to combine excel spreadsheets into a data frame</a:t>
-            </a:r>
-          </a:p>
-          <a:p>
-            <a:pPr marL="0" indent="0">
-              <a:buFont typeface="Arial" panose="020B0604020202020204" pitchFamily="34" charset="0"/>
-              <a:buNone/>
-            </a:pPr>
-            <a:endParaRPr lang="en-AU" b="1" dirty="0">
-              <a:solidFill>
-                <a:schemeClr val="bg1"/>
-              </a:solidFill>
-              <a:latin typeface="Poppins Thin" panose="00000300000000000000" pitchFamily="2" charset="0"/>
-              <a:cs typeface="Poppins Thin" panose="00000300000000000000" pitchFamily="2" charset="0"/>
-            </a:endParaRPr>
-          </a:p>
-          <a:p>
-            <a:pPr marL="0" indent="0">
-              <a:buFont typeface="Arial" panose="020B0604020202020204" pitchFamily="34" charset="0"/>
-              <a:buNone/>
-            </a:pPr>
-            <a:endParaRPr lang="en-AU" b="1" dirty="0">
-              <a:solidFill>
-                <a:schemeClr val="bg1"/>
-              </a:solidFill>
-              <a:latin typeface="Poppins Thin" panose="00000300000000000000" pitchFamily="2" charset="0"/>
-              <a:cs typeface="Poppins Thin" panose="00000300000000000000" pitchFamily="2" charset="0"/>
-            </a:endParaRPr>
-          </a:p>
-          <a:p>
-            <a:pPr marL="0" indent="0">
-              <a:buFont typeface="Arial" panose="020B0604020202020204" pitchFamily="34" charset="0"/>
-              <a:buNone/>
-            </a:pPr>
-            <a:r>
-              <a:rPr lang="en-AU" b="1" dirty="0">
-                <a:solidFill>
-                  <a:schemeClr val="bg1"/>
-                </a:solidFill>
-                <a:latin typeface="Poppins Thin" panose="00000300000000000000" pitchFamily="2" charset="0"/>
-                <a:cs typeface="Poppins Thin" panose="00000300000000000000" pitchFamily="2" charset="0"/>
-              </a:rPr>
-              <a:t>Remove unnecessary columns while importing</a:t>
-            </a:r>
-          </a:p>
-          <a:p>
-            <a:pPr marL="0" indent="0">
-              <a:buFont typeface="Arial" panose="020B0604020202020204" pitchFamily="34" charset="0"/>
-              <a:buNone/>
-            </a:pPr>
-            <a:endParaRPr lang="en-AU" b="1" dirty="0">
-              <a:solidFill>
-                <a:schemeClr val="bg1"/>
-              </a:solidFill>
-              <a:latin typeface="Poppins Thin" panose="00000300000000000000" pitchFamily="2" charset="0"/>
-              <a:cs typeface="Poppins Thin" panose="00000300000000000000" pitchFamily="2" charset="0"/>
-            </a:endParaRPr>
-          </a:p>
-        </p:txBody>
-      </p:sp>
-    </p:spTree>
-    <p:extLst>
-      <p:ext uri="{BB962C8B-B14F-4D97-AF65-F5344CB8AC3E}">
-        <p14:creationId xmlns:p14="http://schemas.microsoft.com/office/powerpoint/2010/main" val="4172161748"/>
-      </p:ext>
-    </p:extLst>
-  </p:cSld>
-  <p:clrMapOvr>
-    <a:masterClrMapping/>
-  </p:clrMapOvr>
-</p:sld>
-</file>
-
-<file path=ppt/slides/slide11.xml><?xml version="1.0" encoding="utf-8"?>
-<p:sld xmlns:a="http://schemas.openxmlformats.org/drawingml/2006/main" xmlns:r="http://schemas.openxmlformats.org/officeDocument/2006/relationships" xmlns:p="http://schemas.openxmlformats.org/presentationml/2006/main">
-  <p:cSld>
-    <p:spTree>
-      <p:nvGrpSpPr>
-        <p:cNvPr id="1" name=""/>
-        <p:cNvGrpSpPr/>
-        <p:nvPr/>
-      </p:nvGrpSpPr>
-      <p:grpSpPr>
-        <a:xfrm>
-          <a:off x="0" y="0"/>
-          <a:ext cx="0" cy="0"/>
-          <a:chOff x="0" y="0"/>
-          <a:chExt cx="0" cy="0"/>
-        </a:xfrm>
-      </p:grpSpPr>
-      <p:grpSp>
-        <p:nvGrpSpPr>
-          <p:cNvPr id="6" name="Group 5">
-            <a:extLst>
-              <a:ext uri="{FF2B5EF4-FFF2-40B4-BE49-F238E27FC236}">
-                <a16:creationId xmlns:a16="http://schemas.microsoft.com/office/drawing/2014/main" id="{BA2F73CD-3D88-4336-A234-ABCDE364E4AE}"/>
-              </a:ext>
-            </a:extLst>
-          </p:cNvPr>
-          <p:cNvGrpSpPr/>
-          <p:nvPr/>
-        </p:nvGrpSpPr>
-        <p:grpSpPr>
-          <a:xfrm>
-            <a:off x="135466" y="131235"/>
-            <a:ext cx="2044700" cy="2044700"/>
-            <a:chOff x="1270000" y="2370667"/>
-            <a:chExt cx="2044700" cy="2044700"/>
-          </a:xfrm>
-        </p:grpSpPr>
-        <p:pic>
-          <p:nvPicPr>
-            <p:cNvPr id="5122" name="Picture 2">
-              <a:extLst>
-                <a:ext uri="{FF2B5EF4-FFF2-40B4-BE49-F238E27FC236}">
-                  <a16:creationId xmlns:a16="http://schemas.microsoft.com/office/drawing/2014/main" id="{A7B0E3BC-020F-448A-8087-4FB312912AC8}"/>
-                </a:ext>
-              </a:extLst>
-            </p:cNvPr>
-            <p:cNvPicPr>
-              <a:picLocks noChangeAspect="1" noChangeArrowheads="1"/>
-            </p:cNvPicPr>
-            <p:nvPr/>
-          </p:nvPicPr>
-          <p:blipFill>
-            <a:blip r:embed="rId2">
-              <a:extLst>
-                <a:ext uri="{28A0092B-C50C-407E-A947-70E740481C1C}">
-                  <a14:useLocalDpi xmlns:a14="http://schemas.microsoft.com/office/drawing/2010/main" val="0"/>
-                </a:ext>
-              </a:extLst>
-            </a:blip>
-            <a:srcRect/>
             <a:stretch/>
           </p:blipFill>
           <p:spPr bwMode="auto">
@@ -1793,6 +1822,2320 @@
     <p:extLst>
       <p:ext uri="{BB962C8B-B14F-4D97-AF65-F5344CB8AC3E}">
         <p14:creationId xmlns:p14="http://schemas.microsoft.com/office/powerpoint/2010/main" val="3972990288"/>
+      </p:ext>
+    </p:extLst>
+  </p:cSld>
+  <p:clrMapOvr>
+    <a:masterClrMapping/>
+  </p:clrMapOvr>
+</p:sld>
+</file>
+
+<file path=ppt/slides/slide11.xml><?xml version="1.0" encoding="utf-8"?>
+<p:sld xmlns:a="http://schemas.openxmlformats.org/drawingml/2006/main" xmlns:r="http://schemas.openxmlformats.org/officeDocument/2006/relationships" xmlns:p="http://schemas.openxmlformats.org/presentationml/2006/main">
+  <p:cSld>
+    <p:spTree>
+      <p:nvGrpSpPr>
+        <p:cNvPr id="1" name=""/>
+        <p:cNvGrpSpPr/>
+        <p:nvPr/>
+      </p:nvGrpSpPr>
+      <p:grpSpPr>
+        <a:xfrm>
+          <a:off x="0" y="0"/>
+          <a:ext cx="0" cy="0"/>
+          <a:chOff x="0" y="0"/>
+          <a:chExt cx="0" cy="0"/>
+        </a:xfrm>
+      </p:grpSpPr>
+      <p:sp>
+        <p:nvSpPr>
+          <p:cNvPr id="2" name="Title 1">
+            <a:extLst>
+              <a:ext uri="{FF2B5EF4-FFF2-40B4-BE49-F238E27FC236}">
+                <a16:creationId xmlns:a16="http://schemas.microsoft.com/office/drawing/2014/main" id="{82BFCF0B-2421-4E6E-BBFA-8EFCC7640C9D}"/>
+              </a:ext>
+            </a:extLst>
+          </p:cNvPr>
+          <p:cNvSpPr txBox="1">
+            <a:spLocks/>
+          </p:cNvSpPr>
+          <p:nvPr/>
+        </p:nvSpPr>
+        <p:spPr>
+          <a:xfrm>
+            <a:off x="1524000" y="2514455"/>
+            <a:ext cx="9144000" cy="914545"/>
+          </a:xfrm>
+          <a:prstGeom prst="rect">
+            <a:avLst/>
+          </a:prstGeom>
+        </p:spPr>
+        <p:txBody>
+          <a:bodyPr vert="horz" lIns="91440" tIns="45720" rIns="91440" bIns="45720" rtlCol="0" anchor="ctr">
+            <a:normAutofit/>
+          </a:bodyPr>
+          <a:lstStyle>
+            <a:lvl1pPr algn="l" defTabSz="914400" rtl="0" eaLnBrk="1" latinLnBrk="0" hangingPunct="1">
+              <a:lnSpc>
+                <a:spcPct val="90000"/>
+              </a:lnSpc>
+              <a:spcBef>
+                <a:spcPct val="0"/>
+              </a:spcBef>
+              <a:buNone/>
+              <a:defRPr sz="4400" kern="1200">
+                <a:solidFill>
+                  <a:schemeClr val="tx1"/>
+                </a:solidFill>
+                <a:latin typeface="+mj-lt"/>
+                <a:ea typeface="+mj-ea"/>
+                <a:cs typeface="+mj-cs"/>
+              </a:defRPr>
+            </a:lvl1pPr>
+          </a:lstStyle>
+          <a:p>
+            <a:pPr algn="ctr"/>
+            <a:r>
+              <a:rPr lang="en-AU" dirty="0">
+                <a:solidFill>
+                  <a:schemeClr val="bg1"/>
+                </a:solidFill>
+                <a:latin typeface="Poppins SemiBold" panose="00000700000000000000" pitchFamily="2" charset="0"/>
+                <a:cs typeface="Poppins SemiBold" panose="00000700000000000000" pitchFamily="2" charset="0"/>
+              </a:rPr>
+              <a:t>Initial Visualizations</a:t>
+            </a:r>
+          </a:p>
+        </p:txBody>
+      </p:sp>
+      <p:cxnSp>
+        <p:nvCxnSpPr>
+          <p:cNvPr id="3" name="Straight Connector 2">
+            <a:extLst>
+              <a:ext uri="{FF2B5EF4-FFF2-40B4-BE49-F238E27FC236}">
+                <a16:creationId xmlns:a16="http://schemas.microsoft.com/office/drawing/2014/main" id="{7C328459-96A5-4D29-8576-F7FB543D6724}"/>
+              </a:ext>
+            </a:extLst>
+          </p:cNvPr>
+          <p:cNvCxnSpPr>
+            <a:cxnSpLocks/>
+          </p:cNvCxnSpPr>
+          <p:nvPr/>
+        </p:nvCxnSpPr>
+        <p:spPr>
+          <a:xfrm flipH="1">
+            <a:off x="3773054" y="3429000"/>
+            <a:ext cx="4645891" cy="0"/>
+          </a:xfrm>
+          <a:prstGeom prst="line">
+            <a:avLst/>
+          </a:prstGeom>
+          <a:ln w="19050">
+            <a:solidFill>
+              <a:srgbClr val="FFF200"/>
+            </a:solidFill>
+          </a:ln>
+        </p:spPr>
+        <p:style>
+          <a:lnRef idx="1">
+            <a:schemeClr val="accent1"/>
+          </a:lnRef>
+          <a:fillRef idx="0">
+            <a:schemeClr val="accent1"/>
+          </a:fillRef>
+          <a:effectRef idx="0">
+            <a:schemeClr val="accent1"/>
+          </a:effectRef>
+          <a:fontRef idx="minor">
+            <a:schemeClr val="tx1"/>
+          </a:fontRef>
+        </p:style>
+      </p:cxnSp>
+    </p:spTree>
+    <p:extLst>
+      <p:ext uri="{BB962C8B-B14F-4D97-AF65-F5344CB8AC3E}">
+        <p14:creationId xmlns:p14="http://schemas.microsoft.com/office/powerpoint/2010/main" val="3675672104"/>
+      </p:ext>
+    </p:extLst>
+  </p:cSld>
+  <p:clrMapOvr>
+    <a:masterClrMapping/>
+  </p:clrMapOvr>
+</p:sld>
+</file>
+
+<file path=ppt/slides/slide12.xml><?xml version="1.0" encoding="utf-8"?>
+<p:sld xmlns:a="http://schemas.openxmlformats.org/drawingml/2006/main" xmlns:r="http://schemas.openxmlformats.org/officeDocument/2006/relationships" xmlns:p="http://schemas.openxmlformats.org/presentationml/2006/main">
+  <p:cSld>
+    <p:spTree>
+      <p:nvGrpSpPr>
+        <p:cNvPr id="1" name=""/>
+        <p:cNvGrpSpPr/>
+        <p:nvPr/>
+      </p:nvGrpSpPr>
+      <p:grpSpPr>
+        <a:xfrm>
+          <a:off x="0" y="0"/>
+          <a:ext cx="0" cy="0"/>
+          <a:chOff x="0" y="0"/>
+          <a:chExt cx="0" cy="0"/>
+        </a:xfrm>
+      </p:grpSpPr>
+      <p:sp>
+        <p:nvSpPr>
+          <p:cNvPr id="4" name="Subtitle 2">
+            <a:extLst>
+              <a:ext uri="{FF2B5EF4-FFF2-40B4-BE49-F238E27FC236}">
+                <a16:creationId xmlns:a16="http://schemas.microsoft.com/office/drawing/2014/main" id="{68E3DD23-5899-4ECC-9A3E-1DC26173522C}"/>
+              </a:ext>
+            </a:extLst>
+          </p:cNvPr>
+          <p:cNvSpPr txBox="1">
+            <a:spLocks/>
+          </p:cNvSpPr>
+          <p:nvPr/>
+        </p:nvSpPr>
+        <p:spPr>
+          <a:xfrm>
+            <a:off x="268680" y="1412231"/>
+            <a:ext cx="11645679" cy="4716945"/>
+          </a:xfrm>
+          <a:prstGeom prst="rect">
+            <a:avLst/>
+          </a:prstGeom>
+        </p:spPr>
+        <p:txBody>
+          <a:bodyPr vert="horz" lIns="91440" tIns="45720" rIns="91440" bIns="45720" rtlCol="0">
+            <a:normAutofit/>
+          </a:bodyPr>
+          <a:lstStyle>
+            <a:lvl1pPr marL="228600" indent="-228600" algn="l" defTabSz="914400" rtl="0" eaLnBrk="1" latinLnBrk="0" hangingPunct="1">
+              <a:lnSpc>
+                <a:spcPct val="90000"/>
+              </a:lnSpc>
+              <a:spcBef>
+                <a:spcPts val="1000"/>
+              </a:spcBef>
+              <a:buFont typeface="Arial" panose="020B0604020202020204" pitchFamily="34" charset="0"/>
+              <a:buChar char="•"/>
+              <a:defRPr sz="2800" kern="1200">
+                <a:solidFill>
+                  <a:schemeClr val="tx1"/>
+                </a:solidFill>
+                <a:latin typeface="+mn-lt"/>
+                <a:ea typeface="+mn-ea"/>
+                <a:cs typeface="+mn-cs"/>
+              </a:defRPr>
+            </a:lvl1pPr>
+            <a:lvl2pPr marL="685800" indent="-228600" algn="l" defTabSz="914400" rtl="0" eaLnBrk="1" latinLnBrk="0" hangingPunct="1">
+              <a:lnSpc>
+                <a:spcPct val="90000"/>
+              </a:lnSpc>
+              <a:spcBef>
+                <a:spcPts val="500"/>
+              </a:spcBef>
+              <a:buFont typeface="Arial" panose="020B0604020202020204" pitchFamily="34" charset="0"/>
+              <a:buChar char="•"/>
+              <a:defRPr sz="2400" kern="1200">
+                <a:solidFill>
+                  <a:schemeClr val="tx1"/>
+                </a:solidFill>
+                <a:latin typeface="+mn-lt"/>
+                <a:ea typeface="+mn-ea"/>
+                <a:cs typeface="+mn-cs"/>
+              </a:defRPr>
+            </a:lvl2pPr>
+            <a:lvl3pPr marL="1143000" indent="-228600" algn="l" defTabSz="914400" rtl="0" eaLnBrk="1" latinLnBrk="0" hangingPunct="1">
+              <a:lnSpc>
+                <a:spcPct val="90000"/>
+              </a:lnSpc>
+              <a:spcBef>
+                <a:spcPts val="500"/>
+              </a:spcBef>
+              <a:buFont typeface="Arial" panose="020B0604020202020204" pitchFamily="34" charset="0"/>
+              <a:buChar char="•"/>
+              <a:defRPr sz="2000" kern="1200">
+                <a:solidFill>
+                  <a:schemeClr val="tx1"/>
+                </a:solidFill>
+                <a:latin typeface="+mn-lt"/>
+                <a:ea typeface="+mn-ea"/>
+                <a:cs typeface="+mn-cs"/>
+              </a:defRPr>
+            </a:lvl3pPr>
+            <a:lvl4pPr marL="1600200" indent="-228600" algn="l" defTabSz="914400" rtl="0" eaLnBrk="1" latinLnBrk="0" hangingPunct="1">
+              <a:lnSpc>
+                <a:spcPct val="90000"/>
+              </a:lnSpc>
+              <a:spcBef>
+                <a:spcPts val="500"/>
+              </a:spcBef>
+              <a:buFont typeface="Arial" panose="020B0604020202020204" pitchFamily="34" charset="0"/>
+              <a:buChar char="•"/>
+              <a:defRPr sz="1800" kern="1200">
+                <a:solidFill>
+                  <a:schemeClr val="tx1"/>
+                </a:solidFill>
+                <a:latin typeface="+mn-lt"/>
+                <a:ea typeface="+mn-ea"/>
+                <a:cs typeface="+mn-cs"/>
+              </a:defRPr>
+            </a:lvl4pPr>
+            <a:lvl5pPr marL="2057400" indent="-228600" algn="l" defTabSz="914400" rtl="0" eaLnBrk="1" latinLnBrk="0" hangingPunct="1">
+              <a:lnSpc>
+                <a:spcPct val="90000"/>
+              </a:lnSpc>
+              <a:spcBef>
+                <a:spcPts val="500"/>
+              </a:spcBef>
+              <a:buFont typeface="Arial" panose="020B0604020202020204" pitchFamily="34" charset="0"/>
+              <a:buChar char="•"/>
+              <a:defRPr sz="1800" kern="1200">
+                <a:solidFill>
+                  <a:schemeClr val="tx1"/>
+                </a:solidFill>
+                <a:latin typeface="+mn-lt"/>
+                <a:ea typeface="+mn-ea"/>
+                <a:cs typeface="+mn-cs"/>
+              </a:defRPr>
+            </a:lvl5pPr>
+            <a:lvl6pPr marL="2514600" indent="-228600" algn="l" defTabSz="914400" rtl="0" eaLnBrk="1" latinLnBrk="0" hangingPunct="1">
+              <a:lnSpc>
+                <a:spcPct val="90000"/>
+              </a:lnSpc>
+              <a:spcBef>
+                <a:spcPts val="500"/>
+              </a:spcBef>
+              <a:buFont typeface="Arial" panose="020B0604020202020204" pitchFamily="34" charset="0"/>
+              <a:buChar char="•"/>
+              <a:defRPr sz="1800" kern="1200">
+                <a:solidFill>
+                  <a:schemeClr val="tx1"/>
+                </a:solidFill>
+                <a:latin typeface="+mn-lt"/>
+                <a:ea typeface="+mn-ea"/>
+                <a:cs typeface="+mn-cs"/>
+              </a:defRPr>
+            </a:lvl6pPr>
+            <a:lvl7pPr marL="2971800" indent="-228600" algn="l" defTabSz="914400" rtl="0" eaLnBrk="1" latinLnBrk="0" hangingPunct="1">
+              <a:lnSpc>
+                <a:spcPct val="90000"/>
+              </a:lnSpc>
+              <a:spcBef>
+                <a:spcPts val="500"/>
+              </a:spcBef>
+              <a:buFont typeface="Arial" panose="020B0604020202020204" pitchFamily="34" charset="0"/>
+              <a:buChar char="•"/>
+              <a:defRPr sz="1800" kern="1200">
+                <a:solidFill>
+                  <a:schemeClr val="tx1"/>
+                </a:solidFill>
+                <a:latin typeface="+mn-lt"/>
+                <a:ea typeface="+mn-ea"/>
+                <a:cs typeface="+mn-cs"/>
+              </a:defRPr>
+            </a:lvl7pPr>
+            <a:lvl8pPr marL="3429000" indent="-228600" algn="l" defTabSz="914400" rtl="0" eaLnBrk="1" latinLnBrk="0" hangingPunct="1">
+              <a:lnSpc>
+                <a:spcPct val="90000"/>
+              </a:lnSpc>
+              <a:spcBef>
+                <a:spcPts val="500"/>
+              </a:spcBef>
+              <a:buFont typeface="Arial" panose="020B0604020202020204" pitchFamily="34" charset="0"/>
+              <a:buChar char="•"/>
+              <a:defRPr sz="1800" kern="1200">
+                <a:solidFill>
+                  <a:schemeClr val="tx1"/>
+                </a:solidFill>
+                <a:latin typeface="+mn-lt"/>
+                <a:ea typeface="+mn-ea"/>
+                <a:cs typeface="+mn-cs"/>
+              </a:defRPr>
+            </a:lvl8pPr>
+            <a:lvl9pPr marL="3886200" indent="-228600" algn="l" defTabSz="914400" rtl="0" eaLnBrk="1" latinLnBrk="0" hangingPunct="1">
+              <a:lnSpc>
+                <a:spcPct val="90000"/>
+              </a:lnSpc>
+              <a:spcBef>
+                <a:spcPts val="500"/>
+              </a:spcBef>
+              <a:buFont typeface="Arial" panose="020B0604020202020204" pitchFamily="34" charset="0"/>
+              <a:buChar char="•"/>
+              <a:defRPr sz="1800" kern="1200">
+                <a:solidFill>
+                  <a:schemeClr val="tx1"/>
+                </a:solidFill>
+                <a:latin typeface="+mn-lt"/>
+                <a:ea typeface="+mn-ea"/>
+                <a:cs typeface="+mn-cs"/>
+              </a:defRPr>
+            </a:lvl9pPr>
+          </a:lstStyle>
+          <a:p>
+            <a:pPr marL="0" indent="0">
+              <a:buFont typeface="Arial" panose="020B0604020202020204" pitchFamily="34" charset="0"/>
+              <a:buNone/>
+            </a:pPr>
+            <a:r>
+              <a:rPr lang="en-AU" sz="3200" dirty="0">
+                <a:solidFill>
+                  <a:schemeClr val="bg1"/>
+                </a:solidFill>
+                <a:latin typeface="Poppins Thin" panose="00000300000000000000" pitchFamily="2" charset="0"/>
+                <a:cs typeface="Poppins Thin" panose="00000300000000000000" pitchFamily="2" charset="0"/>
+              </a:rPr>
+              <a:t>Important part for initial visualizations is to see overall Australian trends at a glance</a:t>
+            </a:r>
+          </a:p>
+        </p:txBody>
+      </p:sp>
+      <p:sp>
+        <p:nvSpPr>
+          <p:cNvPr id="5" name="Title 1">
+            <a:extLst>
+              <a:ext uri="{FF2B5EF4-FFF2-40B4-BE49-F238E27FC236}">
+                <a16:creationId xmlns:a16="http://schemas.microsoft.com/office/drawing/2014/main" id="{EB720783-13BF-4DEF-8776-4D4A37E18F49}"/>
+              </a:ext>
+            </a:extLst>
+          </p:cNvPr>
+          <p:cNvSpPr txBox="1">
+            <a:spLocks/>
+          </p:cNvSpPr>
+          <p:nvPr/>
+        </p:nvSpPr>
+        <p:spPr>
+          <a:xfrm>
+            <a:off x="-1405631" y="241772"/>
+            <a:ext cx="9144000" cy="914545"/>
+          </a:xfrm>
+          <a:prstGeom prst="rect">
+            <a:avLst/>
+          </a:prstGeom>
+        </p:spPr>
+        <p:txBody>
+          <a:bodyPr vert="horz" lIns="91440" tIns="45720" rIns="91440" bIns="45720" rtlCol="0" anchor="ctr">
+            <a:normAutofit/>
+          </a:bodyPr>
+          <a:lstStyle>
+            <a:lvl1pPr algn="l" defTabSz="914400" rtl="0" eaLnBrk="1" latinLnBrk="0" hangingPunct="1">
+              <a:lnSpc>
+                <a:spcPct val="90000"/>
+              </a:lnSpc>
+              <a:spcBef>
+                <a:spcPct val="0"/>
+              </a:spcBef>
+              <a:buNone/>
+              <a:defRPr sz="4400" kern="1200">
+                <a:solidFill>
+                  <a:schemeClr val="tx1"/>
+                </a:solidFill>
+                <a:latin typeface="+mj-lt"/>
+                <a:ea typeface="+mj-ea"/>
+                <a:cs typeface="+mj-cs"/>
+              </a:defRPr>
+            </a:lvl1pPr>
+          </a:lstStyle>
+          <a:p>
+            <a:pPr algn="ctr"/>
+            <a:r>
+              <a:rPr lang="en-AU" dirty="0">
+                <a:solidFill>
+                  <a:schemeClr val="bg1"/>
+                </a:solidFill>
+                <a:latin typeface="Poppins SemiBold" panose="00000700000000000000" pitchFamily="2" charset="0"/>
+                <a:cs typeface="Poppins SemiBold" panose="00000700000000000000" pitchFamily="2" charset="0"/>
+              </a:rPr>
+              <a:t>Initial Visualizations</a:t>
+            </a:r>
+          </a:p>
+        </p:txBody>
+      </p:sp>
+      <p:cxnSp>
+        <p:nvCxnSpPr>
+          <p:cNvPr id="6" name="Straight Connector 5">
+            <a:extLst>
+              <a:ext uri="{FF2B5EF4-FFF2-40B4-BE49-F238E27FC236}">
+                <a16:creationId xmlns:a16="http://schemas.microsoft.com/office/drawing/2014/main" id="{0FDB0F6A-6BE4-4630-9F3E-4E0D119DEF8B}"/>
+              </a:ext>
+            </a:extLst>
+          </p:cNvPr>
+          <p:cNvCxnSpPr>
+            <a:cxnSpLocks/>
+          </p:cNvCxnSpPr>
+          <p:nvPr/>
+        </p:nvCxnSpPr>
+        <p:spPr>
+          <a:xfrm flipH="1">
+            <a:off x="843423" y="1156317"/>
+            <a:ext cx="4645891" cy="0"/>
+          </a:xfrm>
+          <a:prstGeom prst="line">
+            <a:avLst/>
+          </a:prstGeom>
+          <a:ln w="19050">
+            <a:solidFill>
+              <a:srgbClr val="FFF200"/>
+            </a:solidFill>
+          </a:ln>
+        </p:spPr>
+        <p:style>
+          <a:lnRef idx="1">
+            <a:schemeClr val="accent1"/>
+          </a:lnRef>
+          <a:fillRef idx="0">
+            <a:schemeClr val="accent1"/>
+          </a:fillRef>
+          <a:effectRef idx="0">
+            <a:schemeClr val="accent1"/>
+          </a:effectRef>
+          <a:fontRef idx="minor">
+            <a:schemeClr val="tx1"/>
+          </a:fontRef>
+        </p:style>
+      </p:cxnSp>
+    </p:spTree>
+    <p:extLst>
+      <p:ext uri="{BB962C8B-B14F-4D97-AF65-F5344CB8AC3E}">
+        <p14:creationId xmlns:p14="http://schemas.microsoft.com/office/powerpoint/2010/main" val="3476225736"/>
+      </p:ext>
+    </p:extLst>
+  </p:cSld>
+  <p:clrMapOvr>
+    <a:masterClrMapping/>
+  </p:clrMapOvr>
+</p:sld>
+</file>
+
+<file path=ppt/slides/slide13.xml><?xml version="1.0" encoding="utf-8"?>
+<p:sld xmlns:a="http://schemas.openxmlformats.org/drawingml/2006/main" xmlns:r="http://schemas.openxmlformats.org/officeDocument/2006/relationships" xmlns:p="http://schemas.openxmlformats.org/presentationml/2006/main">
+  <p:cSld>
+    <p:spTree>
+      <p:nvGrpSpPr>
+        <p:cNvPr id="1" name=""/>
+        <p:cNvGrpSpPr/>
+        <p:nvPr/>
+      </p:nvGrpSpPr>
+      <p:grpSpPr>
+        <a:xfrm>
+          <a:off x="0" y="0"/>
+          <a:ext cx="0" cy="0"/>
+          <a:chOff x="0" y="0"/>
+          <a:chExt cx="0" cy="0"/>
+        </a:xfrm>
+      </p:grpSpPr>
+      <p:pic>
+        <p:nvPicPr>
+          <p:cNvPr id="4" name="Picture 3">
+            <a:extLst>
+              <a:ext uri="{FF2B5EF4-FFF2-40B4-BE49-F238E27FC236}">
+                <a16:creationId xmlns:a16="http://schemas.microsoft.com/office/drawing/2014/main" id="{78E7EAB1-B439-4188-8B4A-153F2C023FCC}"/>
+              </a:ext>
+            </a:extLst>
+          </p:cNvPr>
+          <p:cNvPicPr>
+            <a:picLocks noChangeAspect="1"/>
+          </p:cNvPicPr>
+          <p:nvPr/>
+        </p:nvPicPr>
+        <p:blipFill>
+          <a:blip r:embed="rId2"/>
+          <a:stretch>
+            <a:fillRect/>
+          </a:stretch>
+        </p:blipFill>
+        <p:spPr>
+          <a:xfrm>
+            <a:off x="62144" y="71022"/>
+            <a:ext cx="7044602" cy="3959440"/>
+          </a:xfrm>
+          <a:prstGeom prst="rect">
+            <a:avLst/>
+          </a:prstGeom>
+        </p:spPr>
+      </p:pic>
+      <p:sp>
+        <p:nvSpPr>
+          <p:cNvPr id="3" name="Subtitle 2">
+            <a:extLst>
+              <a:ext uri="{FF2B5EF4-FFF2-40B4-BE49-F238E27FC236}">
+                <a16:creationId xmlns:a16="http://schemas.microsoft.com/office/drawing/2014/main" id="{03C9FAA7-28F7-430C-A71B-F545398E44DC}"/>
+              </a:ext>
+            </a:extLst>
+          </p:cNvPr>
+          <p:cNvSpPr txBox="1">
+            <a:spLocks/>
+          </p:cNvSpPr>
+          <p:nvPr/>
+        </p:nvSpPr>
+        <p:spPr>
+          <a:xfrm>
+            <a:off x="7235302" y="1047565"/>
+            <a:ext cx="4956698" cy="2006353"/>
+          </a:xfrm>
+          <a:prstGeom prst="rect">
+            <a:avLst/>
+          </a:prstGeom>
+        </p:spPr>
+        <p:txBody>
+          <a:bodyPr vert="horz" lIns="91440" tIns="45720" rIns="91440" bIns="45720" rtlCol="0">
+            <a:normAutofit/>
+          </a:bodyPr>
+          <a:lstStyle>
+            <a:lvl1pPr marL="228600" indent="-228600" algn="l" defTabSz="914400" rtl="0" eaLnBrk="1" latinLnBrk="0" hangingPunct="1">
+              <a:lnSpc>
+                <a:spcPct val="90000"/>
+              </a:lnSpc>
+              <a:spcBef>
+                <a:spcPts val="1000"/>
+              </a:spcBef>
+              <a:buFont typeface="Arial" panose="020B0604020202020204" pitchFamily="34" charset="0"/>
+              <a:buChar char="•"/>
+              <a:defRPr sz="2800" kern="1200">
+                <a:solidFill>
+                  <a:schemeClr val="tx1"/>
+                </a:solidFill>
+                <a:latin typeface="+mn-lt"/>
+                <a:ea typeface="+mn-ea"/>
+                <a:cs typeface="+mn-cs"/>
+              </a:defRPr>
+            </a:lvl1pPr>
+            <a:lvl2pPr marL="685800" indent="-228600" algn="l" defTabSz="914400" rtl="0" eaLnBrk="1" latinLnBrk="0" hangingPunct="1">
+              <a:lnSpc>
+                <a:spcPct val="90000"/>
+              </a:lnSpc>
+              <a:spcBef>
+                <a:spcPts val="500"/>
+              </a:spcBef>
+              <a:buFont typeface="Arial" panose="020B0604020202020204" pitchFamily="34" charset="0"/>
+              <a:buChar char="•"/>
+              <a:defRPr sz="2400" kern="1200">
+                <a:solidFill>
+                  <a:schemeClr val="tx1"/>
+                </a:solidFill>
+                <a:latin typeface="+mn-lt"/>
+                <a:ea typeface="+mn-ea"/>
+                <a:cs typeface="+mn-cs"/>
+              </a:defRPr>
+            </a:lvl2pPr>
+            <a:lvl3pPr marL="1143000" indent="-228600" algn="l" defTabSz="914400" rtl="0" eaLnBrk="1" latinLnBrk="0" hangingPunct="1">
+              <a:lnSpc>
+                <a:spcPct val="90000"/>
+              </a:lnSpc>
+              <a:spcBef>
+                <a:spcPts val="500"/>
+              </a:spcBef>
+              <a:buFont typeface="Arial" panose="020B0604020202020204" pitchFamily="34" charset="0"/>
+              <a:buChar char="•"/>
+              <a:defRPr sz="2000" kern="1200">
+                <a:solidFill>
+                  <a:schemeClr val="tx1"/>
+                </a:solidFill>
+                <a:latin typeface="+mn-lt"/>
+                <a:ea typeface="+mn-ea"/>
+                <a:cs typeface="+mn-cs"/>
+              </a:defRPr>
+            </a:lvl3pPr>
+            <a:lvl4pPr marL="1600200" indent="-228600" algn="l" defTabSz="914400" rtl="0" eaLnBrk="1" latinLnBrk="0" hangingPunct="1">
+              <a:lnSpc>
+                <a:spcPct val="90000"/>
+              </a:lnSpc>
+              <a:spcBef>
+                <a:spcPts val="500"/>
+              </a:spcBef>
+              <a:buFont typeface="Arial" panose="020B0604020202020204" pitchFamily="34" charset="0"/>
+              <a:buChar char="•"/>
+              <a:defRPr sz="1800" kern="1200">
+                <a:solidFill>
+                  <a:schemeClr val="tx1"/>
+                </a:solidFill>
+                <a:latin typeface="+mn-lt"/>
+                <a:ea typeface="+mn-ea"/>
+                <a:cs typeface="+mn-cs"/>
+              </a:defRPr>
+            </a:lvl4pPr>
+            <a:lvl5pPr marL="2057400" indent="-228600" algn="l" defTabSz="914400" rtl="0" eaLnBrk="1" latinLnBrk="0" hangingPunct="1">
+              <a:lnSpc>
+                <a:spcPct val="90000"/>
+              </a:lnSpc>
+              <a:spcBef>
+                <a:spcPts val="500"/>
+              </a:spcBef>
+              <a:buFont typeface="Arial" panose="020B0604020202020204" pitchFamily="34" charset="0"/>
+              <a:buChar char="•"/>
+              <a:defRPr sz="1800" kern="1200">
+                <a:solidFill>
+                  <a:schemeClr val="tx1"/>
+                </a:solidFill>
+                <a:latin typeface="+mn-lt"/>
+                <a:ea typeface="+mn-ea"/>
+                <a:cs typeface="+mn-cs"/>
+              </a:defRPr>
+            </a:lvl5pPr>
+            <a:lvl6pPr marL="2514600" indent="-228600" algn="l" defTabSz="914400" rtl="0" eaLnBrk="1" latinLnBrk="0" hangingPunct="1">
+              <a:lnSpc>
+                <a:spcPct val="90000"/>
+              </a:lnSpc>
+              <a:spcBef>
+                <a:spcPts val="500"/>
+              </a:spcBef>
+              <a:buFont typeface="Arial" panose="020B0604020202020204" pitchFamily="34" charset="0"/>
+              <a:buChar char="•"/>
+              <a:defRPr sz="1800" kern="1200">
+                <a:solidFill>
+                  <a:schemeClr val="tx1"/>
+                </a:solidFill>
+                <a:latin typeface="+mn-lt"/>
+                <a:ea typeface="+mn-ea"/>
+                <a:cs typeface="+mn-cs"/>
+              </a:defRPr>
+            </a:lvl6pPr>
+            <a:lvl7pPr marL="2971800" indent="-228600" algn="l" defTabSz="914400" rtl="0" eaLnBrk="1" latinLnBrk="0" hangingPunct="1">
+              <a:lnSpc>
+                <a:spcPct val="90000"/>
+              </a:lnSpc>
+              <a:spcBef>
+                <a:spcPts val="500"/>
+              </a:spcBef>
+              <a:buFont typeface="Arial" panose="020B0604020202020204" pitchFamily="34" charset="0"/>
+              <a:buChar char="•"/>
+              <a:defRPr sz="1800" kern="1200">
+                <a:solidFill>
+                  <a:schemeClr val="tx1"/>
+                </a:solidFill>
+                <a:latin typeface="+mn-lt"/>
+                <a:ea typeface="+mn-ea"/>
+                <a:cs typeface="+mn-cs"/>
+              </a:defRPr>
+            </a:lvl7pPr>
+            <a:lvl8pPr marL="3429000" indent="-228600" algn="l" defTabSz="914400" rtl="0" eaLnBrk="1" latinLnBrk="0" hangingPunct="1">
+              <a:lnSpc>
+                <a:spcPct val="90000"/>
+              </a:lnSpc>
+              <a:spcBef>
+                <a:spcPts val="500"/>
+              </a:spcBef>
+              <a:buFont typeface="Arial" panose="020B0604020202020204" pitchFamily="34" charset="0"/>
+              <a:buChar char="•"/>
+              <a:defRPr sz="1800" kern="1200">
+                <a:solidFill>
+                  <a:schemeClr val="tx1"/>
+                </a:solidFill>
+                <a:latin typeface="+mn-lt"/>
+                <a:ea typeface="+mn-ea"/>
+                <a:cs typeface="+mn-cs"/>
+              </a:defRPr>
+            </a:lvl8pPr>
+            <a:lvl9pPr marL="3886200" indent="-228600" algn="l" defTabSz="914400" rtl="0" eaLnBrk="1" latinLnBrk="0" hangingPunct="1">
+              <a:lnSpc>
+                <a:spcPct val="90000"/>
+              </a:lnSpc>
+              <a:spcBef>
+                <a:spcPts val="500"/>
+              </a:spcBef>
+              <a:buFont typeface="Arial" panose="020B0604020202020204" pitchFamily="34" charset="0"/>
+              <a:buChar char="•"/>
+              <a:defRPr sz="1800" kern="1200">
+                <a:solidFill>
+                  <a:schemeClr val="tx1"/>
+                </a:solidFill>
+                <a:latin typeface="+mn-lt"/>
+                <a:ea typeface="+mn-ea"/>
+                <a:cs typeface="+mn-cs"/>
+              </a:defRPr>
+            </a:lvl9pPr>
+          </a:lstStyle>
+          <a:p>
+            <a:pPr marL="0" indent="0">
+              <a:buFont typeface="Arial" panose="020B0604020202020204" pitchFamily="34" charset="0"/>
+              <a:buNone/>
+            </a:pPr>
+            <a:endParaRPr lang="en-AU" dirty="0">
+              <a:solidFill>
+                <a:schemeClr val="bg1"/>
+              </a:solidFill>
+              <a:latin typeface="Poppins Thin" panose="00000300000000000000" pitchFamily="2" charset="0"/>
+              <a:cs typeface="Poppins Thin" panose="00000300000000000000" pitchFamily="2" charset="0"/>
+            </a:endParaRPr>
+          </a:p>
+          <a:p>
+            <a:pPr marL="0" indent="0">
+              <a:buFont typeface="Arial" panose="020B0604020202020204" pitchFamily="34" charset="0"/>
+              <a:buNone/>
+            </a:pPr>
+            <a:r>
+              <a:rPr lang="en-AU" dirty="0">
+                <a:solidFill>
+                  <a:schemeClr val="bg1"/>
+                </a:solidFill>
+                <a:latin typeface="Poppins Thin" panose="00000300000000000000" pitchFamily="2" charset="0"/>
+                <a:cs typeface="Poppins Thin" panose="00000300000000000000" pitchFamily="2" charset="0"/>
+              </a:rPr>
+              <a:t>Stacked bar chart showing total arrivals in Australia each month</a:t>
+            </a:r>
+          </a:p>
+        </p:txBody>
+      </p:sp>
+      <p:sp>
+        <p:nvSpPr>
+          <p:cNvPr id="5" name="Title 1">
+            <a:extLst>
+              <a:ext uri="{FF2B5EF4-FFF2-40B4-BE49-F238E27FC236}">
+                <a16:creationId xmlns:a16="http://schemas.microsoft.com/office/drawing/2014/main" id="{1279DE2A-D8BC-42F8-B9A2-5002E5466014}"/>
+              </a:ext>
+            </a:extLst>
+          </p:cNvPr>
+          <p:cNvSpPr txBox="1">
+            <a:spLocks/>
+          </p:cNvSpPr>
+          <p:nvPr/>
+        </p:nvSpPr>
+        <p:spPr>
+          <a:xfrm>
+            <a:off x="5048527" y="439114"/>
+            <a:ext cx="9144000" cy="914545"/>
+          </a:xfrm>
+          <a:prstGeom prst="rect">
+            <a:avLst/>
+          </a:prstGeom>
+        </p:spPr>
+        <p:txBody>
+          <a:bodyPr vert="horz" lIns="91440" tIns="45720" rIns="91440" bIns="45720" rtlCol="0" anchor="ctr">
+            <a:normAutofit/>
+          </a:bodyPr>
+          <a:lstStyle>
+            <a:lvl1pPr algn="l" defTabSz="914400" rtl="0" eaLnBrk="1" latinLnBrk="0" hangingPunct="1">
+              <a:lnSpc>
+                <a:spcPct val="90000"/>
+              </a:lnSpc>
+              <a:spcBef>
+                <a:spcPct val="0"/>
+              </a:spcBef>
+              <a:buNone/>
+              <a:defRPr sz="4400" kern="1200">
+                <a:solidFill>
+                  <a:schemeClr val="tx1"/>
+                </a:solidFill>
+                <a:latin typeface="+mj-lt"/>
+                <a:ea typeface="+mj-ea"/>
+                <a:cs typeface="+mj-cs"/>
+              </a:defRPr>
+            </a:lvl1pPr>
+          </a:lstStyle>
+          <a:p>
+            <a:pPr algn="ctr"/>
+            <a:r>
+              <a:rPr lang="en-AU" dirty="0">
+                <a:solidFill>
+                  <a:schemeClr val="bg1"/>
+                </a:solidFill>
+                <a:latin typeface="Poppins SemiBold" panose="00000700000000000000" pitchFamily="2" charset="0"/>
+                <a:cs typeface="Poppins SemiBold" panose="00000700000000000000" pitchFamily="2" charset="0"/>
+              </a:rPr>
+              <a:t>Yearly Arrivals</a:t>
+            </a:r>
+          </a:p>
+        </p:txBody>
+      </p:sp>
+      <p:cxnSp>
+        <p:nvCxnSpPr>
+          <p:cNvPr id="6" name="Straight Connector 5">
+            <a:extLst>
+              <a:ext uri="{FF2B5EF4-FFF2-40B4-BE49-F238E27FC236}">
+                <a16:creationId xmlns:a16="http://schemas.microsoft.com/office/drawing/2014/main" id="{D3CDC234-268A-4E73-8C02-3D43BBE2AD22}"/>
+              </a:ext>
+            </a:extLst>
+          </p:cNvPr>
+          <p:cNvCxnSpPr>
+            <a:cxnSpLocks/>
+          </p:cNvCxnSpPr>
+          <p:nvPr/>
+        </p:nvCxnSpPr>
+        <p:spPr>
+          <a:xfrm flipH="1">
+            <a:off x="7341970" y="1208224"/>
+            <a:ext cx="4645891" cy="0"/>
+          </a:xfrm>
+          <a:prstGeom prst="line">
+            <a:avLst/>
+          </a:prstGeom>
+          <a:ln w="19050">
+            <a:solidFill>
+              <a:srgbClr val="FFF200"/>
+            </a:solidFill>
+          </a:ln>
+        </p:spPr>
+        <p:style>
+          <a:lnRef idx="1">
+            <a:schemeClr val="accent1"/>
+          </a:lnRef>
+          <a:fillRef idx="0">
+            <a:schemeClr val="accent1"/>
+          </a:fillRef>
+          <a:effectRef idx="0">
+            <a:schemeClr val="accent1"/>
+          </a:effectRef>
+          <a:fontRef idx="minor">
+            <a:schemeClr val="tx1"/>
+          </a:fontRef>
+        </p:style>
+      </p:cxnSp>
+      <p:sp>
+        <p:nvSpPr>
+          <p:cNvPr id="7" name="Subtitle 2">
+            <a:extLst>
+              <a:ext uri="{FF2B5EF4-FFF2-40B4-BE49-F238E27FC236}">
+                <a16:creationId xmlns:a16="http://schemas.microsoft.com/office/drawing/2014/main" id="{F4CD056A-17FC-4E04-8E88-5FC2DD8E54FA}"/>
+              </a:ext>
+            </a:extLst>
+          </p:cNvPr>
+          <p:cNvSpPr txBox="1">
+            <a:spLocks/>
+          </p:cNvSpPr>
+          <p:nvPr/>
+        </p:nvSpPr>
+        <p:spPr>
+          <a:xfrm>
+            <a:off x="0" y="4030462"/>
+            <a:ext cx="4956698" cy="2006353"/>
+          </a:xfrm>
+          <a:prstGeom prst="rect">
+            <a:avLst/>
+          </a:prstGeom>
+        </p:spPr>
+        <p:txBody>
+          <a:bodyPr vert="horz" lIns="91440" tIns="45720" rIns="91440" bIns="45720" rtlCol="0">
+            <a:normAutofit/>
+          </a:bodyPr>
+          <a:lstStyle>
+            <a:lvl1pPr marL="228600" indent="-228600" algn="l" defTabSz="914400" rtl="0" eaLnBrk="1" latinLnBrk="0" hangingPunct="1">
+              <a:lnSpc>
+                <a:spcPct val="90000"/>
+              </a:lnSpc>
+              <a:spcBef>
+                <a:spcPts val="1000"/>
+              </a:spcBef>
+              <a:buFont typeface="Arial" panose="020B0604020202020204" pitchFamily="34" charset="0"/>
+              <a:buChar char="•"/>
+              <a:defRPr sz="2800" kern="1200">
+                <a:solidFill>
+                  <a:schemeClr val="tx1"/>
+                </a:solidFill>
+                <a:latin typeface="+mn-lt"/>
+                <a:ea typeface="+mn-ea"/>
+                <a:cs typeface="+mn-cs"/>
+              </a:defRPr>
+            </a:lvl1pPr>
+            <a:lvl2pPr marL="685800" indent="-228600" algn="l" defTabSz="914400" rtl="0" eaLnBrk="1" latinLnBrk="0" hangingPunct="1">
+              <a:lnSpc>
+                <a:spcPct val="90000"/>
+              </a:lnSpc>
+              <a:spcBef>
+                <a:spcPts val="500"/>
+              </a:spcBef>
+              <a:buFont typeface="Arial" panose="020B0604020202020204" pitchFamily="34" charset="0"/>
+              <a:buChar char="•"/>
+              <a:defRPr sz="2400" kern="1200">
+                <a:solidFill>
+                  <a:schemeClr val="tx1"/>
+                </a:solidFill>
+                <a:latin typeface="+mn-lt"/>
+                <a:ea typeface="+mn-ea"/>
+                <a:cs typeface="+mn-cs"/>
+              </a:defRPr>
+            </a:lvl2pPr>
+            <a:lvl3pPr marL="1143000" indent="-228600" algn="l" defTabSz="914400" rtl="0" eaLnBrk="1" latinLnBrk="0" hangingPunct="1">
+              <a:lnSpc>
+                <a:spcPct val="90000"/>
+              </a:lnSpc>
+              <a:spcBef>
+                <a:spcPts val="500"/>
+              </a:spcBef>
+              <a:buFont typeface="Arial" panose="020B0604020202020204" pitchFamily="34" charset="0"/>
+              <a:buChar char="•"/>
+              <a:defRPr sz="2000" kern="1200">
+                <a:solidFill>
+                  <a:schemeClr val="tx1"/>
+                </a:solidFill>
+                <a:latin typeface="+mn-lt"/>
+                <a:ea typeface="+mn-ea"/>
+                <a:cs typeface="+mn-cs"/>
+              </a:defRPr>
+            </a:lvl3pPr>
+            <a:lvl4pPr marL="1600200" indent="-228600" algn="l" defTabSz="914400" rtl="0" eaLnBrk="1" latinLnBrk="0" hangingPunct="1">
+              <a:lnSpc>
+                <a:spcPct val="90000"/>
+              </a:lnSpc>
+              <a:spcBef>
+                <a:spcPts val="500"/>
+              </a:spcBef>
+              <a:buFont typeface="Arial" panose="020B0604020202020204" pitchFamily="34" charset="0"/>
+              <a:buChar char="•"/>
+              <a:defRPr sz="1800" kern="1200">
+                <a:solidFill>
+                  <a:schemeClr val="tx1"/>
+                </a:solidFill>
+                <a:latin typeface="+mn-lt"/>
+                <a:ea typeface="+mn-ea"/>
+                <a:cs typeface="+mn-cs"/>
+              </a:defRPr>
+            </a:lvl4pPr>
+            <a:lvl5pPr marL="2057400" indent="-228600" algn="l" defTabSz="914400" rtl="0" eaLnBrk="1" latinLnBrk="0" hangingPunct="1">
+              <a:lnSpc>
+                <a:spcPct val="90000"/>
+              </a:lnSpc>
+              <a:spcBef>
+                <a:spcPts val="500"/>
+              </a:spcBef>
+              <a:buFont typeface="Arial" panose="020B0604020202020204" pitchFamily="34" charset="0"/>
+              <a:buChar char="•"/>
+              <a:defRPr sz="1800" kern="1200">
+                <a:solidFill>
+                  <a:schemeClr val="tx1"/>
+                </a:solidFill>
+                <a:latin typeface="+mn-lt"/>
+                <a:ea typeface="+mn-ea"/>
+                <a:cs typeface="+mn-cs"/>
+              </a:defRPr>
+            </a:lvl5pPr>
+            <a:lvl6pPr marL="2514600" indent="-228600" algn="l" defTabSz="914400" rtl="0" eaLnBrk="1" latinLnBrk="0" hangingPunct="1">
+              <a:lnSpc>
+                <a:spcPct val="90000"/>
+              </a:lnSpc>
+              <a:spcBef>
+                <a:spcPts val="500"/>
+              </a:spcBef>
+              <a:buFont typeface="Arial" panose="020B0604020202020204" pitchFamily="34" charset="0"/>
+              <a:buChar char="•"/>
+              <a:defRPr sz="1800" kern="1200">
+                <a:solidFill>
+                  <a:schemeClr val="tx1"/>
+                </a:solidFill>
+                <a:latin typeface="+mn-lt"/>
+                <a:ea typeface="+mn-ea"/>
+                <a:cs typeface="+mn-cs"/>
+              </a:defRPr>
+            </a:lvl6pPr>
+            <a:lvl7pPr marL="2971800" indent="-228600" algn="l" defTabSz="914400" rtl="0" eaLnBrk="1" latinLnBrk="0" hangingPunct="1">
+              <a:lnSpc>
+                <a:spcPct val="90000"/>
+              </a:lnSpc>
+              <a:spcBef>
+                <a:spcPts val="500"/>
+              </a:spcBef>
+              <a:buFont typeface="Arial" panose="020B0604020202020204" pitchFamily="34" charset="0"/>
+              <a:buChar char="•"/>
+              <a:defRPr sz="1800" kern="1200">
+                <a:solidFill>
+                  <a:schemeClr val="tx1"/>
+                </a:solidFill>
+                <a:latin typeface="+mn-lt"/>
+                <a:ea typeface="+mn-ea"/>
+                <a:cs typeface="+mn-cs"/>
+              </a:defRPr>
+            </a:lvl7pPr>
+            <a:lvl8pPr marL="3429000" indent="-228600" algn="l" defTabSz="914400" rtl="0" eaLnBrk="1" latinLnBrk="0" hangingPunct="1">
+              <a:lnSpc>
+                <a:spcPct val="90000"/>
+              </a:lnSpc>
+              <a:spcBef>
+                <a:spcPts val="500"/>
+              </a:spcBef>
+              <a:buFont typeface="Arial" panose="020B0604020202020204" pitchFamily="34" charset="0"/>
+              <a:buChar char="•"/>
+              <a:defRPr sz="1800" kern="1200">
+                <a:solidFill>
+                  <a:schemeClr val="tx1"/>
+                </a:solidFill>
+                <a:latin typeface="+mn-lt"/>
+                <a:ea typeface="+mn-ea"/>
+                <a:cs typeface="+mn-cs"/>
+              </a:defRPr>
+            </a:lvl8pPr>
+            <a:lvl9pPr marL="3886200" indent="-228600" algn="l" defTabSz="914400" rtl="0" eaLnBrk="1" latinLnBrk="0" hangingPunct="1">
+              <a:lnSpc>
+                <a:spcPct val="90000"/>
+              </a:lnSpc>
+              <a:spcBef>
+                <a:spcPts val="500"/>
+              </a:spcBef>
+              <a:buFont typeface="Arial" panose="020B0604020202020204" pitchFamily="34" charset="0"/>
+              <a:buChar char="•"/>
+              <a:defRPr sz="1800" kern="1200">
+                <a:solidFill>
+                  <a:schemeClr val="tx1"/>
+                </a:solidFill>
+                <a:latin typeface="+mn-lt"/>
+                <a:ea typeface="+mn-ea"/>
+                <a:cs typeface="+mn-cs"/>
+              </a:defRPr>
+            </a:lvl9pPr>
+          </a:lstStyle>
+          <a:p>
+            <a:pPr marL="0" indent="0">
+              <a:buFont typeface="Arial" panose="020B0604020202020204" pitchFamily="34" charset="0"/>
+              <a:buNone/>
+            </a:pPr>
+            <a:endParaRPr lang="en-AU" dirty="0">
+              <a:solidFill>
+                <a:schemeClr val="bg1"/>
+              </a:solidFill>
+              <a:latin typeface="Poppins Thin" panose="00000300000000000000" pitchFamily="2" charset="0"/>
+              <a:cs typeface="Poppins Thin" panose="00000300000000000000" pitchFamily="2" charset="0"/>
+            </a:endParaRPr>
+          </a:p>
+          <a:p>
+            <a:pPr marL="0" indent="0">
+              <a:buFont typeface="Arial" panose="020B0604020202020204" pitchFamily="34" charset="0"/>
+              <a:buNone/>
+            </a:pPr>
+            <a:endParaRPr lang="en-AU" dirty="0">
+              <a:solidFill>
+                <a:schemeClr val="bg1"/>
+              </a:solidFill>
+              <a:latin typeface="Poppins Thin" panose="00000300000000000000" pitchFamily="2" charset="0"/>
+              <a:cs typeface="Poppins Thin" panose="00000300000000000000" pitchFamily="2" charset="0"/>
+            </a:endParaRPr>
+          </a:p>
+        </p:txBody>
+      </p:sp>
+      <p:sp>
+        <p:nvSpPr>
+          <p:cNvPr id="8" name="Subtitle 2">
+            <a:extLst>
+              <a:ext uri="{FF2B5EF4-FFF2-40B4-BE49-F238E27FC236}">
+                <a16:creationId xmlns:a16="http://schemas.microsoft.com/office/drawing/2014/main" id="{D5B395A2-A45F-4C65-BEB0-6AFCCE239785}"/>
+              </a:ext>
+            </a:extLst>
+          </p:cNvPr>
+          <p:cNvSpPr txBox="1">
+            <a:spLocks/>
+          </p:cNvSpPr>
+          <p:nvPr/>
+        </p:nvSpPr>
+        <p:spPr>
+          <a:xfrm>
+            <a:off x="172090" y="3671561"/>
+            <a:ext cx="8772734" cy="2656811"/>
+          </a:xfrm>
+          <a:prstGeom prst="rect">
+            <a:avLst/>
+          </a:prstGeom>
+        </p:spPr>
+        <p:txBody>
+          <a:bodyPr vert="horz" lIns="91440" tIns="45720" rIns="91440" bIns="45720" rtlCol="0">
+            <a:normAutofit/>
+          </a:bodyPr>
+          <a:lstStyle>
+            <a:lvl1pPr marL="228600" indent="-228600" algn="l" defTabSz="914400" rtl="0" eaLnBrk="1" latinLnBrk="0" hangingPunct="1">
+              <a:lnSpc>
+                <a:spcPct val="90000"/>
+              </a:lnSpc>
+              <a:spcBef>
+                <a:spcPts val="1000"/>
+              </a:spcBef>
+              <a:buFont typeface="Arial" panose="020B0604020202020204" pitchFamily="34" charset="0"/>
+              <a:buChar char="•"/>
+              <a:defRPr sz="2800" kern="1200">
+                <a:solidFill>
+                  <a:schemeClr val="tx1"/>
+                </a:solidFill>
+                <a:latin typeface="+mn-lt"/>
+                <a:ea typeface="+mn-ea"/>
+                <a:cs typeface="+mn-cs"/>
+              </a:defRPr>
+            </a:lvl1pPr>
+            <a:lvl2pPr marL="685800" indent="-228600" algn="l" defTabSz="914400" rtl="0" eaLnBrk="1" latinLnBrk="0" hangingPunct="1">
+              <a:lnSpc>
+                <a:spcPct val="90000"/>
+              </a:lnSpc>
+              <a:spcBef>
+                <a:spcPts val="500"/>
+              </a:spcBef>
+              <a:buFont typeface="Arial" panose="020B0604020202020204" pitchFamily="34" charset="0"/>
+              <a:buChar char="•"/>
+              <a:defRPr sz="2400" kern="1200">
+                <a:solidFill>
+                  <a:schemeClr val="tx1"/>
+                </a:solidFill>
+                <a:latin typeface="+mn-lt"/>
+                <a:ea typeface="+mn-ea"/>
+                <a:cs typeface="+mn-cs"/>
+              </a:defRPr>
+            </a:lvl2pPr>
+            <a:lvl3pPr marL="1143000" indent="-228600" algn="l" defTabSz="914400" rtl="0" eaLnBrk="1" latinLnBrk="0" hangingPunct="1">
+              <a:lnSpc>
+                <a:spcPct val="90000"/>
+              </a:lnSpc>
+              <a:spcBef>
+                <a:spcPts val="500"/>
+              </a:spcBef>
+              <a:buFont typeface="Arial" panose="020B0604020202020204" pitchFamily="34" charset="0"/>
+              <a:buChar char="•"/>
+              <a:defRPr sz="2000" kern="1200">
+                <a:solidFill>
+                  <a:schemeClr val="tx1"/>
+                </a:solidFill>
+                <a:latin typeface="+mn-lt"/>
+                <a:ea typeface="+mn-ea"/>
+                <a:cs typeface="+mn-cs"/>
+              </a:defRPr>
+            </a:lvl3pPr>
+            <a:lvl4pPr marL="1600200" indent="-228600" algn="l" defTabSz="914400" rtl="0" eaLnBrk="1" latinLnBrk="0" hangingPunct="1">
+              <a:lnSpc>
+                <a:spcPct val="90000"/>
+              </a:lnSpc>
+              <a:spcBef>
+                <a:spcPts val="500"/>
+              </a:spcBef>
+              <a:buFont typeface="Arial" panose="020B0604020202020204" pitchFamily="34" charset="0"/>
+              <a:buChar char="•"/>
+              <a:defRPr sz="1800" kern="1200">
+                <a:solidFill>
+                  <a:schemeClr val="tx1"/>
+                </a:solidFill>
+                <a:latin typeface="+mn-lt"/>
+                <a:ea typeface="+mn-ea"/>
+                <a:cs typeface="+mn-cs"/>
+              </a:defRPr>
+            </a:lvl4pPr>
+            <a:lvl5pPr marL="2057400" indent="-228600" algn="l" defTabSz="914400" rtl="0" eaLnBrk="1" latinLnBrk="0" hangingPunct="1">
+              <a:lnSpc>
+                <a:spcPct val="90000"/>
+              </a:lnSpc>
+              <a:spcBef>
+                <a:spcPts val="500"/>
+              </a:spcBef>
+              <a:buFont typeface="Arial" panose="020B0604020202020204" pitchFamily="34" charset="0"/>
+              <a:buChar char="•"/>
+              <a:defRPr sz="1800" kern="1200">
+                <a:solidFill>
+                  <a:schemeClr val="tx1"/>
+                </a:solidFill>
+                <a:latin typeface="+mn-lt"/>
+                <a:ea typeface="+mn-ea"/>
+                <a:cs typeface="+mn-cs"/>
+              </a:defRPr>
+            </a:lvl5pPr>
+            <a:lvl6pPr marL="2514600" indent="-228600" algn="l" defTabSz="914400" rtl="0" eaLnBrk="1" latinLnBrk="0" hangingPunct="1">
+              <a:lnSpc>
+                <a:spcPct val="90000"/>
+              </a:lnSpc>
+              <a:spcBef>
+                <a:spcPts val="500"/>
+              </a:spcBef>
+              <a:buFont typeface="Arial" panose="020B0604020202020204" pitchFamily="34" charset="0"/>
+              <a:buChar char="•"/>
+              <a:defRPr sz="1800" kern="1200">
+                <a:solidFill>
+                  <a:schemeClr val="tx1"/>
+                </a:solidFill>
+                <a:latin typeface="+mn-lt"/>
+                <a:ea typeface="+mn-ea"/>
+                <a:cs typeface="+mn-cs"/>
+              </a:defRPr>
+            </a:lvl6pPr>
+            <a:lvl7pPr marL="2971800" indent="-228600" algn="l" defTabSz="914400" rtl="0" eaLnBrk="1" latinLnBrk="0" hangingPunct="1">
+              <a:lnSpc>
+                <a:spcPct val="90000"/>
+              </a:lnSpc>
+              <a:spcBef>
+                <a:spcPts val="500"/>
+              </a:spcBef>
+              <a:buFont typeface="Arial" panose="020B0604020202020204" pitchFamily="34" charset="0"/>
+              <a:buChar char="•"/>
+              <a:defRPr sz="1800" kern="1200">
+                <a:solidFill>
+                  <a:schemeClr val="tx1"/>
+                </a:solidFill>
+                <a:latin typeface="+mn-lt"/>
+                <a:ea typeface="+mn-ea"/>
+                <a:cs typeface="+mn-cs"/>
+              </a:defRPr>
+            </a:lvl7pPr>
+            <a:lvl8pPr marL="3429000" indent="-228600" algn="l" defTabSz="914400" rtl="0" eaLnBrk="1" latinLnBrk="0" hangingPunct="1">
+              <a:lnSpc>
+                <a:spcPct val="90000"/>
+              </a:lnSpc>
+              <a:spcBef>
+                <a:spcPts val="500"/>
+              </a:spcBef>
+              <a:buFont typeface="Arial" panose="020B0604020202020204" pitchFamily="34" charset="0"/>
+              <a:buChar char="•"/>
+              <a:defRPr sz="1800" kern="1200">
+                <a:solidFill>
+                  <a:schemeClr val="tx1"/>
+                </a:solidFill>
+                <a:latin typeface="+mn-lt"/>
+                <a:ea typeface="+mn-ea"/>
+                <a:cs typeface="+mn-cs"/>
+              </a:defRPr>
+            </a:lvl8pPr>
+            <a:lvl9pPr marL="3886200" indent="-228600" algn="l" defTabSz="914400" rtl="0" eaLnBrk="1" latinLnBrk="0" hangingPunct="1">
+              <a:lnSpc>
+                <a:spcPct val="90000"/>
+              </a:lnSpc>
+              <a:spcBef>
+                <a:spcPts val="500"/>
+              </a:spcBef>
+              <a:buFont typeface="Arial" panose="020B0604020202020204" pitchFamily="34" charset="0"/>
+              <a:buChar char="•"/>
+              <a:defRPr sz="1800" kern="1200">
+                <a:solidFill>
+                  <a:schemeClr val="tx1"/>
+                </a:solidFill>
+                <a:latin typeface="+mn-lt"/>
+                <a:ea typeface="+mn-ea"/>
+                <a:cs typeface="+mn-cs"/>
+              </a:defRPr>
+            </a:lvl9pPr>
+          </a:lstStyle>
+          <a:p>
+            <a:pPr marL="0" indent="0">
+              <a:buFont typeface="Arial" panose="020B0604020202020204" pitchFamily="34" charset="0"/>
+              <a:buNone/>
+            </a:pPr>
+            <a:endParaRPr lang="en-AU" dirty="0">
+              <a:solidFill>
+                <a:schemeClr val="bg1"/>
+              </a:solidFill>
+              <a:latin typeface="Poppins Thin" panose="00000300000000000000" pitchFamily="2" charset="0"/>
+              <a:cs typeface="Poppins Thin" panose="00000300000000000000" pitchFamily="2" charset="0"/>
+            </a:endParaRPr>
+          </a:p>
+          <a:p>
+            <a:r>
+              <a:rPr lang="en-AU" dirty="0">
+                <a:solidFill>
+                  <a:schemeClr val="bg1"/>
+                </a:solidFill>
+                <a:latin typeface="Poppins Thin" panose="00000300000000000000" pitchFamily="2" charset="0"/>
+                <a:cs typeface="Poppins Thin" panose="00000300000000000000" pitchFamily="2" charset="0"/>
+              </a:rPr>
+              <a:t>Arrivals are trending upward as times goes on</a:t>
+            </a:r>
+          </a:p>
+          <a:p>
+            <a:endParaRPr lang="en-AU" dirty="0">
+              <a:solidFill>
+                <a:schemeClr val="bg1"/>
+              </a:solidFill>
+              <a:latin typeface="Poppins Thin" panose="00000300000000000000" pitchFamily="2" charset="0"/>
+              <a:cs typeface="Poppins Thin" panose="00000300000000000000" pitchFamily="2" charset="0"/>
+            </a:endParaRPr>
+          </a:p>
+          <a:p>
+            <a:r>
+              <a:rPr lang="en-AU" dirty="0">
+                <a:solidFill>
+                  <a:schemeClr val="bg1"/>
+                </a:solidFill>
+                <a:latin typeface="Poppins Thin" panose="00000300000000000000" pitchFamily="2" charset="0"/>
+                <a:cs typeface="Poppins Thin" panose="00000300000000000000" pitchFamily="2" charset="0"/>
+              </a:rPr>
+              <a:t>Volume oscillates on a seasonal basis</a:t>
+            </a:r>
+          </a:p>
+        </p:txBody>
+      </p:sp>
+    </p:spTree>
+    <p:extLst>
+      <p:ext uri="{BB962C8B-B14F-4D97-AF65-F5344CB8AC3E}">
+        <p14:creationId xmlns:p14="http://schemas.microsoft.com/office/powerpoint/2010/main" val="601014758"/>
+      </p:ext>
+    </p:extLst>
+  </p:cSld>
+  <p:clrMapOvr>
+    <a:masterClrMapping/>
+  </p:clrMapOvr>
+</p:sld>
+</file>
+
+<file path=ppt/slides/slide14.xml><?xml version="1.0" encoding="utf-8"?>
+<p:sld xmlns:a="http://schemas.openxmlformats.org/drawingml/2006/main" xmlns:r="http://schemas.openxmlformats.org/officeDocument/2006/relationships" xmlns:p="http://schemas.openxmlformats.org/presentationml/2006/main">
+  <p:cSld>
+    <p:spTree>
+      <p:nvGrpSpPr>
+        <p:cNvPr id="1" name=""/>
+        <p:cNvGrpSpPr/>
+        <p:nvPr/>
+      </p:nvGrpSpPr>
+      <p:grpSpPr>
+        <a:xfrm>
+          <a:off x="0" y="0"/>
+          <a:ext cx="0" cy="0"/>
+          <a:chOff x="0" y="0"/>
+          <a:chExt cx="0" cy="0"/>
+        </a:xfrm>
+      </p:grpSpPr>
+      <p:pic>
+        <p:nvPicPr>
+          <p:cNvPr id="4" name="Picture 3">
+            <a:extLst>
+              <a:ext uri="{FF2B5EF4-FFF2-40B4-BE49-F238E27FC236}">
+                <a16:creationId xmlns:a16="http://schemas.microsoft.com/office/drawing/2014/main" id="{78E7EAB1-B439-4188-8B4A-153F2C023FCC}"/>
+              </a:ext>
+            </a:extLst>
+          </p:cNvPr>
+          <p:cNvPicPr>
+            <a:picLocks noChangeAspect="1"/>
+          </p:cNvPicPr>
+          <p:nvPr/>
+        </p:nvPicPr>
+        <p:blipFill>
+          <a:blip r:embed="rId2"/>
+          <a:stretch>
+            <a:fillRect/>
+          </a:stretch>
+        </p:blipFill>
+        <p:spPr>
+          <a:xfrm>
+            <a:off x="0" y="0"/>
+            <a:ext cx="12201696" cy="6858000"/>
+          </a:xfrm>
+          <a:prstGeom prst="rect">
+            <a:avLst/>
+          </a:prstGeom>
+        </p:spPr>
+      </p:pic>
+    </p:spTree>
+    <p:extLst>
+      <p:ext uri="{BB962C8B-B14F-4D97-AF65-F5344CB8AC3E}">
+        <p14:creationId xmlns:p14="http://schemas.microsoft.com/office/powerpoint/2010/main" val="2160714412"/>
+      </p:ext>
+    </p:extLst>
+  </p:cSld>
+  <p:clrMapOvr>
+    <a:masterClrMapping/>
+  </p:clrMapOvr>
+</p:sld>
+</file>
+
+<file path=ppt/slides/slide15.xml><?xml version="1.0" encoding="utf-8"?>
+<p:sld xmlns:a="http://schemas.openxmlformats.org/drawingml/2006/main" xmlns:r="http://schemas.openxmlformats.org/officeDocument/2006/relationships" xmlns:p="http://schemas.openxmlformats.org/presentationml/2006/main">
+  <p:cSld>
+    <p:spTree>
+      <p:nvGrpSpPr>
+        <p:cNvPr id="1" name=""/>
+        <p:cNvGrpSpPr/>
+        <p:nvPr/>
+      </p:nvGrpSpPr>
+      <p:grpSpPr>
+        <a:xfrm>
+          <a:off x="0" y="0"/>
+          <a:ext cx="0" cy="0"/>
+          <a:chOff x="0" y="0"/>
+          <a:chExt cx="0" cy="0"/>
+        </a:xfrm>
+      </p:grpSpPr>
+      <p:sp>
+        <p:nvSpPr>
+          <p:cNvPr id="3" name="Subtitle 2">
+            <a:extLst>
+              <a:ext uri="{FF2B5EF4-FFF2-40B4-BE49-F238E27FC236}">
+                <a16:creationId xmlns:a16="http://schemas.microsoft.com/office/drawing/2014/main" id="{03C9FAA7-28F7-430C-A71B-F545398E44DC}"/>
+              </a:ext>
+            </a:extLst>
+          </p:cNvPr>
+          <p:cNvSpPr txBox="1">
+            <a:spLocks/>
+          </p:cNvSpPr>
+          <p:nvPr/>
+        </p:nvSpPr>
+        <p:spPr>
+          <a:xfrm>
+            <a:off x="7235302" y="1047565"/>
+            <a:ext cx="4956698" cy="2006353"/>
+          </a:xfrm>
+          <a:prstGeom prst="rect">
+            <a:avLst/>
+          </a:prstGeom>
+        </p:spPr>
+        <p:txBody>
+          <a:bodyPr vert="horz" lIns="91440" tIns="45720" rIns="91440" bIns="45720" rtlCol="0">
+            <a:normAutofit fontScale="70000" lnSpcReduction="20000"/>
+          </a:bodyPr>
+          <a:lstStyle>
+            <a:lvl1pPr marL="228600" indent="-228600" algn="l" defTabSz="914400" rtl="0" eaLnBrk="1" latinLnBrk="0" hangingPunct="1">
+              <a:lnSpc>
+                <a:spcPct val="90000"/>
+              </a:lnSpc>
+              <a:spcBef>
+                <a:spcPts val="1000"/>
+              </a:spcBef>
+              <a:buFont typeface="Arial" panose="020B0604020202020204" pitchFamily="34" charset="0"/>
+              <a:buChar char="•"/>
+              <a:defRPr sz="2800" kern="1200">
+                <a:solidFill>
+                  <a:schemeClr val="tx1"/>
+                </a:solidFill>
+                <a:latin typeface="+mn-lt"/>
+                <a:ea typeface="+mn-ea"/>
+                <a:cs typeface="+mn-cs"/>
+              </a:defRPr>
+            </a:lvl1pPr>
+            <a:lvl2pPr marL="685800" indent="-228600" algn="l" defTabSz="914400" rtl="0" eaLnBrk="1" latinLnBrk="0" hangingPunct="1">
+              <a:lnSpc>
+                <a:spcPct val="90000"/>
+              </a:lnSpc>
+              <a:spcBef>
+                <a:spcPts val="500"/>
+              </a:spcBef>
+              <a:buFont typeface="Arial" panose="020B0604020202020204" pitchFamily="34" charset="0"/>
+              <a:buChar char="•"/>
+              <a:defRPr sz="2400" kern="1200">
+                <a:solidFill>
+                  <a:schemeClr val="tx1"/>
+                </a:solidFill>
+                <a:latin typeface="+mn-lt"/>
+                <a:ea typeface="+mn-ea"/>
+                <a:cs typeface="+mn-cs"/>
+              </a:defRPr>
+            </a:lvl2pPr>
+            <a:lvl3pPr marL="1143000" indent="-228600" algn="l" defTabSz="914400" rtl="0" eaLnBrk="1" latinLnBrk="0" hangingPunct="1">
+              <a:lnSpc>
+                <a:spcPct val="90000"/>
+              </a:lnSpc>
+              <a:spcBef>
+                <a:spcPts val="500"/>
+              </a:spcBef>
+              <a:buFont typeface="Arial" panose="020B0604020202020204" pitchFamily="34" charset="0"/>
+              <a:buChar char="•"/>
+              <a:defRPr sz="2000" kern="1200">
+                <a:solidFill>
+                  <a:schemeClr val="tx1"/>
+                </a:solidFill>
+                <a:latin typeface="+mn-lt"/>
+                <a:ea typeface="+mn-ea"/>
+                <a:cs typeface="+mn-cs"/>
+              </a:defRPr>
+            </a:lvl3pPr>
+            <a:lvl4pPr marL="1600200" indent="-228600" algn="l" defTabSz="914400" rtl="0" eaLnBrk="1" latinLnBrk="0" hangingPunct="1">
+              <a:lnSpc>
+                <a:spcPct val="90000"/>
+              </a:lnSpc>
+              <a:spcBef>
+                <a:spcPts val="500"/>
+              </a:spcBef>
+              <a:buFont typeface="Arial" panose="020B0604020202020204" pitchFamily="34" charset="0"/>
+              <a:buChar char="•"/>
+              <a:defRPr sz="1800" kern="1200">
+                <a:solidFill>
+                  <a:schemeClr val="tx1"/>
+                </a:solidFill>
+                <a:latin typeface="+mn-lt"/>
+                <a:ea typeface="+mn-ea"/>
+                <a:cs typeface="+mn-cs"/>
+              </a:defRPr>
+            </a:lvl4pPr>
+            <a:lvl5pPr marL="2057400" indent="-228600" algn="l" defTabSz="914400" rtl="0" eaLnBrk="1" latinLnBrk="0" hangingPunct="1">
+              <a:lnSpc>
+                <a:spcPct val="90000"/>
+              </a:lnSpc>
+              <a:spcBef>
+                <a:spcPts val="500"/>
+              </a:spcBef>
+              <a:buFont typeface="Arial" panose="020B0604020202020204" pitchFamily="34" charset="0"/>
+              <a:buChar char="•"/>
+              <a:defRPr sz="1800" kern="1200">
+                <a:solidFill>
+                  <a:schemeClr val="tx1"/>
+                </a:solidFill>
+                <a:latin typeface="+mn-lt"/>
+                <a:ea typeface="+mn-ea"/>
+                <a:cs typeface="+mn-cs"/>
+              </a:defRPr>
+            </a:lvl5pPr>
+            <a:lvl6pPr marL="2514600" indent="-228600" algn="l" defTabSz="914400" rtl="0" eaLnBrk="1" latinLnBrk="0" hangingPunct="1">
+              <a:lnSpc>
+                <a:spcPct val="90000"/>
+              </a:lnSpc>
+              <a:spcBef>
+                <a:spcPts val="500"/>
+              </a:spcBef>
+              <a:buFont typeface="Arial" panose="020B0604020202020204" pitchFamily="34" charset="0"/>
+              <a:buChar char="•"/>
+              <a:defRPr sz="1800" kern="1200">
+                <a:solidFill>
+                  <a:schemeClr val="tx1"/>
+                </a:solidFill>
+                <a:latin typeface="+mn-lt"/>
+                <a:ea typeface="+mn-ea"/>
+                <a:cs typeface="+mn-cs"/>
+              </a:defRPr>
+            </a:lvl6pPr>
+            <a:lvl7pPr marL="2971800" indent="-228600" algn="l" defTabSz="914400" rtl="0" eaLnBrk="1" latinLnBrk="0" hangingPunct="1">
+              <a:lnSpc>
+                <a:spcPct val="90000"/>
+              </a:lnSpc>
+              <a:spcBef>
+                <a:spcPts val="500"/>
+              </a:spcBef>
+              <a:buFont typeface="Arial" panose="020B0604020202020204" pitchFamily="34" charset="0"/>
+              <a:buChar char="•"/>
+              <a:defRPr sz="1800" kern="1200">
+                <a:solidFill>
+                  <a:schemeClr val="tx1"/>
+                </a:solidFill>
+                <a:latin typeface="+mn-lt"/>
+                <a:ea typeface="+mn-ea"/>
+                <a:cs typeface="+mn-cs"/>
+              </a:defRPr>
+            </a:lvl7pPr>
+            <a:lvl8pPr marL="3429000" indent="-228600" algn="l" defTabSz="914400" rtl="0" eaLnBrk="1" latinLnBrk="0" hangingPunct="1">
+              <a:lnSpc>
+                <a:spcPct val="90000"/>
+              </a:lnSpc>
+              <a:spcBef>
+                <a:spcPts val="500"/>
+              </a:spcBef>
+              <a:buFont typeface="Arial" panose="020B0604020202020204" pitchFamily="34" charset="0"/>
+              <a:buChar char="•"/>
+              <a:defRPr sz="1800" kern="1200">
+                <a:solidFill>
+                  <a:schemeClr val="tx1"/>
+                </a:solidFill>
+                <a:latin typeface="+mn-lt"/>
+                <a:ea typeface="+mn-ea"/>
+                <a:cs typeface="+mn-cs"/>
+              </a:defRPr>
+            </a:lvl8pPr>
+            <a:lvl9pPr marL="3886200" indent="-228600" algn="l" defTabSz="914400" rtl="0" eaLnBrk="1" latinLnBrk="0" hangingPunct="1">
+              <a:lnSpc>
+                <a:spcPct val="90000"/>
+              </a:lnSpc>
+              <a:spcBef>
+                <a:spcPts val="500"/>
+              </a:spcBef>
+              <a:buFont typeface="Arial" panose="020B0604020202020204" pitchFamily="34" charset="0"/>
+              <a:buChar char="•"/>
+              <a:defRPr sz="1800" kern="1200">
+                <a:solidFill>
+                  <a:schemeClr val="tx1"/>
+                </a:solidFill>
+                <a:latin typeface="+mn-lt"/>
+                <a:ea typeface="+mn-ea"/>
+                <a:cs typeface="+mn-cs"/>
+              </a:defRPr>
+            </a:lvl9pPr>
+          </a:lstStyle>
+          <a:p>
+            <a:pPr marL="0" indent="0">
+              <a:buFont typeface="Arial" panose="020B0604020202020204" pitchFamily="34" charset="0"/>
+              <a:buNone/>
+            </a:pPr>
+            <a:endParaRPr lang="en-AU" dirty="0">
+              <a:solidFill>
+                <a:schemeClr val="bg1"/>
+              </a:solidFill>
+              <a:latin typeface="Poppins Thin" panose="00000300000000000000" pitchFamily="2" charset="0"/>
+              <a:cs typeface="Poppins Thin" panose="00000300000000000000" pitchFamily="2" charset="0"/>
+            </a:endParaRPr>
+          </a:p>
+          <a:p>
+            <a:pPr marL="0" indent="0">
+              <a:buFont typeface="Arial" panose="020B0604020202020204" pitchFamily="34" charset="0"/>
+              <a:buNone/>
+            </a:pPr>
+            <a:r>
+              <a:rPr lang="en-AU" dirty="0">
+                <a:solidFill>
+                  <a:schemeClr val="bg1"/>
+                </a:solidFill>
+                <a:latin typeface="Poppins Thin" panose="00000300000000000000" pitchFamily="2" charset="0"/>
+                <a:cs typeface="Poppins Thin" panose="00000300000000000000" pitchFamily="2" charset="0"/>
+              </a:rPr>
+              <a:t>Trend graphs between various locations in Australia and international hotspots</a:t>
+            </a:r>
+          </a:p>
+          <a:p>
+            <a:pPr marL="0" indent="0">
+              <a:buFont typeface="Arial" panose="020B0604020202020204" pitchFamily="34" charset="0"/>
+              <a:buNone/>
+            </a:pPr>
+            <a:endParaRPr lang="en-AU" dirty="0">
+              <a:solidFill>
+                <a:schemeClr val="bg1"/>
+              </a:solidFill>
+              <a:latin typeface="Poppins Thin" panose="00000300000000000000" pitchFamily="2" charset="0"/>
+              <a:cs typeface="Poppins Thin" panose="00000300000000000000" pitchFamily="2" charset="0"/>
+            </a:endParaRPr>
+          </a:p>
+          <a:p>
+            <a:pPr marL="0" indent="0">
+              <a:buFont typeface="Arial" panose="020B0604020202020204" pitchFamily="34" charset="0"/>
+              <a:buNone/>
+            </a:pPr>
+            <a:r>
+              <a:rPr lang="en-AU" dirty="0">
+                <a:solidFill>
+                  <a:schemeClr val="bg1"/>
+                </a:solidFill>
+                <a:latin typeface="Poppins Thin" panose="00000300000000000000" pitchFamily="2" charset="0"/>
+                <a:cs typeface="Poppins Thin" panose="00000300000000000000" pitchFamily="2" charset="0"/>
+              </a:rPr>
+              <a:t>Axes between charts are not to scale – trends only!</a:t>
+            </a:r>
+          </a:p>
+        </p:txBody>
+      </p:sp>
+      <p:sp>
+        <p:nvSpPr>
+          <p:cNvPr id="5" name="Title 1">
+            <a:extLst>
+              <a:ext uri="{FF2B5EF4-FFF2-40B4-BE49-F238E27FC236}">
+                <a16:creationId xmlns:a16="http://schemas.microsoft.com/office/drawing/2014/main" id="{1279DE2A-D8BC-42F8-B9A2-5002E5466014}"/>
+              </a:ext>
+            </a:extLst>
+          </p:cNvPr>
+          <p:cNvSpPr txBox="1">
+            <a:spLocks/>
+          </p:cNvSpPr>
+          <p:nvPr/>
+        </p:nvSpPr>
+        <p:spPr>
+          <a:xfrm>
+            <a:off x="5048527" y="439114"/>
+            <a:ext cx="9144000" cy="914545"/>
+          </a:xfrm>
+          <a:prstGeom prst="rect">
+            <a:avLst/>
+          </a:prstGeom>
+        </p:spPr>
+        <p:txBody>
+          <a:bodyPr vert="horz" lIns="91440" tIns="45720" rIns="91440" bIns="45720" rtlCol="0" anchor="ctr">
+            <a:normAutofit/>
+          </a:bodyPr>
+          <a:lstStyle>
+            <a:lvl1pPr algn="l" defTabSz="914400" rtl="0" eaLnBrk="1" latinLnBrk="0" hangingPunct="1">
+              <a:lnSpc>
+                <a:spcPct val="90000"/>
+              </a:lnSpc>
+              <a:spcBef>
+                <a:spcPct val="0"/>
+              </a:spcBef>
+              <a:buNone/>
+              <a:defRPr sz="4400" kern="1200">
+                <a:solidFill>
+                  <a:schemeClr val="tx1"/>
+                </a:solidFill>
+                <a:latin typeface="+mj-lt"/>
+                <a:ea typeface="+mj-ea"/>
+                <a:cs typeface="+mj-cs"/>
+              </a:defRPr>
+            </a:lvl1pPr>
+          </a:lstStyle>
+          <a:p>
+            <a:pPr algn="ctr"/>
+            <a:r>
+              <a:rPr lang="en-AU" dirty="0">
+                <a:solidFill>
+                  <a:schemeClr val="bg1"/>
+                </a:solidFill>
+                <a:latin typeface="Poppins SemiBold" panose="00000700000000000000" pitchFamily="2" charset="0"/>
+                <a:cs typeface="Poppins SemiBold" panose="00000700000000000000" pitchFamily="2" charset="0"/>
+              </a:rPr>
+              <a:t>Trends</a:t>
+            </a:r>
+          </a:p>
+        </p:txBody>
+      </p:sp>
+      <p:cxnSp>
+        <p:nvCxnSpPr>
+          <p:cNvPr id="6" name="Straight Connector 5">
+            <a:extLst>
+              <a:ext uri="{FF2B5EF4-FFF2-40B4-BE49-F238E27FC236}">
+                <a16:creationId xmlns:a16="http://schemas.microsoft.com/office/drawing/2014/main" id="{D3CDC234-268A-4E73-8C02-3D43BBE2AD22}"/>
+              </a:ext>
+            </a:extLst>
+          </p:cNvPr>
+          <p:cNvCxnSpPr>
+            <a:cxnSpLocks/>
+          </p:cNvCxnSpPr>
+          <p:nvPr/>
+        </p:nvCxnSpPr>
+        <p:spPr>
+          <a:xfrm flipH="1">
+            <a:off x="7341970" y="1208224"/>
+            <a:ext cx="4645891" cy="0"/>
+          </a:xfrm>
+          <a:prstGeom prst="line">
+            <a:avLst/>
+          </a:prstGeom>
+          <a:ln w="19050">
+            <a:solidFill>
+              <a:srgbClr val="FFF200"/>
+            </a:solidFill>
+          </a:ln>
+        </p:spPr>
+        <p:style>
+          <a:lnRef idx="1">
+            <a:schemeClr val="accent1"/>
+          </a:lnRef>
+          <a:fillRef idx="0">
+            <a:schemeClr val="accent1"/>
+          </a:fillRef>
+          <a:effectRef idx="0">
+            <a:schemeClr val="accent1"/>
+          </a:effectRef>
+          <a:fontRef idx="minor">
+            <a:schemeClr val="tx1"/>
+          </a:fontRef>
+        </p:style>
+      </p:cxnSp>
+      <p:sp>
+        <p:nvSpPr>
+          <p:cNvPr id="7" name="Subtitle 2">
+            <a:extLst>
+              <a:ext uri="{FF2B5EF4-FFF2-40B4-BE49-F238E27FC236}">
+                <a16:creationId xmlns:a16="http://schemas.microsoft.com/office/drawing/2014/main" id="{F4CD056A-17FC-4E04-8E88-5FC2DD8E54FA}"/>
+              </a:ext>
+            </a:extLst>
+          </p:cNvPr>
+          <p:cNvSpPr txBox="1">
+            <a:spLocks/>
+          </p:cNvSpPr>
+          <p:nvPr/>
+        </p:nvSpPr>
+        <p:spPr>
+          <a:xfrm>
+            <a:off x="0" y="4030462"/>
+            <a:ext cx="4956698" cy="2006353"/>
+          </a:xfrm>
+          <a:prstGeom prst="rect">
+            <a:avLst/>
+          </a:prstGeom>
+        </p:spPr>
+        <p:txBody>
+          <a:bodyPr vert="horz" lIns="91440" tIns="45720" rIns="91440" bIns="45720" rtlCol="0">
+            <a:normAutofit/>
+          </a:bodyPr>
+          <a:lstStyle>
+            <a:lvl1pPr marL="228600" indent="-228600" algn="l" defTabSz="914400" rtl="0" eaLnBrk="1" latinLnBrk="0" hangingPunct="1">
+              <a:lnSpc>
+                <a:spcPct val="90000"/>
+              </a:lnSpc>
+              <a:spcBef>
+                <a:spcPts val="1000"/>
+              </a:spcBef>
+              <a:buFont typeface="Arial" panose="020B0604020202020204" pitchFamily="34" charset="0"/>
+              <a:buChar char="•"/>
+              <a:defRPr sz="2800" kern="1200">
+                <a:solidFill>
+                  <a:schemeClr val="tx1"/>
+                </a:solidFill>
+                <a:latin typeface="+mn-lt"/>
+                <a:ea typeface="+mn-ea"/>
+                <a:cs typeface="+mn-cs"/>
+              </a:defRPr>
+            </a:lvl1pPr>
+            <a:lvl2pPr marL="685800" indent="-228600" algn="l" defTabSz="914400" rtl="0" eaLnBrk="1" latinLnBrk="0" hangingPunct="1">
+              <a:lnSpc>
+                <a:spcPct val="90000"/>
+              </a:lnSpc>
+              <a:spcBef>
+                <a:spcPts val="500"/>
+              </a:spcBef>
+              <a:buFont typeface="Arial" panose="020B0604020202020204" pitchFamily="34" charset="0"/>
+              <a:buChar char="•"/>
+              <a:defRPr sz="2400" kern="1200">
+                <a:solidFill>
+                  <a:schemeClr val="tx1"/>
+                </a:solidFill>
+                <a:latin typeface="+mn-lt"/>
+                <a:ea typeface="+mn-ea"/>
+                <a:cs typeface="+mn-cs"/>
+              </a:defRPr>
+            </a:lvl2pPr>
+            <a:lvl3pPr marL="1143000" indent="-228600" algn="l" defTabSz="914400" rtl="0" eaLnBrk="1" latinLnBrk="0" hangingPunct="1">
+              <a:lnSpc>
+                <a:spcPct val="90000"/>
+              </a:lnSpc>
+              <a:spcBef>
+                <a:spcPts val="500"/>
+              </a:spcBef>
+              <a:buFont typeface="Arial" panose="020B0604020202020204" pitchFamily="34" charset="0"/>
+              <a:buChar char="•"/>
+              <a:defRPr sz="2000" kern="1200">
+                <a:solidFill>
+                  <a:schemeClr val="tx1"/>
+                </a:solidFill>
+                <a:latin typeface="+mn-lt"/>
+                <a:ea typeface="+mn-ea"/>
+                <a:cs typeface="+mn-cs"/>
+              </a:defRPr>
+            </a:lvl3pPr>
+            <a:lvl4pPr marL="1600200" indent="-228600" algn="l" defTabSz="914400" rtl="0" eaLnBrk="1" latinLnBrk="0" hangingPunct="1">
+              <a:lnSpc>
+                <a:spcPct val="90000"/>
+              </a:lnSpc>
+              <a:spcBef>
+                <a:spcPts val="500"/>
+              </a:spcBef>
+              <a:buFont typeface="Arial" panose="020B0604020202020204" pitchFamily="34" charset="0"/>
+              <a:buChar char="•"/>
+              <a:defRPr sz="1800" kern="1200">
+                <a:solidFill>
+                  <a:schemeClr val="tx1"/>
+                </a:solidFill>
+                <a:latin typeface="+mn-lt"/>
+                <a:ea typeface="+mn-ea"/>
+                <a:cs typeface="+mn-cs"/>
+              </a:defRPr>
+            </a:lvl4pPr>
+            <a:lvl5pPr marL="2057400" indent="-228600" algn="l" defTabSz="914400" rtl="0" eaLnBrk="1" latinLnBrk="0" hangingPunct="1">
+              <a:lnSpc>
+                <a:spcPct val="90000"/>
+              </a:lnSpc>
+              <a:spcBef>
+                <a:spcPts val="500"/>
+              </a:spcBef>
+              <a:buFont typeface="Arial" panose="020B0604020202020204" pitchFamily="34" charset="0"/>
+              <a:buChar char="•"/>
+              <a:defRPr sz="1800" kern="1200">
+                <a:solidFill>
+                  <a:schemeClr val="tx1"/>
+                </a:solidFill>
+                <a:latin typeface="+mn-lt"/>
+                <a:ea typeface="+mn-ea"/>
+                <a:cs typeface="+mn-cs"/>
+              </a:defRPr>
+            </a:lvl5pPr>
+            <a:lvl6pPr marL="2514600" indent="-228600" algn="l" defTabSz="914400" rtl="0" eaLnBrk="1" latinLnBrk="0" hangingPunct="1">
+              <a:lnSpc>
+                <a:spcPct val="90000"/>
+              </a:lnSpc>
+              <a:spcBef>
+                <a:spcPts val="500"/>
+              </a:spcBef>
+              <a:buFont typeface="Arial" panose="020B0604020202020204" pitchFamily="34" charset="0"/>
+              <a:buChar char="•"/>
+              <a:defRPr sz="1800" kern="1200">
+                <a:solidFill>
+                  <a:schemeClr val="tx1"/>
+                </a:solidFill>
+                <a:latin typeface="+mn-lt"/>
+                <a:ea typeface="+mn-ea"/>
+                <a:cs typeface="+mn-cs"/>
+              </a:defRPr>
+            </a:lvl6pPr>
+            <a:lvl7pPr marL="2971800" indent="-228600" algn="l" defTabSz="914400" rtl="0" eaLnBrk="1" latinLnBrk="0" hangingPunct="1">
+              <a:lnSpc>
+                <a:spcPct val="90000"/>
+              </a:lnSpc>
+              <a:spcBef>
+                <a:spcPts val="500"/>
+              </a:spcBef>
+              <a:buFont typeface="Arial" panose="020B0604020202020204" pitchFamily="34" charset="0"/>
+              <a:buChar char="•"/>
+              <a:defRPr sz="1800" kern="1200">
+                <a:solidFill>
+                  <a:schemeClr val="tx1"/>
+                </a:solidFill>
+                <a:latin typeface="+mn-lt"/>
+                <a:ea typeface="+mn-ea"/>
+                <a:cs typeface="+mn-cs"/>
+              </a:defRPr>
+            </a:lvl7pPr>
+            <a:lvl8pPr marL="3429000" indent="-228600" algn="l" defTabSz="914400" rtl="0" eaLnBrk="1" latinLnBrk="0" hangingPunct="1">
+              <a:lnSpc>
+                <a:spcPct val="90000"/>
+              </a:lnSpc>
+              <a:spcBef>
+                <a:spcPts val="500"/>
+              </a:spcBef>
+              <a:buFont typeface="Arial" panose="020B0604020202020204" pitchFamily="34" charset="0"/>
+              <a:buChar char="•"/>
+              <a:defRPr sz="1800" kern="1200">
+                <a:solidFill>
+                  <a:schemeClr val="tx1"/>
+                </a:solidFill>
+                <a:latin typeface="+mn-lt"/>
+                <a:ea typeface="+mn-ea"/>
+                <a:cs typeface="+mn-cs"/>
+              </a:defRPr>
+            </a:lvl8pPr>
+            <a:lvl9pPr marL="3886200" indent="-228600" algn="l" defTabSz="914400" rtl="0" eaLnBrk="1" latinLnBrk="0" hangingPunct="1">
+              <a:lnSpc>
+                <a:spcPct val="90000"/>
+              </a:lnSpc>
+              <a:spcBef>
+                <a:spcPts val="500"/>
+              </a:spcBef>
+              <a:buFont typeface="Arial" panose="020B0604020202020204" pitchFamily="34" charset="0"/>
+              <a:buChar char="•"/>
+              <a:defRPr sz="1800" kern="1200">
+                <a:solidFill>
+                  <a:schemeClr val="tx1"/>
+                </a:solidFill>
+                <a:latin typeface="+mn-lt"/>
+                <a:ea typeface="+mn-ea"/>
+                <a:cs typeface="+mn-cs"/>
+              </a:defRPr>
+            </a:lvl9pPr>
+          </a:lstStyle>
+          <a:p>
+            <a:pPr marL="0" indent="0">
+              <a:buFont typeface="Arial" panose="020B0604020202020204" pitchFamily="34" charset="0"/>
+              <a:buNone/>
+            </a:pPr>
+            <a:endParaRPr lang="en-AU" dirty="0">
+              <a:solidFill>
+                <a:schemeClr val="bg1"/>
+              </a:solidFill>
+              <a:latin typeface="Poppins Thin" panose="00000300000000000000" pitchFamily="2" charset="0"/>
+              <a:cs typeface="Poppins Thin" panose="00000300000000000000" pitchFamily="2" charset="0"/>
+            </a:endParaRPr>
+          </a:p>
+          <a:p>
+            <a:pPr marL="0" indent="0">
+              <a:buFont typeface="Arial" panose="020B0604020202020204" pitchFamily="34" charset="0"/>
+              <a:buNone/>
+            </a:pPr>
+            <a:endParaRPr lang="en-AU" dirty="0">
+              <a:solidFill>
+                <a:schemeClr val="bg1"/>
+              </a:solidFill>
+              <a:latin typeface="Poppins Thin" panose="00000300000000000000" pitchFamily="2" charset="0"/>
+              <a:cs typeface="Poppins Thin" panose="00000300000000000000" pitchFamily="2" charset="0"/>
+            </a:endParaRPr>
+          </a:p>
+        </p:txBody>
+      </p:sp>
+      <p:sp>
+        <p:nvSpPr>
+          <p:cNvPr id="8" name="Subtitle 2">
+            <a:extLst>
+              <a:ext uri="{FF2B5EF4-FFF2-40B4-BE49-F238E27FC236}">
+                <a16:creationId xmlns:a16="http://schemas.microsoft.com/office/drawing/2014/main" id="{D5B395A2-A45F-4C65-BEB0-6AFCCE239785}"/>
+              </a:ext>
+            </a:extLst>
+          </p:cNvPr>
+          <p:cNvSpPr txBox="1">
+            <a:spLocks/>
+          </p:cNvSpPr>
+          <p:nvPr/>
+        </p:nvSpPr>
+        <p:spPr>
+          <a:xfrm>
+            <a:off x="172090" y="3671561"/>
+            <a:ext cx="8772734" cy="2656811"/>
+          </a:xfrm>
+          <a:prstGeom prst="rect">
+            <a:avLst/>
+          </a:prstGeom>
+        </p:spPr>
+        <p:txBody>
+          <a:bodyPr vert="horz" lIns="91440" tIns="45720" rIns="91440" bIns="45720" rtlCol="0">
+            <a:normAutofit/>
+          </a:bodyPr>
+          <a:lstStyle>
+            <a:lvl1pPr marL="228600" indent="-228600" algn="l" defTabSz="914400" rtl="0" eaLnBrk="1" latinLnBrk="0" hangingPunct="1">
+              <a:lnSpc>
+                <a:spcPct val="90000"/>
+              </a:lnSpc>
+              <a:spcBef>
+                <a:spcPts val="1000"/>
+              </a:spcBef>
+              <a:buFont typeface="Arial" panose="020B0604020202020204" pitchFamily="34" charset="0"/>
+              <a:buChar char="•"/>
+              <a:defRPr sz="2800" kern="1200">
+                <a:solidFill>
+                  <a:schemeClr val="tx1"/>
+                </a:solidFill>
+                <a:latin typeface="+mn-lt"/>
+                <a:ea typeface="+mn-ea"/>
+                <a:cs typeface="+mn-cs"/>
+              </a:defRPr>
+            </a:lvl1pPr>
+            <a:lvl2pPr marL="685800" indent="-228600" algn="l" defTabSz="914400" rtl="0" eaLnBrk="1" latinLnBrk="0" hangingPunct="1">
+              <a:lnSpc>
+                <a:spcPct val="90000"/>
+              </a:lnSpc>
+              <a:spcBef>
+                <a:spcPts val="500"/>
+              </a:spcBef>
+              <a:buFont typeface="Arial" panose="020B0604020202020204" pitchFamily="34" charset="0"/>
+              <a:buChar char="•"/>
+              <a:defRPr sz="2400" kern="1200">
+                <a:solidFill>
+                  <a:schemeClr val="tx1"/>
+                </a:solidFill>
+                <a:latin typeface="+mn-lt"/>
+                <a:ea typeface="+mn-ea"/>
+                <a:cs typeface="+mn-cs"/>
+              </a:defRPr>
+            </a:lvl2pPr>
+            <a:lvl3pPr marL="1143000" indent="-228600" algn="l" defTabSz="914400" rtl="0" eaLnBrk="1" latinLnBrk="0" hangingPunct="1">
+              <a:lnSpc>
+                <a:spcPct val="90000"/>
+              </a:lnSpc>
+              <a:spcBef>
+                <a:spcPts val="500"/>
+              </a:spcBef>
+              <a:buFont typeface="Arial" panose="020B0604020202020204" pitchFamily="34" charset="0"/>
+              <a:buChar char="•"/>
+              <a:defRPr sz="2000" kern="1200">
+                <a:solidFill>
+                  <a:schemeClr val="tx1"/>
+                </a:solidFill>
+                <a:latin typeface="+mn-lt"/>
+                <a:ea typeface="+mn-ea"/>
+                <a:cs typeface="+mn-cs"/>
+              </a:defRPr>
+            </a:lvl3pPr>
+            <a:lvl4pPr marL="1600200" indent="-228600" algn="l" defTabSz="914400" rtl="0" eaLnBrk="1" latinLnBrk="0" hangingPunct="1">
+              <a:lnSpc>
+                <a:spcPct val="90000"/>
+              </a:lnSpc>
+              <a:spcBef>
+                <a:spcPts val="500"/>
+              </a:spcBef>
+              <a:buFont typeface="Arial" panose="020B0604020202020204" pitchFamily="34" charset="0"/>
+              <a:buChar char="•"/>
+              <a:defRPr sz="1800" kern="1200">
+                <a:solidFill>
+                  <a:schemeClr val="tx1"/>
+                </a:solidFill>
+                <a:latin typeface="+mn-lt"/>
+                <a:ea typeface="+mn-ea"/>
+                <a:cs typeface="+mn-cs"/>
+              </a:defRPr>
+            </a:lvl4pPr>
+            <a:lvl5pPr marL="2057400" indent="-228600" algn="l" defTabSz="914400" rtl="0" eaLnBrk="1" latinLnBrk="0" hangingPunct="1">
+              <a:lnSpc>
+                <a:spcPct val="90000"/>
+              </a:lnSpc>
+              <a:spcBef>
+                <a:spcPts val="500"/>
+              </a:spcBef>
+              <a:buFont typeface="Arial" panose="020B0604020202020204" pitchFamily="34" charset="0"/>
+              <a:buChar char="•"/>
+              <a:defRPr sz="1800" kern="1200">
+                <a:solidFill>
+                  <a:schemeClr val="tx1"/>
+                </a:solidFill>
+                <a:latin typeface="+mn-lt"/>
+                <a:ea typeface="+mn-ea"/>
+                <a:cs typeface="+mn-cs"/>
+              </a:defRPr>
+            </a:lvl5pPr>
+            <a:lvl6pPr marL="2514600" indent="-228600" algn="l" defTabSz="914400" rtl="0" eaLnBrk="1" latinLnBrk="0" hangingPunct="1">
+              <a:lnSpc>
+                <a:spcPct val="90000"/>
+              </a:lnSpc>
+              <a:spcBef>
+                <a:spcPts val="500"/>
+              </a:spcBef>
+              <a:buFont typeface="Arial" panose="020B0604020202020204" pitchFamily="34" charset="0"/>
+              <a:buChar char="•"/>
+              <a:defRPr sz="1800" kern="1200">
+                <a:solidFill>
+                  <a:schemeClr val="tx1"/>
+                </a:solidFill>
+                <a:latin typeface="+mn-lt"/>
+                <a:ea typeface="+mn-ea"/>
+                <a:cs typeface="+mn-cs"/>
+              </a:defRPr>
+            </a:lvl6pPr>
+            <a:lvl7pPr marL="2971800" indent="-228600" algn="l" defTabSz="914400" rtl="0" eaLnBrk="1" latinLnBrk="0" hangingPunct="1">
+              <a:lnSpc>
+                <a:spcPct val="90000"/>
+              </a:lnSpc>
+              <a:spcBef>
+                <a:spcPts val="500"/>
+              </a:spcBef>
+              <a:buFont typeface="Arial" panose="020B0604020202020204" pitchFamily="34" charset="0"/>
+              <a:buChar char="•"/>
+              <a:defRPr sz="1800" kern="1200">
+                <a:solidFill>
+                  <a:schemeClr val="tx1"/>
+                </a:solidFill>
+                <a:latin typeface="+mn-lt"/>
+                <a:ea typeface="+mn-ea"/>
+                <a:cs typeface="+mn-cs"/>
+              </a:defRPr>
+            </a:lvl7pPr>
+            <a:lvl8pPr marL="3429000" indent="-228600" algn="l" defTabSz="914400" rtl="0" eaLnBrk="1" latinLnBrk="0" hangingPunct="1">
+              <a:lnSpc>
+                <a:spcPct val="90000"/>
+              </a:lnSpc>
+              <a:spcBef>
+                <a:spcPts val="500"/>
+              </a:spcBef>
+              <a:buFont typeface="Arial" panose="020B0604020202020204" pitchFamily="34" charset="0"/>
+              <a:buChar char="•"/>
+              <a:defRPr sz="1800" kern="1200">
+                <a:solidFill>
+                  <a:schemeClr val="tx1"/>
+                </a:solidFill>
+                <a:latin typeface="+mn-lt"/>
+                <a:ea typeface="+mn-ea"/>
+                <a:cs typeface="+mn-cs"/>
+              </a:defRPr>
+            </a:lvl8pPr>
+            <a:lvl9pPr marL="3886200" indent="-228600" algn="l" defTabSz="914400" rtl="0" eaLnBrk="1" latinLnBrk="0" hangingPunct="1">
+              <a:lnSpc>
+                <a:spcPct val="90000"/>
+              </a:lnSpc>
+              <a:spcBef>
+                <a:spcPts val="500"/>
+              </a:spcBef>
+              <a:buFont typeface="Arial" panose="020B0604020202020204" pitchFamily="34" charset="0"/>
+              <a:buChar char="•"/>
+              <a:defRPr sz="1800" kern="1200">
+                <a:solidFill>
+                  <a:schemeClr val="tx1"/>
+                </a:solidFill>
+                <a:latin typeface="+mn-lt"/>
+                <a:ea typeface="+mn-ea"/>
+                <a:cs typeface="+mn-cs"/>
+              </a:defRPr>
+            </a:lvl9pPr>
+          </a:lstStyle>
+          <a:p>
+            <a:pPr marL="0" indent="0">
+              <a:buFont typeface="Arial" panose="020B0604020202020204" pitchFamily="34" charset="0"/>
+              <a:buNone/>
+            </a:pPr>
+            <a:endParaRPr lang="en-AU" dirty="0">
+              <a:solidFill>
+                <a:schemeClr val="bg1"/>
+              </a:solidFill>
+              <a:latin typeface="Poppins Thin" panose="00000300000000000000" pitchFamily="2" charset="0"/>
+              <a:cs typeface="Poppins Thin" panose="00000300000000000000" pitchFamily="2" charset="0"/>
+            </a:endParaRPr>
+          </a:p>
+          <a:p>
+            <a:r>
+              <a:rPr lang="en-AU" dirty="0">
+                <a:solidFill>
+                  <a:schemeClr val="bg1"/>
+                </a:solidFill>
+                <a:latin typeface="Poppins Thin" panose="00000300000000000000" pitchFamily="2" charset="0"/>
+                <a:cs typeface="Poppins Thin" panose="00000300000000000000" pitchFamily="2" charset="0"/>
+              </a:rPr>
+              <a:t>Similar upwards trend is visible</a:t>
+            </a:r>
+          </a:p>
+          <a:p>
+            <a:endParaRPr lang="en-AU" dirty="0">
+              <a:solidFill>
+                <a:schemeClr val="bg1"/>
+              </a:solidFill>
+              <a:latin typeface="Poppins Thin" panose="00000300000000000000" pitchFamily="2" charset="0"/>
+              <a:cs typeface="Poppins Thin" panose="00000300000000000000" pitchFamily="2" charset="0"/>
+            </a:endParaRPr>
+          </a:p>
+          <a:p>
+            <a:r>
+              <a:rPr lang="en-AU" dirty="0">
+                <a:solidFill>
+                  <a:schemeClr val="bg1"/>
+                </a:solidFill>
+                <a:latin typeface="Poppins Thin" panose="00000300000000000000" pitchFamily="2" charset="0"/>
+                <a:cs typeface="Poppins Thin" panose="00000300000000000000" pitchFamily="2" charset="0"/>
+              </a:rPr>
+              <a:t>Seasonal fluctuations are more pronounced</a:t>
+            </a:r>
+          </a:p>
+        </p:txBody>
+      </p:sp>
+      <p:pic>
+        <p:nvPicPr>
+          <p:cNvPr id="9" name="Picture 8">
+            <a:extLst>
+              <a:ext uri="{FF2B5EF4-FFF2-40B4-BE49-F238E27FC236}">
+                <a16:creationId xmlns:a16="http://schemas.microsoft.com/office/drawing/2014/main" id="{28CFDE44-6B5C-48D1-87C9-98CD672C62CB}"/>
+              </a:ext>
+            </a:extLst>
+          </p:cNvPr>
+          <p:cNvPicPr>
+            <a:picLocks noChangeAspect="1"/>
+          </p:cNvPicPr>
+          <p:nvPr/>
+        </p:nvPicPr>
+        <p:blipFill>
+          <a:blip r:embed="rId2"/>
+          <a:stretch>
+            <a:fillRect/>
+          </a:stretch>
+        </p:blipFill>
+        <p:spPr>
+          <a:xfrm>
+            <a:off x="159194" y="164632"/>
+            <a:ext cx="6871969" cy="3865830"/>
+          </a:xfrm>
+          <a:prstGeom prst="rect">
+            <a:avLst/>
+          </a:prstGeom>
+        </p:spPr>
+      </p:pic>
+    </p:spTree>
+    <p:extLst>
+      <p:ext uri="{BB962C8B-B14F-4D97-AF65-F5344CB8AC3E}">
+        <p14:creationId xmlns:p14="http://schemas.microsoft.com/office/powerpoint/2010/main" val="1216062914"/>
+      </p:ext>
+    </p:extLst>
+  </p:cSld>
+  <p:clrMapOvr>
+    <a:masterClrMapping/>
+  </p:clrMapOvr>
+</p:sld>
+</file>
+
+<file path=ppt/slides/slide16.xml><?xml version="1.0" encoding="utf-8"?>
+<p:sld xmlns:a="http://schemas.openxmlformats.org/drawingml/2006/main" xmlns:r="http://schemas.openxmlformats.org/officeDocument/2006/relationships" xmlns:p="http://schemas.openxmlformats.org/presentationml/2006/main">
+  <p:cSld>
+    <p:spTree>
+      <p:nvGrpSpPr>
+        <p:cNvPr id="1" name=""/>
+        <p:cNvGrpSpPr/>
+        <p:nvPr/>
+      </p:nvGrpSpPr>
+      <p:grpSpPr>
+        <a:xfrm>
+          <a:off x="0" y="0"/>
+          <a:ext cx="0" cy="0"/>
+          <a:chOff x="0" y="0"/>
+          <a:chExt cx="0" cy="0"/>
+        </a:xfrm>
+      </p:grpSpPr>
+      <p:pic>
+        <p:nvPicPr>
+          <p:cNvPr id="2" name="Picture 1">
+            <a:extLst>
+              <a:ext uri="{FF2B5EF4-FFF2-40B4-BE49-F238E27FC236}">
+                <a16:creationId xmlns:a16="http://schemas.microsoft.com/office/drawing/2014/main" id="{27912E4C-B8A6-4B4B-BEB9-8C0A10BD761F}"/>
+              </a:ext>
+            </a:extLst>
+          </p:cNvPr>
+          <p:cNvPicPr>
+            <a:picLocks noChangeAspect="1"/>
+          </p:cNvPicPr>
+          <p:nvPr/>
+        </p:nvPicPr>
+        <p:blipFill>
+          <a:blip r:embed="rId3"/>
+          <a:stretch>
+            <a:fillRect/>
+          </a:stretch>
+        </p:blipFill>
+        <p:spPr>
+          <a:xfrm>
+            <a:off x="0" y="0"/>
+            <a:ext cx="12190904" cy="6858000"/>
+          </a:xfrm>
+          <a:prstGeom prst="rect">
+            <a:avLst/>
+          </a:prstGeom>
+        </p:spPr>
+      </p:pic>
+    </p:spTree>
+    <p:extLst>
+      <p:ext uri="{BB962C8B-B14F-4D97-AF65-F5344CB8AC3E}">
+        <p14:creationId xmlns:p14="http://schemas.microsoft.com/office/powerpoint/2010/main" val="4148561097"/>
       </p:ext>
     </p:extLst>
   </p:cSld>
@@ -2047,292 +4390,6 @@
         <p:spPr>
           <a:xfrm>
             <a:off x="1038225" y="2344738"/>
-            <a:ext cx="9144000" cy="1655762"/>
-          </a:xfrm>
-          <a:prstGeom prst="rect">
-            <a:avLst/>
-          </a:prstGeom>
-        </p:spPr>
-        <p:txBody>
-          <a:bodyPr vert="horz" lIns="91440" tIns="45720" rIns="91440" bIns="45720" rtlCol="0">
-            <a:normAutofit/>
-          </a:bodyPr>
-          <a:lstStyle>
-            <a:lvl1pPr marL="228600" indent="-228600" algn="l" defTabSz="914400" rtl="0" eaLnBrk="1" latinLnBrk="0" hangingPunct="1">
-              <a:lnSpc>
-                <a:spcPct val="90000"/>
-              </a:lnSpc>
-              <a:spcBef>
-                <a:spcPts val="1000"/>
-              </a:spcBef>
-              <a:buFont typeface="Arial" panose="020B0604020202020204" pitchFamily="34" charset="0"/>
-              <a:buChar char="•"/>
-              <a:defRPr sz="2800" kern="1200">
-                <a:solidFill>
-                  <a:schemeClr val="tx1"/>
-                </a:solidFill>
-                <a:latin typeface="+mn-lt"/>
-                <a:ea typeface="+mn-ea"/>
-                <a:cs typeface="+mn-cs"/>
-              </a:defRPr>
-            </a:lvl1pPr>
-            <a:lvl2pPr marL="685800" indent="-228600" algn="l" defTabSz="914400" rtl="0" eaLnBrk="1" latinLnBrk="0" hangingPunct="1">
-              <a:lnSpc>
-                <a:spcPct val="90000"/>
-              </a:lnSpc>
-              <a:spcBef>
-                <a:spcPts val="500"/>
-              </a:spcBef>
-              <a:buFont typeface="Arial" panose="020B0604020202020204" pitchFamily="34" charset="0"/>
-              <a:buChar char="•"/>
-              <a:defRPr sz="2400" kern="1200">
-                <a:solidFill>
-                  <a:schemeClr val="tx1"/>
-                </a:solidFill>
-                <a:latin typeface="+mn-lt"/>
-                <a:ea typeface="+mn-ea"/>
-                <a:cs typeface="+mn-cs"/>
-              </a:defRPr>
-            </a:lvl2pPr>
-            <a:lvl3pPr marL="1143000" indent="-228600" algn="l" defTabSz="914400" rtl="0" eaLnBrk="1" latinLnBrk="0" hangingPunct="1">
-              <a:lnSpc>
-                <a:spcPct val="90000"/>
-              </a:lnSpc>
-              <a:spcBef>
-                <a:spcPts val="500"/>
-              </a:spcBef>
-              <a:buFont typeface="Arial" panose="020B0604020202020204" pitchFamily="34" charset="0"/>
-              <a:buChar char="•"/>
-              <a:defRPr sz="2000" kern="1200">
-                <a:solidFill>
-                  <a:schemeClr val="tx1"/>
-                </a:solidFill>
-                <a:latin typeface="+mn-lt"/>
-                <a:ea typeface="+mn-ea"/>
-                <a:cs typeface="+mn-cs"/>
-              </a:defRPr>
-            </a:lvl3pPr>
-            <a:lvl4pPr marL="1600200" indent="-228600" algn="l" defTabSz="914400" rtl="0" eaLnBrk="1" latinLnBrk="0" hangingPunct="1">
-              <a:lnSpc>
-                <a:spcPct val="90000"/>
-              </a:lnSpc>
-              <a:spcBef>
-                <a:spcPts val="500"/>
-              </a:spcBef>
-              <a:buFont typeface="Arial" panose="020B0604020202020204" pitchFamily="34" charset="0"/>
-              <a:buChar char="•"/>
-              <a:defRPr sz="1800" kern="1200">
-                <a:solidFill>
-                  <a:schemeClr val="tx1"/>
-                </a:solidFill>
-                <a:latin typeface="+mn-lt"/>
-                <a:ea typeface="+mn-ea"/>
-                <a:cs typeface="+mn-cs"/>
-              </a:defRPr>
-            </a:lvl4pPr>
-            <a:lvl5pPr marL="2057400" indent="-228600" algn="l" defTabSz="914400" rtl="0" eaLnBrk="1" latinLnBrk="0" hangingPunct="1">
-              <a:lnSpc>
-                <a:spcPct val="90000"/>
-              </a:lnSpc>
-              <a:spcBef>
-                <a:spcPts val="500"/>
-              </a:spcBef>
-              <a:buFont typeface="Arial" panose="020B0604020202020204" pitchFamily="34" charset="0"/>
-              <a:buChar char="•"/>
-              <a:defRPr sz="1800" kern="1200">
-                <a:solidFill>
-                  <a:schemeClr val="tx1"/>
-                </a:solidFill>
-                <a:latin typeface="+mn-lt"/>
-                <a:ea typeface="+mn-ea"/>
-                <a:cs typeface="+mn-cs"/>
-              </a:defRPr>
-            </a:lvl5pPr>
-            <a:lvl6pPr marL="2514600" indent="-228600" algn="l" defTabSz="914400" rtl="0" eaLnBrk="1" latinLnBrk="0" hangingPunct="1">
-              <a:lnSpc>
-                <a:spcPct val="90000"/>
-              </a:lnSpc>
-              <a:spcBef>
-                <a:spcPts val="500"/>
-              </a:spcBef>
-              <a:buFont typeface="Arial" panose="020B0604020202020204" pitchFamily="34" charset="0"/>
-              <a:buChar char="•"/>
-              <a:defRPr sz="1800" kern="1200">
-                <a:solidFill>
-                  <a:schemeClr val="tx1"/>
-                </a:solidFill>
-                <a:latin typeface="+mn-lt"/>
-                <a:ea typeface="+mn-ea"/>
-                <a:cs typeface="+mn-cs"/>
-              </a:defRPr>
-            </a:lvl6pPr>
-            <a:lvl7pPr marL="2971800" indent="-228600" algn="l" defTabSz="914400" rtl="0" eaLnBrk="1" latinLnBrk="0" hangingPunct="1">
-              <a:lnSpc>
-                <a:spcPct val="90000"/>
-              </a:lnSpc>
-              <a:spcBef>
-                <a:spcPts val="500"/>
-              </a:spcBef>
-              <a:buFont typeface="Arial" panose="020B0604020202020204" pitchFamily="34" charset="0"/>
-              <a:buChar char="•"/>
-              <a:defRPr sz="1800" kern="1200">
-                <a:solidFill>
-                  <a:schemeClr val="tx1"/>
-                </a:solidFill>
-                <a:latin typeface="+mn-lt"/>
-                <a:ea typeface="+mn-ea"/>
-                <a:cs typeface="+mn-cs"/>
-              </a:defRPr>
-            </a:lvl7pPr>
-            <a:lvl8pPr marL="3429000" indent="-228600" algn="l" defTabSz="914400" rtl="0" eaLnBrk="1" latinLnBrk="0" hangingPunct="1">
-              <a:lnSpc>
-                <a:spcPct val="90000"/>
-              </a:lnSpc>
-              <a:spcBef>
-                <a:spcPts val="500"/>
-              </a:spcBef>
-              <a:buFont typeface="Arial" panose="020B0604020202020204" pitchFamily="34" charset="0"/>
-              <a:buChar char="•"/>
-              <a:defRPr sz="1800" kern="1200">
-                <a:solidFill>
-                  <a:schemeClr val="tx1"/>
-                </a:solidFill>
-                <a:latin typeface="+mn-lt"/>
-                <a:ea typeface="+mn-ea"/>
-                <a:cs typeface="+mn-cs"/>
-              </a:defRPr>
-            </a:lvl8pPr>
-            <a:lvl9pPr marL="3886200" indent="-228600" algn="l" defTabSz="914400" rtl="0" eaLnBrk="1" latinLnBrk="0" hangingPunct="1">
-              <a:lnSpc>
-                <a:spcPct val="90000"/>
-              </a:lnSpc>
-              <a:spcBef>
-                <a:spcPts val="500"/>
-              </a:spcBef>
-              <a:buFont typeface="Arial" panose="020B0604020202020204" pitchFamily="34" charset="0"/>
-              <a:buChar char="•"/>
-              <a:defRPr sz="1800" kern="1200">
-                <a:solidFill>
-                  <a:schemeClr val="tx1"/>
-                </a:solidFill>
-                <a:latin typeface="+mn-lt"/>
-                <a:ea typeface="+mn-ea"/>
-                <a:cs typeface="+mn-cs"/>
-              </a:defRPr>
-            </a:lvl9pPr>
-          </a:lstStyle>
-          <a:p>
-            <a:pPr marL="0" indent="0">
-              <a:buFont typeface="Arial" panose="020B0604020202020204" pitchFamily="34" charset="0"/>
-              <a:buNone/>
-            </a:pPr>
-            <a:r>
-              <a:rPr lang="en-AU" dirty="0">
-                <a:solidFill>
-                  <a:schemeClr val="bg1"/>
-                </a:solidFill>
-                <a:latin typeface="Poppins Thin" panose="00000300000000000000" pitchFamily="2" charset="0"/>
-                <a:cs typeface="Poppins Thin" panose="00000300000000000000" pitchFamily="2" charset="0"/>
-              </a:rPr>
-              <a:t>Aviation statistics are published by the Bureau of Infrastructure, Transport, and Regional Economics (BITRE)</a:t>
-            </a:r>
-          </a:p>
-        </p:txBody>
-      </p:sp>
-    </p:spTree>
-    <p:extLst>
-      <p:ext uri="{BB962C8B-B14F-4D97-AF65-F5344CB8AC3E}">
-        <p14:creationId xmlns:p14="http://schemas.microsoft.com/office/powerpoint/2010/main" val="161471173"/>
-      </p:ext>
-    </p:extLst>
-  </p:cSld>
-  <p:clrMapOvr>
-    <a:masterClrMapping/>
-  </p:clrMapOvr>
-</p:sld>
-</file>
-
-<file path=ppt/slides/slide5.xml><?xml version="1.0" encoding="utf-8"?>
-<p:sld xmlns:a="http://schemas.openxmlformats.org/drawingml/2006/main" xmlns:r="http://schemas.openxmlformats.org/officeDocument/2006/relationships" xmlns:p="http://schemas.openxmlformats.org/presentationml/2006/main">
-  <p:cSld>
-    <p:spTree>
-      <p:nvGrpSpPr>
-        <p:cNvPr id="1" name=""/>
-        <p:cNvGrpSpPr/>
-        <p:nvPr/>
-      </p:nvGrpSpPr>
-      <p:grpSpPr>
-        <a:xfrm>
-          <a:off x="0" y="0"/>
-          <a:ext cx="0" cy="0"/>
-          <a:chOff x="0" y="0"/>
-          <a:chExt cx="0" cy="0"/>
-        </a:xfrm>
-      </p:grpSpPr>
-      <p:pic>
-        <p:nvPicPr>
-          <p:cNvPr id="2050" name="Picture 2">
-            <a:extLst>
-              <a:ext uri="{FF2B5EF4-FFF2-40B4-BE49-F238E27FC236}">
-                <a16:creationId xmlns:a16="http://schemas.microsoft.com/office/drawing/2014/main" id="{BA21B6B4-272D-43B8-8910-A5276FBE3456}"/>
-              </a:ext>
-            </a:extLst>
-          </p:cNvPr>
-          <p:cNvPicPr>
-            <a:picLocks noChangeAspect="1" noChangeArrowheads="1"/>
-          </p:cNvPicPr>
-          <p:nvPr/>
-        </p:nvPicPr>
-        <p:blipFill>
-          <a:blip r:embed="rId2">
-            <a:extLst>
-              <a:ext uri="{28A0092B-C50C-407E-A947-70E740481C1C}">
-                <a14:useLocalDpi xmlns:a14="http://schemas.microsoft.com/office/drawing/2010/main" val="0"/>
-              </a:ext>
-            </a:extLst>
-          </a:blip>
-          <a:srcRect/>
-          <a:stretch>
-            <a:fillRect/>
-          </a:stretch>
-        </p:blipFill>
-        <p:spPr bwMode="auto">
-          <a:xfrm>
-            <a:off x="1038225" y="569191"/>
-            <a:ext cx="10115550" cy="990600"/>
-          </a:xfrm>
-          <a:prstGeom prst="rect">
-            <a:avLst/>
-          </a:prstGeom>
-          <a:noFill/>
-          <a:extLst>
-            <a:ext uri="{909E8E84-426E-40DD-AFC4-6F175D3DCCD1}">
-              <a14:hiddenFill xmlns:a14="http://schemas.microsoft.com/office/drawing/2010/main">
-                <a:solidFill>
-                  <a:srgbClr val="FFFFFF"/>
-                </a:solidFill>
-              </a14:hiddenFill>
-            </a:ext>
-          </a:extLst>
-        </p:spPr>
-      </p:pic>
-      <p:sp>
-        <p:nvSpPr>
-          <p:cNvPr id="3" name="Subtitle 2">
-            <a:extLst>
-              <a:ext uri="{FF2B5EF4-FFF2-40B4-BE49-F238E27FC236}">
-                <a16:creationId xmlns:a16="http://schemas.microsoft.com/office/drawing/2014/main" id="{8DEC2F73-12C5-4EDF-94C4-5AB9F3EC05EB}"/>
-              </a:ext>
-            </a:extLst>
-          </p:cNvPr>
-          <p:cNvSpPr txBox="1">
-            <a:spLocks/>
-          </p:cNvSpPr>
-          <p:nvPr/>
-        </p:nvSpPr>
-        <p:spPr>
-          <a:xfrm>
-            <a:off x="1038225" y="2344738"/>
             <a:ext cx="9144000" cy="3579812"/>
           </a:xfrm>
           <a:prstGeom prst="rect">
@@ -2567,7 +4624,7 @@
 </p:sld>
 </file>
 
-<file path=ppt/slides/slide6.xml><?xml version="1.0" encoding="utf-8"?>
+<file path=ppt/slides/slide5.xml><?xml version="1.0" encoding="utf-8"?>
 <p:sld xmlns:a="http://schemas.openxmlformats.org/drawingml/2006/main" xmlns:r="http://schemas.openxmlformats.org/officeDocument/2006/relationships" xmlns:p="http://schemas.openxmlformats.org/presentationml/2006/main">
   <p:cSld>
     <p:spTree>
@@ -2953,7 +5010,7 @@
 </p:sld>
 </file>
 
-<file path=ppt/slides/slide7.xml><?xml version="1.0" encoding="utf-8"?>
+<file path=ppt/slides/slide6.xml><?xml version="1.0" encoding="utf-8"?>
 <p:sld xmlns:a="http://schemas.openxmlformats.org/drawingml/2006/main" xmlns:r="http://schemas.openxmlformats.org/officeDocument/2006/relationships" xmlns:p="http://schemas.openxmlformats.org/presentationml/2006/main">
   <p:cSld>
     <p:spTree>
@@ -3339,7 +5396,7 @@
 </p:sld>
 </file>
 
-<file path=ppt/slides/slide8.xml><?xml version="1.0" encoding="utf-8"?>
+<file path=ppt/slides/slide7.xml><?xml version="1.0" encoding="utf-8"?>
 <p:sld xmlns:a="http://schemas.openxmlformats.org/drawingml/2006/main" xmlns:r="http://schemas.openxmlformats.org/officeDocument/2006/relationships" xmlns:p="http://schemas.openxmlformats.org/presentationml/2006/main">
   <p:cSld>
     <p:spTree>
@@ -3399,7 +5456,7 @@
 </p:sld>
 </file>
 
-<file path=ppt/slides/slide9.xml><?xml version="1.0" encoding="utf-8"?>
+<file path=ppt/slides/slide8.xml><?xml version="1.0" encoding="utf-8"?>
 <p:sld xmlns:a="http://schemas.openxmlformats.org/drawingml/2006/main" xmlns:r="http://schemas.openxmlformats.org/officeDocument/2006/relationships" xmlns:p="http://schemas.openxmlformats.org/presentationml/2006/main">
   <p:cSld>
     <p:spTree>
@@ -3524,6 +5581,424 @@
     <p:extLst>
       <p:ext uri="{BB962C8B-B14F-4D97-AF65-F5344CB8AC3E}">
         <p14:creationId xmlns:p14="http://schemas.microsoft.com/office/powerpoint/2010/main" val="3429365684"/>
+      </p:ext>
+    </p:extLst>
+  </p:cSld>
+  <p:clrMapOvr>
+    <a:masterClrMapping/>
+  </p:clrMapOvr>
+</p:sld>
+</file>
+
+<file path=ppt/slides/slide9.xml><?xml version="1.0" encoding="utf-8"?>
+<p:sld xmlns:a="http://schemas.openxmlformats.org/drawingml/2006/main" xmlns:r="http://schemas.openxmlformats.org/officeDocument/2006/relationships" xmlns:p="http://schemas.openxmlformats.org/presentationml/2006/main">
+  <p:cSld>
+    <p:spTree>
+      <p:nvGrpSpPr>
+        <p:cNvPr id="1" name=""/>
+        <p:cNvGrpSpPr/>
+        <p:nvPr/>
+      </p:nvGrpSpPr>
+      <p:grpSpPr>
+        <a:xfrm>
+          <a:off x="0" y="0"/>
+          <a:ext cx="0" cy="0"/>
+          <a:chOff x="0" y="0"/>
+          <a:chExt cx="0" cy="0"/>
+        </a:xfrm>
+      </p:grpSpPr>
+      <p:grpSp>
+        <p:nvGrpSpPr>
+          <p:cNvPr id="6" name="Group 5">
+            <a:extLst>
+              <a:ext uri="{FF2B5EF4-FFF2-40B4-BE49-F238E27FC236}">
+                <a16:creationId xmlns:a16="http://schemas.microsoft.com/office/drawing/2014/main" id="{BA2F73CD-3D88-4336-A234-ABCDE364E4AE}"/>
+              </a:ext>
+            </a:extLst>
+          </p:cNvPr>
+          <p:cNvGrpSpPr/>
+          <p:nvPr/>
+        </p:nvGrpSpPr>
+        <p:grpSpPr>
+          <a:xfrm>
+            <a:off x="135466" y="131235"/>
+            <a:ext cx="2044700" cy="2044700"/>
+            <a:chOff x="1270000" y="2370667"/>
+            <a:chExt cx="2044700" cy="2044700"/>
+          </a:xfrm>
+        </p:grpSpPr>
+        <p:pic>
+          <p:nvPicPr>
+            <p:cNvPr id="5122" name="Picture 2">
+              <a:extLst>
+                <a:ext uri="{FF2B5EF4-FFF2-40B4-BE49-F238E27FC236}">
+                  <a16:creationId xmlns:a16="http://schemas.microsoft.com/office/drawing/2014/main" id="{A7B0E3BC-020F-448A-8087-4FB312912AC8}"/>
+                </a:ext>
+              </a:extLst>
+            </p:cNvPr>
+            <p:cNvPicPr>
+              <a:picLocks noChangeAspect="1" noChangeArrowheads="1"/>
+            </p:cNvPicPr>
+            <p:nvPr/>
+          </p:nvPicPr>
+          <p:blipFill>
+            <a:blip r:embed="rId2">
+              <a:extLst>
+                <a:ext uri="{28A0092B-C50C-407E-A947-70E740481C1C}">
+                  <a14:useLocalDpi xmlns:a14="http://schemas.microsoft.com/office/drawing/2010/main" val="0"/>
+                </a:ext>
+              </a:extLst>
+            </a:blip>
+            <a:srcRect/>
+            <a:stretch>
+              <a:fillRect/>
+            </a:stretch>
+          </p:blipFill>
+          <p:spPr bwMode="auto">
+            <a:xfrm>
+              <a:off x="1419225" y="2519892"/>
+              <a:ext cx="1746250" cy="1746250"/>
+            </a:xfrm>
+            <a:prstGeom prst="rect">
+              <a:avLst/>
+            </a:prstGeom>
+            <a:noFill/>
+          </p:spPr>
+        </p:pic>
+        <p:sp>
+          <p:nvSpPr>
+            <p:cNvPr id="5" name="Oval 4">
+              <a:extLst>
+                <a:ext uri="{FF2B5EF4-FFF2-40B4-BE49-F238E27FC236}">
+                  <a16:creationId xmlns:a16="http://schemas.microsoft.com/office/drawing/2014/main" id="{AFA1A7E1-3053-4B85-9B84-B4D02CC0DEF4}"/>
+                </a:ext>
+              </a:extLst>
+            </p:cNvPr>
+            <p:cNvSpPr/>
+            <p:nvPr/>
+          </p:nvSpPr>
+          <p:spPr>
+            <a:xfrm>
+              <a:off x="1270000" y="2370667"/>
+              <a:ext cx="2044700" cy="2044700"/>
+            </a:xfrm>
+            <a:prstGeom prst="ellipse">
+              <a:avLst/>
+            </a:prstGeom>
+            <a:noFill/>
+            <a:ln>
+              <a:solidFill>
+                <a:srgbClr val="FFF200"/>
+              </a:solidFill>
+            </a:ln>
+          </p:spPr>
+          <p:style>
+            <a:lnRef idx="2">
+              <a:schemeClr val="accent1">
+                <a:shade val="50000"/>
+              </a:schemeClr>
+            </a:lnRef>
+            <a:fillRef idx="1">
+              <a:schemeClr val="accent1"/>
+            </a:fillRef>
+            <a:effectRef idx="0">
+              <a:schemeClr val="accent1"/>
+            </a:effectRef>
+            <a:fontRef idx="minor">
+              <a:schemeClr val="lt1"/>
+            </a:fontRef>
+          </p:style>
+          <p:txBody>
+            <a:bodyPr rtlCol="0" anchor="ctr"/>
+            <a:lstStyle/>
+            <a:p>
+              <a:pPr algn="ctr"/>
+              <a:endParaRPr lang="en-AU"/>
+            </a:p>
+          </p:txBody>
+        </p:sp>
+      </p:grpSp>
+      <p:sp>
+        <p:nvSpPr>
+          <p:cNvPr id="8" name="Subtitle 2">
+            <a:extLst>
+              <a:ext uri="{FF2B5EF4-FFF2-40B4-BE49-F238E27FC236}">
+                <a16:creationId xmlns:a16="http://schemas.microsoft.com/office/drawing/2014/main" id="{378141D6-E7C4-4A9F-837D-577DBB81A88D}"/>
+              </a:ext>
+            </a:extLst>
+          </p:cNvPr>
+          <p:cNvSpPr txBox="1">
+            <a:spLocks/>
+          </p:cNvSpPr>
+          <p:nvPr/>
+        </p:nvSpPr>
+        <p:spPr>
+          <a:xfrm>
+            <a:off x="3115733" y="280460"/>
+            <a:ext cx="8318500" cy="5193240"/>
+          </a:xfrm>
+          <a:prstGeom prst="rect">
+            <a:avLst/>
+          </a:prstGeom>
+        </p:spPr>
+        <p:txBody>
+          <a:bodyPr vert="horz" lIns="91440" tIns="45720" rIns="91440" bIns="45720" rtlCol="0">
+            <a:normAutofit/>
+          </a:bodyPr>
+          <a:lstStyle>
+            <a:lvl1pPr marL="228600" indent="-228600" algn="l" defTabSz="914400" rtl="0" eaLnBrk="1" latinLnBrk="0" hangingPunct="1">
+              <a:lnSpc>
+                <a:spcPct val="90000"/>
+              </a:lnSpc>
+              <a:spcBef>
+                <a:spcPts val="1000"/>
+              </a:spcBef>
+              <a:buFont typeface="Arial" panose="020B0604020202020204" pitchFamily="34" charset="0"/>
+              <a:buChar char="•"/>
+              <a:defRPr sz="2800" kern="1200">
+                <a:solidFill>
+                  <a:schemeClr val="tx1"/>
+                </a:solidFill>
+                <a:latin typeface="+mn-lt"/>
+                <a:ea typeface="+mn-ea"/>
+                <a:cs typeface="+mn-cs"/>
+              </a:defRPr>
+            </a:lvl1pPr>
+            <a:lvl2pPr marL="685800" indent="-228600" algn="l" defTabSz="914400" rtl="0" eaLnBrk="1" latinLnBrk="0" hangingPunct="1">
+              <a:lnSpc>
+                <a:spcPct val="90000"/>
+              </a:lnSpc>
+              <a:spcBef>
+                <a:spcPts val="500"/>
+              </a:spcBef>
+              <a:buFont typeface="Arial" panose="020B0604020202020204" pitchFamily="34" charset="0"/>
+              <a:buChar char="•"/>
+              <a:defRPr sz="2400" kern="1200">
+                <a:solidFill>
+                  <a:schemeClr val="tx1"/>
+                </a:solidFill>
+                <a:latin typeface="+mn-lt"/>
+                <a:ea typeface="+mn-ea"/>
+                <a:cs typeface="+mn-cs"/>
+              </a:defRPr>
+            </a:lvl2pPr>
+            <a:lvl3pPr marL="1143000" indent="-228600" algn="l" defTabSz="914400" rtl="0" eaLnBrk="1" latinLnBrk="0" hangingPunct="1">
+              <a:lnSpc>
+                <a:spcPct val="90000"/>
+              </a:lnSpc>
+              <a:spcBef>
+                <a:spcPts val="500"/>
+              </a:spcBef>
+              <a:buFont typeface="Arial" panose="020B0604020202020204" pitchFamily="34" charset="0"/>
+              <a:buChar char="•"/>
+              <a:defRPr sz="2000" kern="1200">
+                <a:solidFill>
+                  <a:schemeClr val="tx1"/>
+                </a:solidFill>
+                <a:latin typeface="+mn-lt"/>
+                <a:ea typeface="+mn-ea"/>
+                <a:cs typeface="+mn-cs"/>
+              </a:defRPr>
+            </a:lvl3pPr>
+            <a:lvl4pPr marL="1600200" indent="-228600" algn="l" defTabSz="914400" rtl="0" eaLnBrk="1" latinLnBrk="0" hangingPunct="1">
+              <a:lnSpc>
+                <a:spcPct val="90000"/>
+              </a:lnSpc>
+              <a:spcBef>
+                <a:spcPts val="500"/>
+              </a:spcBef>
+              <a:buFont typeface="Arial" panose="020B0604020202020204" pitchFamily="34" charset="0"/>
+              <a:buChar char="•"/>
+              <a:defRPr sz="1800" kern="1200">
+                <a:solidFill>
+                  <a:schemeClr val="tx1"/>
+                </a:solidFill>
+                <a:latin typeface="+mn-lt"/>
+                <a:ea typeface="+mn-ea"/>
+                <a:cs typeface="+mn-cs"/>
+              </a:defRPr>
+            </a:lvl4pPr>
+            <a:lvl5pPr marL="2057400" indent="-228600" algn="l" defTabSz="914400" rtl="0" eaLnBrk="1" latinLnBrk="0" hangingPunct="1">
+              <a:lnSpc>
+                <a:spcPct val="90000"/>
+              </a:lnSpc>
+              <a:spcBef>
+                <a:spcPts val="500"/>
+              </a:spcBef>
+              <a:buFont typeface="Arial" panose="020B0604020202020204" pitchFamily="34" charset="0"/>
+              <a:buChar char="•"/>
+              <a:defRPr sz="1800" kern="1200">
+                <a:solidFill>
+                  <a:schemeClr val="tx1"/>
+                </a:solidFill>
+                <a:latin typeface="+mn-lt"/>
+                <a:ea typeface="+mn-ea"/>
+                <a:cs typeface="+mn-cs"/>
+              </a:defRPr>
+            </a:lvl5pPr>
+            <a:lvl6pPr marL="2514600" indent="-228600" algn="l" defTabSz="914400" rtl="0" eaLnBrk="1" latinLnBrk="0" hangingPunct="1">
+              <a:lnSpc>
+                <a:spcPct val="90000"/>
+              </a:lnSpc>
+              <a:spcBef>
+                <a:spcPts val="500"/>
+              </a:spcBef>
+              <a:buFont typeface="Arial" panose="020B0604020202020204" pitchFamily="34" charset="0"/>
+              <a:buChar char="•"/>
+              <a:defRPr sz="1800" kern="1200">
+                <a:solidFill>
+                  <a:schemeClr val="tx1"/>
+                </a:solidFill>
+                <a:latin typeface="+mn-lt"/>
+                <a:ea typeface="+mn-ea"/>
+                <a:cs typeface="+mn-cs"/>
+              </a:defRPr>
+            </a:lvl6pPr>
+            <a:lvl7pPr marL="2971800" indent="-228600" algn="l" defTabSz="914400" rtl="0" eaLnBrk="1" latinLnBrk="0" hangingPunct="1">
+              <a:lnSpc>
+                <a:spcPct val="90000"/>
+              </a:lnSpc>
+              <a:spcBef>
+                <a:spcPts val="500"/>
+              </a:spcBef>
+              <a:buFont typeface="Arial" panose="020B0604020202020204" pitchFamily="34" charset="0"/>
+              <a:buChar char="•"/>
+              <a:defRPr sz="1800" kern="1200">
+                <a:solidFill>
+                  <a:schemeClr val="tx1"/>
+                </a:solidFill>
+                <a:latin typeface="+mn-lt"/>
+                <a:ea typeface="+mn-ea"/>
+                <a:cs typeface="+mn-cs"/>
+              </a:defRPr>
+            </a:lvl7pPr>
+            <a:lvl8pPr marL="3429000" indent="-228600" algn="l" defTabSz="914400" rtl="0" eaLnBrk="1" latinLnBrk="0" hangingPunct="1">
+              <a:lnSpc>
+                <a:spcPct val="90000"/>
+              </a:lnSpc>
+              <a:spcBef>
+                <a:spcPts val="500"/>
+              </a:spcBef>
+              <a:buFont typeface="Arial" panose="020B0604020202020204" pitchFamily="34" charset="0"/>
+              <a:buChar char="•"/>
+              <a:defRPr sz="1800" kern="1200">
+                <a:solidFill>
+                  <a:schemeClr val="tx1"/>
+                </a:solidFill>
+                <a:latin typeface="+mn-lt"/>
+                <a:ea typeface="+mn-ea"/>
+                <a:cs typeface="+mn-cs"/>
+              </a:defRPr>
+            </a:lvl8pPr>
+            <a:lvl9pPr marL="3886200" indent="-228600" algn="l" defTabSz="914400" rtl="0" eaLnBrk="1" latinLnBrk="0" hangingPunct="1">
+              <a:lnSpc>
+                <a:spcPct val="90000"/>
+              </a:lnSpc>
+              <a:spcBef>
+                <a:spcPts val="500"/>
+              </a:spcBef>
+              <a:buFont typeface="Arial" panose="020B0604020202020204" pitchFamily="34" charset="0"/>
+              <a:buChar char="•"/>
+              <a:defRPr sz="1800" kern="1200">
+                <a:solidFill>
+                  <a:schemeClr val="tx1"/>
+                </a:solidFill>
+                <a:latin typeface="+mn-lt"/>
+                <a:ea typeface="+mn-ea"/>
+                <a:cs typeface="+mn-cs"/>
+              </a:defRPr>
+            </a:lvl9pPr>
+          </a:lstStyle>
+          <a:p>
+            <a:pPr marL="0" indent="0">
+              <a:buFont typeface="Arial" panose="020B0604020202020204" pitchFamily="34" charset="0"/>
+              <a:buNone/>
+            </a:pPr>
+            <a:endParaRPr lang="en-AU" dirty="0">
+              <a:solidFill>
+                <a:schemeClr val="bg1"/>
+              </a:solidFill>
+              <a:latin typeface="Poppins Thin" panose="00000300000000000000" pitchFamily="2" charset="0"/>
+              <a:cs typeface="Poppins Thin" panose="00000300000000000000" pitchFamily="2" charset="0"/>
+            </a:endParaRPr>
+          </a:p>
+          <a:p>
+            <a:pPr marL="0" indent="0">
+              <a:buFont typeface="Arial" panose="020B0604020202020204" pitchFamily="34" charset="0"/>
+              <a:buNone/>
+            </a:pPr>
+            <a:r>
+              <a:rPr lang="en-AU" b="1" dirty="0">
+                <a:solidFill>
+                  <a:schemeClr val="bg1"/>
+                </a:solidFill>
+                <a:latin typeface="Poppins Thin" panose="00000300000000000000" pitchFamily="2" charset="0"/>
+                <a:cs typeface="Poppins Thin" panose="00000300000000000000" pitchFamily="2" charset="0"/>
+              </a:rPr>
+              <a:t>pandas used to combine excel spreadsheets into a data frame</a:t>
+            </a:r>
+          </a:p>
+          <a:p>
+            <a:pPr marL="0" indent="0">
+              <a:buFont typeface="Arial" panose="020B0604020202020204" pitchFamily="34" charset="0"/>
+              <a:buNone/>
+            </a:pPr>
+            <a:endParaRPr lang="en-AU" b="1" dirty="0">
+              <a:solidFill>
+                <a:schemeClr val="bg1"/>
+              </a:solidFill>
+              <a:latin typeface="Poppins Thin" panose="00000300000000000000" pitchFamily="2" charset="0"/>
+              <a:cs typeface="Poppins Thin" panose="00000300000000000000" pitchFamily="2" charset="0"/>
+            </a:endParaRPr>
+          </a:p>
+          <a:p>
+            <a:pPr marL="0" indent="0">
+              <a:buFont typeface="Arial" panose="020B0604020202020204" pitchFamily="34" charset="0"/>
+              <a:buNone/>
+            </a:pPr>
+            <a:endParaRPr lang="en-AU" b="1" dirty="0">
+              <a:solidFill>
+                <a:schemeClr val="bg1"/>
+              </a:solidFill>
+              <a:latin typeface="Poppins Thin" panose="00000300000000000000" pitchFamily="2" charset="0"/>
+              <a:cs typeface="Poppins Thin" panose="00000300000000000000" pitchFamily="2" charset="0"/>
+            </a:endParaRPr>
+          </a:p>
+          <a:p>
+            <a:pPr marL="0" indent="0">
+              <a:buFont typeface="Arial" panose="020B0604020202020204" pitchFamily="34" charset="0"/>
+              <a:buNone/>
+            </a:pPr>
+            <a:r>
+              <a:rPr lang="en-AU" b="1" dirty="0">
+                <a:solidFill>
+                  <a:schemeClr val="bg1"/>
+                </a:solidFill>
+                <a:latin typeface="Poppins Thin" panose="00000300000000000000" pitchFamily="2" charset="0"/>
+                <a:cs typeface="Poppins Thin" panose="00000300000000000000" pitchFamily="2" charset="0"/>
+              </a:rPr>
+              <a:t>Remove unnecessary columns while importing</a:t>
+            </a:r>
+          </a:p>
+          <a:p>
+            <a:pPr marL="0" indent="0">
+              <a:buFont typeface="Arial" panose="020B0604020202020204" pitchFamily="34" charset="0"/>
+              <a:buNone/>
+            </a:pPr>
+            <a:endParaRPr lang="en-AU" b="1" dirty="0">
+              <a:solidFill>
+                <a:schemeClr val="bg1"/>
+              </a:solidFill>
+              <a:latin typeface="Poppins Thin" panose="00000300000000000000" pitchFamily="2" charset="0"/>
+              <a:cs typeface="Poppins Thin" panose="00000300000000000000" pitchFamily="2" charset="0"/>
+            </a:endParaRPr>
+          </a:p>
+        </p:txBody>
+      </p:sp>
+    </p:spTree>
+    <p:extLst>
+      <p:ext uri="{BB962C8B-B14F-4D97-AF65-F5344CB8AC3E}">
+        <p14:creationId xmlns:p14="http://schemas.microsoft.com/office/powerpoint/2010/main" val="4172161748"/>
       </p:ext>
     </p:extLst>
   </p:cSld>
@@ -3826,4 +6301,299 @@
     </a:ext>
   </a:extLst>
 </a:theme>
+</file>
+
+<file path=ppt/theme/theme2.xml><?xml version="1.0" encoding="utf-8"?>
+<a:theme xmlns:a="http://schemas.openxmlformats.org/drawingml/2006/main" name="Office Theme">
+  <a:themeElements>
+    <a:clrScheme name="Office">
+      <a:dk1>
+        <a:sysClr val="windowText" lastClr="000000"/>
+      </a:dk1>
+      <a:lt1>
+        <a:sysClr val="window" lastClr="FFFFFF"/>
+      </a:lt1>
+      <a:dk2>
+        <a:srgbClr val="44546A"/>
+      </a:dk2>
+      <a:lt2>
+        <a:srgbClr val="E7E6E6"/>
+      </a:lt2>
+      <a:accent1>
+        <a:srgbClr val="4472C4"/>
+      </a:accent1>
+      <a:accent2>
+        <a:srgbClr val="ED7D31"/>
+      </a:accent2>
+      <a:accent3>
+        <a:srgbClr val="A5A5A5"/>
+      </a:accent3>
+      <a:accent4>
+        <a:srgbClr val="FFC000"/>
+      </a:accent4>
+      <a:accent5>
+        <a:srgbClr val="5B9BD5"/>
+      </a:accent5>
+      <a:accent6>
+        <a:srgbClr val="70AD47"/>
+      </a:accent6>
+      <a:hlink>
+        <a:srgbClr val="0563C1"/>
+      </a:hlink>
+      <a:folHlink>
+        <a:srgbClr val="954F72"/>
+      </a:folHlink>
+    </a:clrScheme>
+    <a:fontScheme name="Office">
+      <a:majorFont>
+        <a:latin typeface="Calibri Light" panose="020F0302020204030204"/>
+        <a:ea typeface=""/>
+        <a:cs typeface=""/>
+        <a:font script="Jpan" typeface="游ゴシック Light"/>
+        <a:font script="Hang" typeface="맑은 고딕"/>
+        <a:font script="Hans" typeface="等线 Light"/>
+        <a:font script="Hant" typeface="新細明體"/>
+        <a:font script="Arab" typeface="Times New Roman"/>
+        <a:font script="Hebr" typeface="Times New Roman"/>
+        <a:font script="Thai" typeface="Angsana New"/>
+        <a:font script="Ethi" typeface="Nyala"/>
+        <a:font script="Beng" typeface="Vrinda"/>
+        <a:font script="Gujr" typeface="Shruti"/>
+        <a:font script="Khmr" typeface="MoolBoran"/>
+        <a:font script="Knda" typeface="Tunga"/>
+        <a:font script="Guru" typeface="Raavi"/>
+        <a:font script="Cans" typeface="Euphemia"/>
+        <a:font script="Cher" typeface="Plantagenet Cherokee"/>
+        <a:font script="Yiii" typeface="Microsoft Yi Baiti"/>
+        <a:font script="Tibt" typeface="Microsoft Himalaya"/>
+        <a:font script="Thaa" typeface="MV Boli"/>
+        <a:font script="Deva" typeface="Mangal"/>
+        <a:font script="Telu" typeface="Gautami"/>
+        <a:font script="Taml" typeface="Latha"/>
+        <a:font script="Syrc" typeface="Estrangelo Edessa"/>
+        <a:font script="Orya" typeface="Kalinga"/>
+        <a:font script="Mlym" typeface="Kartika"/>
+        <a:font script="Laoo" typeface="DokChampa"/>
+        <a:font script="Sinh" typeface="Iskoola Pota"/>
+        <a:font script="Mong" typeface="Mongolian Baiti"/>
+        <a:font script="Viet" typeface="Times New Roman"/>
+        <a:font script="Uigh" typeface="Microsoft Uighur"/>
+        <a:font script="Geor" typeface="Sylfaen"/>
+        <a:font script="Armn" typeface="Arial"/>
+        <a:font script="Bugi" typeface="Leelawadee UI"/>
+        <a:font script="Bopo" typeface="Microsoft JhengHei"/>
+        <a:font script="Java" typeface="Javanese Text"/>
+        <a:font script="Lisu" typeface="Segoe UI"/>
+        <a:font script="Mymr" typeface="Myanmar Text"/>
+        <a:font script="Nkoo" typeface="Ebrima"/>
+        <a:font script="Olck" typeface="Nirmala UI"/>
+        <a:font script="Osma" typeface="Ebrima"/>
+        <a:font script="Phag" typeface="Phagspa"/>
+        <a:font script="Syrn" typeface="Estrangelo Edessa"/>
+        <a:font script="Syrj" typeface="Estrangelo Edessa"/>
+        <a:font script="Syre" typeface="Estrangelo Edessa"/>
+        <a:font script="Sora" typeface="Nirmala UI"/>
+        <a:font script="Tale" typeface="Microsoft Tai Le"/>
+        <a:font script="Talu" typeface="Microsoft New Tai Lue"/>
+        <a:font script="Tfng" typeface="Ebrima"/>
+      </a:majorFont>
+      <a:minorFont>
+        <a:latin typeface="Calibri" panose="020F0502020204030204"/>
+        <a:ea typeface=""/>
+        <a:cs typeface=""/>
+        <a:font script="Jpan" typeface="游ゴシック"/>
+        <a:font script="Hang" typeface="맑은 고딕"/>
+        <a:font script="Hans" typeface="等线"/>
+        <a:font script="Hant" typeface="新細明體"/>
+        <a:font script="Arab" typeface="Arial"/>
+        <a:font script="Hebr" typeface="Arial"/>
+        <a:font script="Thai" typeface="Cordia New"/>
+        <a:font script="Ethi" typeface="Nyala"/>
+        <a:font script="Beng" typeface="Vrinda"/>
+        <a:font script="Gujr" typeface="Shruti"/>
+        <a:font script="Khmr" typeface="DaunPenh"/>
+        <a:font script="Knda" typeface="Tunga"/>
+        <a:font script="Guru" typeface="Raavi"/>
+        <a:font script="Cans" typeface="Euphemia"/>
+        <a:font script="Cher" typeface="Plantagenet Cherokee"/>
+        <a:font script="Yiii" typeface="Microsoft Yi Baiti"/>
+        <a:font script="Tibt" typeface="Microsoft Himalaya"/>
+        <a:font script="Thaa" typeface="MV Boli"/>
+        <a:font script="Deva" typeface="Mangal"/>
+        <a:font script="Telu" typeface="Gautami"/>
+        <a:font script="Taml" typeface="Latha"/>
+        <a:font script="Syrc" typeface="Estrangelo Edessa"/>
+        <a:font script="Orya" typeface="Kalinga"/>
+        <a:font script="Mlym" typeface="Kartika"/>
+        <a:font script="Laoo" typeface="DokChampa"/>
+        <a:font script="Sinh" typeface="Iskoola Pota"/>
+        <a:font script="Mong" typeface="Mongolian Baiti"/>
+        <a:font script="Viet" typeface="Arial"/>
+        <a:font script="Uigh" typeface="Microsoft Uighur"/>
+        <a:font script="Geor" typeface="Sylfaen"/>
+        <a:font script="Armn" typeface="Arial"/>
+        <a:font script="Bugi" typeface="Leelawadee UI"/>
+        <a:font script="Bopo" typeface="Microsoft JhengHei"/>
+        <a:font script="Java" typeface="Javanese Text"/>
+        <a:font script="Lisu" typeface="Segoe UI"/>
+        <a:font script="Mymr" typeface="Myanmar Text"/>
+        <a:font script="Nkoo" typeface="Ebrima"/>
+        <a:font script="Olck" typeface="Nirmala UI"/>
+        <a:font script="Osma" typeface="Ebrima"/>
+        <a:font script="Phag" typeface="Phagspa"/>
+        <a:font script="Syrn" typeface="Estrangelo Edessa"/>
+        <a:font script="Syrj" typeface="Estrangelo Edessa"/>
+        <a:font script="Syre" typeface="Estrangelo Edessa"/>
+        <a:font script="Sora" typeface="Nirmala UI"/>
+        <a:font script="Tale" typeface="Microsoft Tai Le"/>
+        <a:font script="Talu" typeface="Microsoft New Tai Lue"/>
+        <a:font script="Tfng" typeface="Ebrima"/>
+      </a:minorFont>
+    </a:fontScheme>
+    <a:fmtScheme name="Office">
+      <a:fillStyleLst>
+        <a:solidFill>
+          <a:schemeClr val="phClr"/>
+        </a:solidFill>
+        <a:gradFill rotWithShape="1">
+          <a:gsLst>
+            <a:gs pos="0">
+              <a:schemeClr val="phClr">
+                <a:lumMod val="110000"/>
+                <a:satMod val="105000"/>
+                <a:tint val="67000"/>
+              </a:schemeClr>
+            </a:gs>
+            <a:gs pos="50000">
+              <a:schemeClr val="phClr">
+                <a:lumMod val="105000"/>
+                <a:satMod val="103000"/>
+                <a:tint val="73000"/>
+              </a:schemeClr>
+            </a:gs>
+            <a:gs pos="100000">
+              <a:schemeClr val="phClr">
+                <a:lumMod val="105000"/>
+                <a:satMod val="109000"/>
+                <a:tint val="81000"/>
+              </a:schemeClr>
+            </a:gs>
+          </a:gsLst>
+          <a:lin ang="5400000" scaled="0"/>
+        </a:gradFill>
+        <a:gradFill rotWithShape="1">
+          <a:gsLst>
+            <a:gs pos="0">
+              <a:schemeClr val="phClr">
+                <a:satMod val="103000"/>
+                <a:lumMod val="102000"/>
+                <a:tint val="94000"/>
+              </a:schemeClr>
+            </a:gs>
+            <a:gs pos="50000">
+              <a:schemeClr val="phClr">
+                <a:satMod val="110000"/>
+                <a:lumMod val="100000"/>
+                <a:shade val="100000"/>
+              </a:schemeClr>
+            </a:gs>
+            <a:gs pos="100000">
+              <a:schemeClr val="phClr">
+                <a:lumMod val="99000"/>
+                <a:satMod val="120000"/>
+                <a:shade val="78000"/>
+              </a:schemeClr>
+            </a:gs>
+          </a:gsLst>
+          <a:lin ang="5400000" scaled="0"/>
+        </a:gradFill>
+      </a:fillStyleLst>
+      <a:lnStyleLst>
+        <a:ln w="6350" cap="flat" cmpd="sng" algn="ctr">
+          <a:solidFill>
+            <a:schemeClr val="phClr"/>
+          </a:solidFill>
+          <a:prstDash val="solid"/>
+          <a:miter lim="800000"/>
+        </a:ln>
+        <a:ln w="12700" cap="flat" cmpd="sng" algn="ctr">
+          <a:solidFill>
+            <a:schemeClr val="phClr"/>
+          </a:solidFill>
+          <a:prstDash val="solid"/>
+          <a:miter lim="800000"/>
+        </a:ln>
+        <a:ln w="19050" cap="flat" cmpd="sng" algn="ctr">
+          <a:solidFill>
+            <a:schemeClr val="phClr"/>
+          </a:solidFill>
+          <a:prstDash val="solid"/>
+          <a:miter lim="800000"/>
+        </a:ln>
+      </a:lnStyleLst>
+      <a:effectStyleLst>
+        <a:effectStyle>
+          <a:effectLst/>
+        </a:effectStyle>
+        <a:effectStyle>
+          <a:effectLst/>
+        </a:effectStyle>
+        <a:effectStyle>
+          <a:effectLst>
+            <a:outerShdw blurRad="57150" dist="19050" dir="5400000" algn="ctr" rotWithShape="0">
+              <a:srgbClr val="000000">
+                <a:alpha val="63000"/>
+              </a:srgbClr>
+            </a:outerShdw>
+          </a:effectLst>
+        </a:effectStyle>
+      </a:effectStyleLst>
+      <a:bgFillStyleLst>
+        <a:solidFill>
+          <a:schemeClr val="phClr"/>
+        </a:solidFill>
+        <a:solidFill>
+          <a:schemeClr val="phClr">
+            <a:tint val="95000"/>
+            <a:satMod val="170000"/>
+          </a:schemeClr>
+        </a:solidFill>
+        <a:gradFill rotWithShape="1">
+          <a:gsLst>
+            <a:gs pos="0">
+              <a:schemeClr val="phClr">
+                <a:tint val="93000"/>
+                <a:satMod val="150000"/>
+                <a:shade val="98000"/>
+                <a:lumMod val="102000"/>
+              </a:schemeClr>
+            </a:gs>
+            <a:gs pos="50000">
+              <a:schemeClr val="phClr">
+                <a:tint val="98000"/>
+                <a:satMod val="130000"/>
+                <a:shade val="90000"/>
+                <a:lumMod val="103000"/>
+              </a:schemeClr>
+            </a:gs>
+            <a:gs pos="100000">
+              <a:schemeClr val="phClr">
+                <a:shade val="63000"/>
+                <a:satMod val="120000"/>
+              </a:schemeClr>
+            </a:gs>
+          </a:gsLst>
+          <a:lin ang="5400000" scaled="0"/>
+        </a:gradFill>
+      </a:bgFillStyleLst>
+    </a:fmtScheme>
+  </a:themeElements>
+  <a:objectDefaults/>
+  <a:extraClrSchemeLst/>
+  <a:extLst>
+    <a:ext uri="{05A4C25C-085E-4340-85A3-A5531E510DB2}">
+      <thm15:themeFamily xmlns:thm15="http://schemas.microsoft.com/office/thememl/2012/main" name="Office Theme" id="{62F939B6-93AF-4DB8-9C6B-D6C7DFDC589F}" vid="{4A3C46E8-61CC-4603-A589-7422A47A8E4A}"/>
+    </a:ext>
+  </a:extLst>
+</a:theme>
 </file>
--- a/Visualization/Project Presentation.pptx
+++ b/Visualization/Project Presentation.pptx
@@ -5,7 +5,7 @@
     <p:sldMasterId id="2147483648" r:id="rId1"/>
   </p:sldMasterIdLst>
   <p:notesMasterIdLst>
-    <p:notesMasterId r:id="rId24"/>
+    <p:notesMasterId r:id="rId25"/>
   </p:notesMasterIdLst>
   <p:sldIdLst>
     <p:sldId id="256" r:id="rId2"/>
@@ -19,17 +19,18 @@
     <p:sldId id="259" r:id="rId10"/>
     <p:sldId id="265" r:id="rId11"/>
     <p:sldId id="266" r:id="rId12"/>
-    <p:sldId id="267" r:id="rId13"/>
-    <p:sldId id="272" r:id="rId14"/>
-    <p:sldId id="278" r:id="rId15"/>
-    <p:sldId id="269" r:id="rId16"/>
-    <p:sldId id="268" r:id="rId17"/>
-    <p:sldId id="275" r:id="rId18"/>
-    <p:sldId id="270" r:id="rId19"/>
-    <p:sldId id="271" r:id="rId20"/>
-    <p:sldId id="277" r:id="rId21"/>
-    <p:sldId id="276" r:id="rId22"/>
-    <p:sldId id="279" r:id="rId23"/>
+    <p:sldId id="281" r:id="rId13"/>
+    <p:sldId id="267" r:id="rId14"/>
+    <p:sldId id="272" r:id="rId15"/>
+    <p:sldId id="278" r:id="rId16"/>
+    <p:sldId id="269" r:id="rId17"/>
+    <p:sldId id="268" r:id="rId18"/>
+    <p:sldId id="275" r:id="rId19"/>
+    <p:sldId id="270" r:id="rId20"/>
+    <p:sldId id="271" r:id="rId21"/>
+    <p:sldId id="277" r:id="rId22"/>
+    <p:sldId id="276" r:id="rId23"/>
+    <p:sldId id="279" r:id="rId24"/>
   </p:sldIdLst>
   <p:sldSz cx="12192000" cy="6858000"/>
   <p:notesSz cx="6858000" cy="9144000"/>
@@ -218,7 +219,7 @@
           <a:p>
             <a:fld id="{49BC0BDB-B6DB-436F-B4BE-E1C0C6771525}" type="datetimeFigureOut">
               <a:rPr lang="en-AU" smtClean="0"/>
-              <a:t>4/05/2020</a:t>
+              <a:t>5/05/2020</a:t>
             </a:fld>
             <a:endParaRPr lang="en-AU"/>
           </a:p>
@@ -551,7 +552,7 @@
           <a:p>
             <a:fld id="{BDC55854-6EFA-4F78-B960-673BA0CB4F39}" type="slidenum">
               <a:rPr lang="en-AU" smtClean="0"/>
-              <a:t>18</a:t>
+              <a:t>19</a:t>
             </a:fld>
             <a:endParaRPr lang="en-AU"/>
           </a:p>
@@ -635,7 +636,7 @@
           <a:p>
             <a:fld id="{BDC55854-6EFA-4F78-B960-673BA0CB4F39}" type="slidenum">
               <a:rPr lang="en-AU" smtClean="0"/>
-              <a:t>21</a:t>
+              <a:t>22</a:t>
             </a:fld>
             <a:endParaRPr lang="en-AU"/>
           </a:p>
@@ -719,7 +720,7 @@
           <a:p>
             <a:fld id="{BDC55854-6EFA-4F78-B960-673BA0CB4F39}" type="slidenum">
               <a:rPr lang="en-AU" smtClean="0"/>
-              <a:t>22</a:t>
+              <a:t>23</a:t>
             </a:fld>
             <a:endParaRPr lang="en-AU"/>
           </a:p>
@@ -1028,7 +1029,7 @@
           <a:p>
             <a:fld id="{32688324-B046-43DF-B19D-A132D4B41025}" type="datetimeFigureOut">
               <a:rPr lang="en-AU" smtClean="0"/>
-              <a:t>4/05/2020</a:t>
+              <a:t>5/05/2020</a:t>
             </a:fld>
             <a:endParaRPr lang="en-AU"/>
           </a:p>
@@ -2442,6 +2443,271 @@
       </p:grpSpPr>
       <p:sp>
         <p:nvSpPr>
+          <p:cNvPr id="10" name="Subtitle 2">
+            <a:extLst>
+              <a:ext uri="{FF2B5EF4-FFF2-40B4-BE49-F238E27FC236}">
+                <a16:creationId xmlns:a16="http://schemas.microsoft.com/office/drawing/2014/main" id="{C25C1657-638A-496E-AC46-913A530694AF}"/>
+              </a:ext>
+            </a:extLst>
+          </p:cNvPr>
+          <p:cNvSpPr txBox="1">
+            <a:spLocks/>
+          </p:cNvSpPr>
+          <p:nvPr/>
+        </p:nvSpPr>
+        <p:spPr>
+          <a:xfrm>
+            <a:off x="3115733" y="280460"/>
+            <a:ext cx="8318500" cy="5193240"/>
+          </a:xfrm>
+          <a:prstGeom prst="rect">
+            <a:avLst/>
+          </a:prstGeom>
+        </p:spPr>
+        <p:txBody>
+          <a:bodyPr vert="horz" lIns="91440" tIns="45720" rIns="91440" bIns="45720" rtlCol="0">
+            <a:normAutofit/>
+          </a:bodyPr>
+          <a:lstStyle>
+            <a:lvl1pPr marL="228600" indent="-228600" algn="l" defTabSz="914400" rtl="0" eaLnBrk="1" latinLnBrk="0" hangingPunct="1">
+              <a:lnSpc>
+                <a:spcPct val="90000"/>
+              </a:lnSpc>
+              <a:spcBef>
+                <a:spcPts val="1000"/>
+              </a:spcBef>
+              <a:buFont typeface="Arial" panose="020B0604020202020204" pitchFamily="34" charset="0"/>
+              <a:buChar char="•"/>
+              <a:defRPr sz="2800" kern="1200">
+                <a:solidFill>
+                  <a:schemeClr val="tx1"/>
+                </a:solidFill>
+                <a:latin typeface="+mn-lt"/>
+                <a:ea typeface="+mn-ea"/>
+                <a:cs typeface="+mn-cs"/>
+              </a:defRPr>
+            </a:lvl1pPr>
+            <a:lvl2pPr marL="685800" indent="-228600" algn="l" defTabSz="914400" rtl="0" eaLnBrk="1" latinLnBrk="0" hangingPunct="1">
+              <a:lnSpc>
+                <a:spcPct val="90000"/>
+              </a:lnSpc>
+              <a:spcBef>
+                <a:spcPts val="500"/>
+              </a:spcBef>
+              <a:buFont typeface="Arial" panose="020B0604020202020204" pitchFamily="34" charset="0"/>
+              <a:buChar char="•"/>
+              <a:defRPr sz="2400" kern="1200">
+                <a:solidFill>
+                  <a:schemeClr val="tx1"/>
+                </a:solidFill>
+                <a:latin typeface="+mn-lt"/>
+                <a:ea typeface="+mn-ea"/>
+                <a:cs typeface="+mn-cs"/>
+              </a:defRPr>
+            </a:lvl2pPr>
+            <a:lvl3pPr marL="1143000" indent="-228600" algn="l" defTabSz="914400" rtl="0" eaLnBrk="1" latinLnBrk="0" hangingPunct="1">
+              <a:lnSpc>
+                <a:spcPct val="90000"/>
+              </a:lnSpc>
+              <a:spcBef>
+                <a:spcPts val="500"/>
+              </a:spcBef>
+              <a:buFont typeface="Arial" panose="020B0604020202020204" pitchFamily="34" charset="0"/>
+              <a:buChar char="•"/>
+              <a:defRPr sz="2000" kern="1200">
+                <a:solidFill>
+                  <a:schemeClr val="tx1"/>
+                </a:solidFill>
+                <a:latin typeface="+mn-lt"/>
+                <a:ea typeface="+mn-ea"/>
+                <a:cs typeface="+mn-cs"/>
+              </a:defRPr>
+            </a:lvl3pPr>
+            <a:lvl4pPr marL="1600200" indent="-228600" algn="l" defTabSz="914400" rtl="0" eaLnBrk="1" latinLnBrk="0" hangingPunct="1">
+              <a:lnSpc>
+                <a:spcPct val="90000"/>
+              </a:lnSpc>
+              <a:spcBef>
+                <a:spcPts val="500"/>
+              </a:spcBef>
+              <a:buFont typeface="Arial" panose="020B0604020202020204" pitchFamily="34" charset="0"/>
+              <a:buChar char="•"/>
+              <a:defRPr sz="1800" kern="1200">
+                <a:solidFill>
+                  <a:schemeClr val="tx1"/>
+                </a:solidFill>
+                <a:latin typeface="+mn-lt"/>
+                <a:ea typeface="+mn-ea"/>
+                <a:cs typeface="+mn-cs"/>
+              </a:defRPr>
+            </a:lvl4pPr>
+            <a:lvl5pPr marL="2057400" indent="-228600" algn="l" defTabSz="914400" rtl="0" eaLnBrk="1" latinLnBrk="0" hangingPunct="1">
+              <a:lnSpc>
+                <a:spcPct val="90000"/>
+              </a:lnSpc>
+              <a:spcBef>
+                <a:spcPts val="500"/>
+              </a:spcBef>
+              <a:buFont typeface="Arial" panose="020B0604020202020204" pitchFamily="34" charset="0"/>
+              <a:buChar char="•"/>
+              <a:defRPr sz="1800" kern="1200">
+                <a:solidFill>
+                  <a:schemeClr val="tx1"/>
+                </a:solidFill>
+                <a:latin typeface="+mn-lt"/>
+                <a:ea typeface="+mn-ea"/>
+                <a:cs typeface="+mn-cs"/>
+              </a:defRPr>
+            </a:lvl5pPr>
+            <a:lvl6pPr marL="2514600" indent="-228600" algn="l" defTabSz="914400" rtl="0" eaLnBrk="1" latinLnBrk="0" hangingPunct="1">
+              <a:lnSpc>
+                <a:spcPct val="90000"/>
+              </a:lnSpc>
+              <a:spcBef>
+                <a:spcPts val="500"/>
+              </a:spcBef>
+              <a:buFont typeface="Arial" panose="020B0604020202020204" pitchFamily="34" charset="0"/>
+              <a:buChar char="•"/>
+              <a:defRPr sz="1800" kern="1200">
+                <a:solidFill>
+                  <a:schemeClr val="tx1"/>
+                </a:solidFill>
+                <a:latin typeface="+mn-lt"/>
+                <a:ea typeface="+mn-ea"/>
+                <a:cs typeface="+mn-cs"/>
+              </a:defRPr>
+            </a:lvl6pPr>
+            <a:lvl7pPr marL="2971800" indent="-228600" algn="l" defTabSz="914400" rtl="0" eaLnBrk="1" latinLnBrk="0" hangingPunct="1">
+              <a:lnSpc>
+                <a:spcPct val="90000"/>
+              </a:lnSpc>
+              <a:spcBef>
+                <a:spcPts val="500"/>
+              </a:spcBef>
+              <a:buFont typeface="Arial" panose="020B0604020202020204" pitchFamily="34" charset="0"/>
+              <a:buChar char="•"/>
+              <a:defRPr sz="1800" kern="1200">
+                <a:solidFill>
+                  <a:schemeClr val="tx1"/>
+                </a:solidFill>
+                <a:latin typeface="+mn-lt"/>
+                <a:ea typeface="+mn-ea"/>
+                <a:cs typeface="+mn-cs"/>
+              </a:defRPr>
+            </a:lvl7pPr>
+            <a:lvl8pPr marL="3429000" indent="-228600" algn="l" defTabSz="914400" rtl="0" eaLnBrk="1" latinLnBrk="0" hangingPunct="1">
+              <a:lnSpc>
+                <a:spcPct val="90000"/>
+              </a:lnSpc>
+              <a:spcBef>
+                <a:spcPts val="500"/>
+              </a:spcBef>
+              <a:buFont typeface="Arial" panose="020B0604020202020204" pitchFamily="34" charset="0"/>
+              <a:buChar char="•"/>
+              <a:defRPr sz="1800" kern="1200">
+                <a:solidFill>
+                  <a:schemeClr val="tx1"/>
+                </a:solidFill>
+                <a:latin typeface="+mn-lt"/>
+                <a:ea typeface="+mn-ea"/>
+                <a:cs typeface="+mn-cs"/>
+              </a:defRPr>
+            </a:lvl8pPr>
+            <a:lvl9pPr marL="3886200" indent="-228600" algn="l" defTabSz="914400" rtl="0" eaLnBrk="1" latinLnBrk="0" hangingPunct="1">
+              <a:lnSpc>
+                <a:spcPct val="90000"/>
+              </a:lnSpc>
+              <a:spcBef>
+                <a:spcPts val="500"/>
+              </a:spcBef>
+              <a:buFont typeface="Arial" panose="020B0604020202020204" pitchFamily="34" charset="0"/>
+              <a:buChar char="•"/>
+              <a:defRPr sz="1800" kern="1200">
+                <a:solidFill>
+                  <a:schemeClr val="tx1"/>
+                </a:solidFill>
+                <a:latin typeface="+mn-lt"/>
+                <a:ea typeface="+mn-ea"/>
+                <a:cs typeface="+mn-cs"/>
+              </a:defRPr>
+            </a:lvl9pPr>
+          </a:lstStyle>
+          <a:p>
+            <a:pPr marL="0" indent="0">
+              <a:buFont typeface="Arial" panose="020B0604020202020204" pitchFamily="34" charset="0"/>
+              <a:buNone/>
+            </a:pPr>
+            <a:endParaRPr lang="en-AU" dirty="0">
+              <a:solidFill>
+                <a:schemeClr val="bg1"/>
+              </a:solidFill>
+              <a:latin typeface="Poppins Thin" panose="00000300000000000000" pitchFamily="2" charset="0"/>
+              <a:cs typeface="Poppins Thin" panose="00000300000000000000" pitchFamily="2" charset="0"/>
+            </a:endParaRPr>
+          </a:p>
+          <a:p>
+            <a:pPr marL="0" indent="0">
+              <a:buFont typeface="Arial" panose="020B0604020202020204" pitchFamily="34" charset="0"/>
+              <a:buNone/>
+            </a:pPr>
+            <a:r>
+              <a:rPr lang="en-AU" b="1" dirty="0">
+                <a:solidFill>
+                  <a:schemeClr val="bg1"/>
+                </a:solidFill>
+                <a:latin typeface="Poppins Thin" panose="00000300000000000000" pitchFamily="2" charset="0"/>
+                <a:cs typeface="Poppins Thin" panose="00000300000000000000" pitchFamily="2" charset="0"/>
+              </a:rPr>
+              <a:t>Visualisations are done using matplotlib</a:t>
+            </a:r>
+          </a:p>
+          <a:p>
+            <a:pPr marL="0" indent="0">
+              <a:buFont typeface="Arial" panose="020B0604020202020204" pitchFamily="34" charset="0"/>
+              <a:buNone/>
+            </a:pPr>
+            <a:endParaRPr lang="en-AU" b="1" dirty="0">
+              <a:solidFill>
+                <a:schemeClr val="bg1"/>
+              </a:solidFill>
+              <a:latin typeface="Poppins Thin" panose="00000300000000000000" pitchFamily="2" charset="0"/>
+              <a:cs typeface="Poppins Thin" panose="00000300000000000000" pitchFamily="2" charset="0"/>
+            </a:endParaRPr>
+          </a:p>
+        </p:txBody>
+      </p:sp>
+    </p:spTree>
+    <p:extLst>
+      <p:ext uri="{BB962C8B-B14F-4D97-AF65-F5344CB8AC3E}">
+        <p14:creationId xmlns:p14="http://schemas.microsoft.com/office/powerpoint/2010/main" val="500963965"/>
+      </p:ext>
+    </p:extLst>
+  </p:cSld>
+  <p:clrMapOvr>
+    <a:masterClrMapping/>
+  </p:clrMapOvr>
+</p:sld>
+</file>
+
+<file path=ppt/slides/slide13.xml><?xml version="1.0" encoding="utf-8"?>
+<p:sld xmlns:a="http://schemas.openxmlformats.org/drawingml/2006/main" xmlns:r="http://schemas.openxmlformats.org/officeDocument/2006/relationships" xmlns:p="http://schemas.openxmlformats.org/presentationml/2006/main">
+  <p:cSld>
+    <p:spTree>
+      <p:nvGrpSpPr>
+        <p:cNvPr id="1" name=""/>
+        <p:cNvGrpSpPr/>
+        <p:nvPr/>
+      </p:nvGrpSpPr>
+      <p:grpSpPr>
+        <a:xfrm>
+          <a:off x="0" y="0"/>
+          <a:ext cx="0" cy="0"/>
+          <a:chOff x="0" y="0"/>
+          <a:chExt cx="0" cy="0"/>
+        </a:xfrm>
+      </p:grpSpPr>
+      <p:sp>
+        <p:nvSpPr>
           <p:cNvPr id="2" name="Title 1">
             <a:extLst>
               <a:ext uri="{FF2B5EF4-FFF2-40B4-BE49-F238E27FC236}">
@@ -2489,14 +2755,24 @@
           <a:p>
             <a:pPr algn="ctr"/>
             <a:r>
-              <a:rPr lang="en-AU" dirty="0">
+              <a:rPr lang="en-AU">
                 <a:solidFill>
                   <a:schemeClr val="bg1"/>
                 </a:solidFill>
                 <a:latin typeface="Poppins SemiBold" panose="00000700000000000000" pitchFamily="2" charset="0"/>
                 <a:cs typeface="Poppins SemiBold" panose="00000700000000000000" pitchFamily="2" charset="0"/>
               </a:rPr>
-              <a:t>Initial Visualizations</a:t>
+              <a:t>International </a:t>
+            </a:r>
+            <a:r>
+              <a:rPr lang="en-AU" dirty="0">
+                <a:solidFill>
+                  <a:schemeClr val="bg1"/>
+                </a:solidFill>
+                <a:latin typeface="Poppins SemiBold" panose="00000700000000000000" pitchFamily="2" charset="0"/>
+                <a:cs typeface="Poppins SemiBold" panose="00000700000000000000" pitchFamily="2" charset="0"/>
+              </a:rPr>
+              <a:t>Visualizations</a:t>
             </a:r>
           </a:p>
         </p:txBody>
@@ -2557,7 +2833,7 @@
 </p:sld>
 </file>
 
-<file path=ppt/slides/slide13.xml><?xml version="1.0" encoding="utf-8"?>
+<file path=ppt/slides/slide14.xml><?xml version="1.0" encoding="utf-8"?>
 <p:sld xmlns:a="http://schemas.openxmlformats.org/drawingml/2006/main" xmlns:r="http://schemas.openxmlformats.org/officeDocument/2006/relationships" xmlns:p="http://schemas.openxmlformats.org/presentationml/2006/main">
   <p:cSld>
     <p:spTree>
@@ -2926,7 +3202,7 @@
 </p:sld>
 </file>
 
-<file path=ppt/slides/slide14.xml><?xml version="1.0" encoding="utf-8"?>
+<file path=ppt/slides/slide15.xml><?xml version="1.0" encoding="utf-8"?>
 <p:sld xmlns:a="http://schemas.openxmlformats.org/drawingml/2006/main" xmlns:r="http://schemas.openxmlformats.org/officeDocument/2006/relationships" xmlns:p="http://schemas.openxmlformats.org/presentationml/2006/main">
   <p:cSld>
     <p:spTree>
@@ -3298,7 +3574,7 @@
 </p:sld>
 </file>
 
-<file path=ppt/slides/slide15.xml><?xml version="1.0" encoding="utf-8"?>
+<file path=ppt/slides/slide16.xml><?xml version="1.0" encoding="utf-8"?>
 <p:sld xmlns:a="http://schemas.openxmlformats.org/drawingml/2006/main" xmlns:r="http://schemas.openxmlformats.org/officeDocument/2006/relationships" xmlns:p="http://schemas.openxmlformats.org/presentationml/2006/main">
   <p:cSld>
     <p:spTree>
@@ -4142,7 +4418,7 @@
 </p:sld>
 </file>
 
-<file path=ppt/slides/slide16.xml><?xml version="1.0" encoding="utf-8"?>
+<file path=ppt/slides/slide17.xml><?xml version="1.0" encoding="utf-8"?>
 <p:sld xmlns:a="http://schemas.openxmlformats.org/drawingml/2006/main" xmlns:r="http://schemas.openxmlformats.org/officeDocument/2006/relationships" xmlns:p="http://schemas.openxmlformats.org/presentationml/2006/main">
   <p:cSld>
     <p:spTree>
@@ -4202,7 +4478,7 @@
 </p:sld>
 </file>
 
-<file path=ppt/slides/slide17.xml><?xml version="1.0" encoding="utf-8"?>
+<file path=ppt/slides/slide18.xml><?xml version="1.0" encoding="utf-8"?>
 <p:sld xmlns:a="http://schemas.openxmlformats.org/drawingml/2006/main" xmlns:r="http://schemas.openxmlformats.org/officeDocument/2006/relationships" xmlns:p="http://schemas.openxmlformats.org/presentationml/2006/main">
   <p:cSld>
     <p:spTree>
@@ -5075,7 +5351,7 @@
 </p:sld>
 </file>
 
-<file path=ppt/slides/slide18.xml><?xml version="1.0" encoding="utf-8"?>
+<file path=ppt/slides/slide19.xml><?xml version="1.0" encoding="utf-8"?>
 <p:sld xmlns:a="http://schemas.openxmlformats.org/drawingml/2006/main" xmlns:r="http://schemas.openxmlformats.org/officeDocument/2006/relationships" xmlns:p="http://schemas.openxmlformats.org/presentationml/2006/main">
   <p:cSld>
     <p:spTree>
@@ -5126,654 +5402,6 @@
     <p:extLst>
       <p:ext uri="{BB962C8B-B14F-4D97-AF65-F5344CB8AC3E}">
         <p14:creationId xmlns:p14="http://schemas.microsoft.com/office/powerpoint/2010/main" val="4148561097"/>
-      </p:ext>
-    </p:extLst>
-  </p:cSld>
-  <p:clrMapOvr>
-    <a:masterClrMapping/>
-  </p:clrMapOvr>
-</p:sld>
-</file>
-
-<file path=ppt/slides/slide19.xml><?xml version="1.0" encoding="utf-8"?>
-<p:sld xmlns:a="http://schemas.openxmlformats.org/drawingml/2006/main" xmlns:r="http://schemas.openxmlformats.org/officeDocument/2006/relationships" xmlns:p="http://schemas.openxmlformats.org/presentationml/2006/main">
-  <p:cSld>
-    <p:spTree>
-      <p:nvGrpSpPr>
-        <p:cNvPr id="1" name=""/>
-        <p:cNvGrpSpPr/>
-        <p:nvPr/>
-      </p:nvGrpSpPr>
-      <p:grpSpPr>
-        <a:xfrm>
-          <a:off x="0" y="0"/>
-          <a:ext cx="0" cy="0"/>
-          <a:chOff x="0" y="0"/>
-          <a:chExt cx="0" cy="0"/>
-        </a:xfrm>
-      </p:grpSpPr>
-      <p:sp>
-        <p:nvSpPr>
-          <p:cNvPr id="5" name="Title 1">
-            <a:extLst>
-              <a:ext uri="{FF2B5EF4-FFF2-40B4-BE49-F238E27FC236}">
-                <a16:creationId xmlns:a16="http://schemas.microsoft.com/office/drawing/2014/main" id="{1279DE2A-D8BC-42F8-B9A2-5002E5466014}"/>
-              </a:ext>
-            </a:extLst>
-          </p:cNvPr>
-          <p:cNvSpPr txBox="1">
-            <a:spLocks/>
-          </p:cNvSpPr>
-          <p:nvPr/>
-        </p:nvSpPr>
-        <p:spPr>
-          <a:xfrm>
-            <a:off x="5048527" y="439114"/>
-            <a:ext cx="9144000" cy="914545"/>
-          </a:xfrm>
-          <a:prstGeom prst="rect">
-            <a:avLst/>
-          </a:prstGeom>
-        </p:spPr>
-        <p:txBody>
-          <a:bodyPr vert="horz" lIns="91440" tIns="45720" rIns="91440" bIns="45720" rtlCol="0" anchor="ctr">
-            <a:normAutofit/>
-          </a:bodyPr>
-          <a:lstStyle>
-            <a:lvl1pPr algn="l" defTabSz="914400" rtl="0" eaLnBrk="1" latinLnBrk="0" hangingPunct="1">
-              <a:lnSpc>
-                <a:spcPct val="90000"/>
-              </a:lnSpc>
-              <a:spcBef>
-                <a:spcPct val="0"/>
-              </a:spcBef>
-              <a:buNone/>
-              <a:defRPr sz="4400" kern="1200">
-                <a:solidFill>
-                  <a:schemeClr val="tx1"/>
-                </a:solidFill>
-                <a:latin typeface="+mj-lt"/>
-                <a:ea typeface="+mj-ea"/>
-                <a:cs typeface="+mj-cs"/>
-              </a:defRPr>
-            </a:lvl1pPr>
-          </a:lstStyle>
-          <a:p>
-            <a:pPr algn="ctr"/>
-            <a:r>
-              <a:rPr lang="en-AU" dirty="0">
-                <a:solidFill>
-                  <a:schemeClr val="bg1"/>
-                </a:solidFill>
-                <a:latin typeface="Poppins SemiBold" panose="00000700000000000000" pitchFamily="2" charset="0"/>
-                <a:cs typeface="Poppins SemiBold" panose="00000700000000000000" pitchFamily="2" charset="0"/>
-              </a:rPr>
-              <a:t>Trends</a:t>
-            </a:r>
-          </a:p>
-        </p:txBody>
-      </p:sp>
-      <p:cxnSp>
-        <p:nvCxnSpPr>
-          <p:cNvPr id="6" name="Straight Connector 5">
-            <a:extLst>
-              <a:ext uri="{FF2B5EF4-FFF2-40B4-BE49-F238E27FC236}">
-                <a16:creationId xmlns:a16="http://schemas.microsoft.com/office/drawing/2014/main" id="{D3CDC234-268A-4E73-8C02-3D43BBE2AD22}"/>
-              </a:ext>
-            </a:extLst>
-          </p:cNvPr>
-          <p:cNvCxnSpPr>
-            <a:cxnSpLocks/>
-          </p:cNvCxnSpPr>
-          <p:nvPr/>
-        </p:nvCxnSpPr>
-        <p:spPr>
-          <a:xfrm flipH="1">
-            <a:off x="7341970" y="1208224"/>
-            <a:ext cx="4645891" cy="0"/>
-          </a:xfrm>
-          <a:prstGeom prst="line">
-            <a:avLst/>
-          </a:prstGeom>
-          <a:ln w="19050">
-            <a:solidFill>
-              <a:srgbClr val="FFF200"/>
-            </a:solidFill>
-          </a:ln>
-        </p:spPr>
-        <p:style>
-          <a:lnRef idx="1">
-            <a:schemeClr val="accent1"/>
-          </a:lnRef>
-          <a:fillRef idx="0">
-            <a:schemeClr val="accent1"/>
-          </a:fillRef>
-          <a:effectRef idx="0">
-            <a:schemeClr val="accent1"/>
-          </a:effectRef>
-          <a:fontRef idx="minor">
-            <a:schemeClr val="tx1"/>
-          </a:fontRef>
-        </p:style>
-      </p:cxnSp>
-      <p:sp>
-        <p:nvSpPr>
-          <p:cNvPr id="7" name="Subtitle 2">
-            <a:extLst>
-              <a:ext uri="{FF2B5EF4-FFF2-40B4-BE49-F238E27FC236}">
-                <a16:creationId xmlns:a16="http://schemas.microsoft.com/office/drawing/2014/main" id="{F4CD056A-17FC-4E04-8E88-5FC2DD8E54FA}"/>
-              </a:ext>
-            </a:extLst>
-          </p:cNvPr>
-          <p:cNvSpPr txBox="1">
-            <a:spLocks/>
-          </p:cNvSpPr>
-          <p:nvPr/>
-        </p:nvSpPr>
-        <p:spPr>
-          <a:xfrm>
-            <a:off x="0" y="4030462"/>
-            <a:ext cx="4956698" cy="2006353"/>
-          </a:xfrm>
-          <a:prstGeom prst="rect">
-            <a:avLst/>
-          </a:prstGeom>
-        </p:spPr>
-        <p:txBody>
-          <a:bodyPr vert="horz" lIns="91440" tIns="45720" rIns="91440" bIns="45720" rtlCol="0">
-            <a:normAutofit/>
-          </a:bodyPr>
-          <a:lstStyle>
-            <a:lvl1pPr marL="228600" indent="-228600" algn="l" defTabSz="914400" rtl="0" eaLnBrk="1" latinLnBrk="0" hangingPunct="1">
-              <a:lnSpc>
-                <a:spcPct val="90000"/>
-              </a:lnSpc>
-              <a:spcBef>
-                <a:spcPts val="1000"/>
-              </a:spcBef>
-              <a:buFont typeface="Arial" panose="020B0604020202020204" pitchFamily="34" charset="0"/>
-              <a:buChar char="•"/>
-              <a:defRPr sz="2800" kern="1200">
-                <a:solidFill>
-                  <a:schemeClr val="tx1"/>
-                </a:solidFill>
-                <a:latin typeface="+mn-lt"/>
-                <a:ea typeface="+mn-ea"/>
-                <a:cs typeface="+mn-cs"/>
-              </a:defRPr>
-            </a:lvl1pPr>
-            <a:lvl2pPr marL="685800" indent="-228600" algn="l" defTabSz="914400" rtl="0" eaLnBrk="1" latinLnBrk="0" hangingPunct="1">
-              <a:lnSpc>
-                <a:spcPct val="90000"/>
-              </a:lnSpc>
-              <a:spcBef>
-                <a:spcPts val="500"/>
-              </a:spcBef>
-              <a:buFont typeface="Arial" panose="020B0604020202020204" pitchFamily="34" charset="0"/>
-              <a:buChar char="•"/>
-              <a:defRPr sz="2400" kern="1200">
-                <a:solidFill>
-                  <a:schemeClr val="tx1"/>
-                </a:solidFill>
-                <a:latin typeface="+mn-lt"/>
-                <a:ea typeface="+mn-ea"/>
-                <a:cs typeface="+mn-cs"/>
-              </a:defRPr>
-            </a:lvl2pPr>
-            <a:lvl3pPr marL="1143000" indent="-228600" algn="l" defTabSz="914400" rtl="0" eaLnBrk="1" latinLnBrk="0" hangingPunct="1">
-              <a:lnSpc>
-                <a:spcPct val="90000"/>
-              </a:lnSpc>
-              <a:spcBef>
-                <a:spcPts val="500"/>
-              </a:spcBef>
-              <a:buFont typeface="Arial" panose="020B0604020202020204" pitchFamily="34" charset="0"/>
-              <a:buChar char="•"/>
-              <a:defRPr sz="2000" kern="1200">
-                <a:solidFill>
-                  <a:schemeClr val="tx1"/>
-                </a:solidFill>
-                <a:latin typeface="+mn-lt"/>
-                <a:ea typeface="+mn-ea"/>
-                <a:cs typeface="+mn-cs"/>
-              </a:defRPr>
-            </a:lvl3pPr>
-            <a:lvl4pPr marL="1600200" indent="-228600" algn="l" defTabSz="914400" rtl="0" eaLnBrk="1" latinLnBrk="0" hangingPunct="1">
-              <a:lnSpc>
-                <a:spcPct val="90000"/>
-              </a:lnSpc>
-              <a:spcBef>
-                <a:spcPts val="500"/>
-              </a:spcBef>
-              <a:buFont typeface="Arial" panose="020B0604020202020204" pitchFamily="34" charset="0"/>
-              <a:buChar char="•"/>
-              <a:defRPr sz="1800" kern="1200">
-                <a:solidFill>
-                  <a:schemeClr val="tx1"/>
-                </a:solidFill>
-                <a:latin typeface="+mn-lt"/>
-                <a:ea typeface="+mn-ea"/>
-                <a:cs typeface="+mn-cs"/>
-              </a:defRPr>
-            </a:lvl4pPr>
-            <a:lvl5pPr marL="2057400" indent="-228600" algn="l" defTabSz="914400" rtl="0" eaLnBrk="1" latinLnBrk="0" hangingPunct="1">
-              <a:lnSpc>
-                <a:spcPct val="90000"/>
-              </a:lnSpc>
-              <a:spcBef>
-                <a:spcPts val="500"/>
-              </a:spcBef>
-              <a:buFont typeface="Arial" panose="020B0604020202020204" pitchFamily="34" charset="0"/>
-              <a:buChar char="•"/>
-              <a:defRPr sz="1800" kern="1200">
-                <a:solidFill>
-                  <a:schemeClr val="tx1"/>
-                </a:solidFill>
-                <a:latin typeface="+mn-lt"/>
-                <a:ea typeface="+mn-ea"/>
-                <a:cs typeface="+mn-cs"/>
-              </a:defRPr>
-            </a:lvl5pPr>
-            <a:lvl6pPr marL="2514600" indent="-228600" algn="l" defTabSz="914400" rtl="0" eaLnBrk="1" latinLnBrk="0" hangingPunct="1">
-              <a:lnSpc>
-                <a:spcPct val="90000"/>
-              </a:lnSpc>
-              <a:spcBef>
-                <a:spcPts val="500"/>
-              </a:spcBef>
-              <a:buFont typeface="Arial" panose="020B0604020202020204" pitchFamily="34" charset="0"/>
-              <a:buChar char="•"/>
-              <a:defRPr sz="1800" kern="1200">
-                <a:solidFill>
-                  <a:schemeClr val="tx1"/>
-                </a:solidFill>
-                <a:latin typeface="+mn-lt"/>
-                <a:ea typeface="+mn-ea"/>
-                <a:cs typeface="+mn-cs"/>
-              </a:defRPr>
-            </a:lvl6pPr>
-            <a:lvl7pPr marL="2971800" indent="-228600" algn="l" defTabSz="914400" rtl="0" eaLnBrk="1" latinLnBrk="0" hangingPunct="1">
-              <a:lnSpc>
-                <a:spcPct val="90000"/>
-              </a:lnSpc>
-              <a:spcBef>
-                <a:spcPts val="500"/>
-              </a:spcBef>
-              <a:buFont typeface="Arial" panose="020B0604020202020204" pitchFamily="34" charset="0"/>
-              <a:buChar char="•"/>
-              <a:defRPr sz="1800" kern="1200">
-                <a:solidFill>
-                  <a:schemeClr val="tx1"/>
-                </a:solidFill>
-                <a:latin typeface="+mn-lt"/>
-                <a:ea typeface="+mn-ea"/>
-                <a:cs typeface="+mn-cs"/>
-              </a:defRPr>
-            </a:lvl7pPr>
-            <a:lvl8pPr marL="3429000" indent="-228600" algn="l" defTabSz="914400" rtl="0" eaLnBrk="1" latinLnBrk="0" hangingPunct="1">
-              <a:lnSpc>
-                <a:spcPct val="90000"/>
-              </a:lnSpc>
-              <a:spcBef>
-                <a:spcPts val="500"/>
-              </a:spcBef>
-              <a:buFont typeface="Arial" panose="020B0604020202020204" pitchFamily="34" charset="0"/>
-              <a:buChar char="•"/>
-              <a:defRPr sz="1800" kern="1200">
-                <a:solidFill>
-                  <a:schemeClr val="tx1"/>
-                </a:solidFill>
-                <a:latin typeface="+mn-lt"/>
-                <a:ea typeface="+mn-ea"/>
-                <a:cs typeface="+mn-cs"/>
-              </a:defRPr>
-            </a:lvl8pPr>
-            <a:lvl9pPr marL="3886200" indent="-228600" algn="l" defTabSz="914400" rtl="0" eaLnBrk="1" latinLnBrk="0" hangingPunct="1">
-              <a:lnSpc>
-                <a:spcPct val="90000"/>
-              </a:lnSpc>
-              <a:spcBef>
-                <a:spcPts val="500"/>
-              </a:spcBef>
-              <a:buFont typeface="Arial" panose="020B0604020202020204" pitchFamily="34" charset="0"/>
-              <a:buChar char="•"/>
-              <a:defRPr sz="1800" kern="1200">
-                <a:solidFill>
-                  <a:schemeClr val="tx1"/>
-                </a:solidFill>
-                <a:latin typeface="+mn-lt"/>
-                <a:ea typeface="+mn-ea"/>
-                <a:cs typeface="+mn-cs"/>
-              </a:defRPr>
-            </a:lvl9pPr>
-          </a:lstStyle>
-          <a:p>
-            <a:pPr marL="0" indent="0">
-              <a:buFont typeface="Arial" panose="020B0604020202020204" pitchFamily="34" charset="0"/>
-              <a:buNone/>
-            </a:pPr>
-            <a:endParaRPr lang="en-AU" dirty="0">
-              <a:solidFill>
-                <a:schemeClr val="bg1"/>
-              </a:solidFill>
-              <a:latin typeface="Poppins Thin" panose="00000300000000000000" pitchFamily="2" charset="0"/>
-              <a:cs typeface="Poppins Thin" panose="00000300000000000000" pitchFamily="2" charset="0"/>
-            </a:endParaRPr>
-          </a:p>
-          <a:p>
-            <a:pPr marL="0" indent="0">
-              <a:buFont typeface="Arial" panose="020B0604020202020204" pitchFamily="34" charset="0"/>
-              <a:buNone/>
-            </a:pPr>
-            <a:endParaRPr lang="en-AU" dirty="0">
-              <a:solidFill>
-                <a:schemeClr val="bg1"/>
-              </a:solidFill>
-              <a:latin typeface="Poppins Thin" panose="00000300000000000000" pitchFamily="2" charset="0"/>
-              <a:cs typeface="Poppins Thin" panose="00000300000000000000" pitchFamily="2" charset="0"/>
-            </a:endParaRPr>
-          </a:p>
-        </p:txBody>
-      </p:sp>
-      <p:pic>
-        <p:nvPicPr>
-          <p:cNvPr id="4" name="Picture 3">
-            <a:extLst>
-              <a:ext uri="{FF2B5EF4-FFF2-40B4-BE49-F238E27FC236}">
-                <a16:creationId xmlns:a16="http://schemas.microsoft.com/office/drawing/2014/main" id="{712DD66C-1520-4910-A957-E3ABCFA719D5}"/>
-              </a:ext>
-            </a:extLst>
-          </p:cNvPr>
-          <p:cNvPicPr>
-            <a:picLocks noChangeAspect="1"/>
-          </p:cNvPicPr>
-          <p:nvPr/>
-        </p:nvPicPr>
-        <p:blipFill>
-          <a:blip r:embed="rId2"/>
-          <a:stretch>
-            <a:fillRect/>
-          </a:stretch>
-        </p:blipFill>
-        <p:spPr>
-          <a:xfrm>
-            <a:off x="136552" y="102594"/>
-            <a:ext cx="3611434" cy="2006353"/>
-          </a:xfrm>
-          <a:prstGeom prst="rect">
-            <a:avLst/>
-          </a:prstGeom>
-        </p:spPr>
-      </p:pic>
-      <p:sp>
-        <p:nvSpPr>
-          <p:cNvPr id="10" name="Subtitle 2">
-            <a:extLst>
-              <a:ext uri="{FF2B5EF4-FFF2-40B4-BE49-F238E27FC236}">
-                <a16:creationId xmlns:a16="http://schemas.microsoft.com/office/drawing/2014/main" id="{96980361-2285-4E2E-B53F-BED1673909E7}"/>
-              </a:ext>
-            </a:extLst>
-          </p:cNvPr>
-          <p:cNvSpPr txBox="1">
-            <a:spLocks/>
-          </p:cNvSpPr>
-          <p:nvPr/>
-        </p:nvSpPr>
-        <p:spPr>
-          <a:xfrm>
-            <a:off x="7235302" y="1047565"/>
-            <a:ext cx="4956698" cy="2006353"/>
-          </a:xfrm>
-          <a:prstGeom prst="rect">
-            <a:avLst/>
-          </a:prstGeom>
-        </p:spPr>
-        <p:txBody>
-          <a:bodyPr vert="horz" lIns="91440" tIns="45720" rIns="91440" bIns="45720" rtlCol="0">
-            <a:normAutofit/>
-          </a:bodyPr>
-          <a:lstStyle>
-            <a:lvl1pPr marL="228600" indent="-228600" algn="l" defTabSz="914400" rtl="0" eaLnBrk="1" latinLnBrk="0" hangingPunct="1">
-              <a:lnSpc>
-                <a:spcPct val="90000"/>
-              </a:lnSpc>
-              <a:spcBef>
-                <a:spcPts val="1000"/>
-              </a:spcBef>
-              <a:buFont typeface="Arial" panose="020B0604020202020204" pitchFamily="34" charset="0"/>
-              <a:buChar char="•"/>
-              <a:defRPr sz="2800" kern="1200">
-                <a:solidFill>
-                  <a:schemeClr val="tx1"/>
-                </a:solidFill>
-                <a:latin typeface="+mn-lt"/>
-                <a:ea typeface="+mn-ea"/>
-                <a:cs typeface="+mn-cs"/>
-              </a:defRPr>
-            </a:lvl1pPr>
-            <a:lvl2pPr marL="685800" indent="-228600" algn="l" defTabSz="914400" rtl="0" eaLnBrk="1" latinLnBrk="0" hangingPunct="1">
-              <a:lnSpc>
-                <a:spcPct val="90000"/>
-              </a:lnSpc>
-              <a:spcBef>
-                <a:spcPts val="500"/>
-              </a:spcBef>
-              <a:buFont typeface="Arial" panose="020B0604020202020204" pitchFamily="34" charset="0"/>
-              <a:buChar char="•"/>
-              <a:defRPr sz="2400" kern="1200">
-                <a:solidFill>
-                  <a:schemeClr val="tx1"/>
-                </a:solidFill>
-                <a:latin typeface="+mn-lt"/>
-                <a:ea typeface="+mn-ea"/>
-                <a:cs typeface="+mn-cs"/>
-              </a:defRPr>
-            </a:lvl2pPr>
-            <a:lvl3pPr marL="1143000" indent="-228600" algn="l" defTabSz="914400" rtl="0" eaLnBrk="1" latinLnBrk="0" hangingPunct="1">
-              <a:lnSpc>
-                <a:spcPct val="90000"/>
-              </a:lnSpc>
-              <a:spcBef>
-                <a:spcPts val="500"/>
-              </a:spcBef>
-              <a:buFont typeface="Arial" panose="020B0604020202020204" pitchFamily="34" charset="0"/>
-              <a:buChar char="•"/>
-              <a:defRPr sz="2000" kern="1200">
-                <a:solidFill>
-                  <a:schemeClr val="tx1"/>
-                </a:solidFill>
-                <a:latin typeface="+mn-lt"/>
-                <a:ea typeface="+mn-ea"/>
-                <a:cs typeface="+mn-cs"/>
-              </a:defRPr>
-            </a:lvl3pPr>
-            <a:lvl4pPr marL="1600200" indent="-228600" algn="l" defTabSz="914400" rtl="0" eaLnBrk="1" latinLnBrk="0" hangingPunct="1">
-              <a:lnSpc>
-                <a:spcPct val="90000"/>
-              </a:lnSpc>
-              <a:spcBef>
-                <a:spcPts val="500"/>
-              </a:spcBef>
-              <a:buFont typeface="Arial" panose="020B0604020202020204" pitchFamily="34" charset="0"/>
-              <a:buChar char="•"/>
-              <a:defRPr sz="1800" kern="1200">
-                <a:solidFill>
-                  <a:schemeClr val="tx1"/>
-                </a:solidFill>
-                <a:latin typeface="+mn-lt"/>
-                <a:ea typeface="+mn-ea"/>
-                <a:cs typeface="+mn-cs"/>
-              </a:defRPr>
-            </a:lvl4pPr>
-            <a:lvl5pPr marL="2057400" indent="-228600" algn="l" defTabSz="914400" rtl="0" eaLnBrk="1" latinLnBrk="0" hangingPunct="1">
-              <a:lnSpc>
-                <a:spcPct val="90000"/>
-              </a:lnSpc>
-              <a:spcBef>
-                <a:spcPts val="500"/>
-              </a:spcBef>
-              <a:buFont typeface="Arial" panose="020B0604020202020204" pitchFamily="34" charset="0"/>
-              <a:buChar char="•"/>
-              <a:defRPr sz="1800" kern="1200">
-                <a:solidFill>
-                  <a:schemeClr val="tx1"/>
-                </a:solidFill>
-                <a:latin typeface="+mn-lt"/>
-                <a:ea typeface="+mn-ea"/>
-                <a:cs typeface="+mn-cs"/>
-              </a:defRPr>
-            </a:lvl5pPr>
-            <a:lvl6pPr marL="2514600" indent="-228600" algn="l" defTabSz="914400" rtl="0" eaLnBrk="1" latinLnBrk="0" hangingPunct="1">
-              <a:lnSpc>
-                <a:spcPct val="90000"/>
-              </a:lnSpc>
-              <a:spcBef>
-                <a:spcPts val="500"/>
-              </a:spcBef>
-              <a:buFont typeface="Arial" panose="020B0604020202020204" pitchFamily="34" charset="0"/>
-              <a:buChar char="•"/>
-              <a:defRPr sz="1800" kern="1200">
-                <a:solidFill>
-                  <a:schemeClr val="tx1"/>
-                </a:solidFill>
-                <a:latin typeface="+mn-lt"/>
-                <a:ea typeface="+mn-ea"/>
-                <a:cs typeface="+mn-cs"/>
-              </a:defRPr>
-            </a:lvl6pPr>
-            <a:lvl7pPr marL="2971800" indent="-228600" algn="l" defTabSz="914400" rtl="0" eaLnBrk="1" latinLnBrk="0" hangingPunct="1">
-              <a:lnSpc>
-                <a:spcPct val="90000"/>
-              </a:lnSpc>
-              <a:spcBef>
-                <a:spcPts val="500"/>
-              </a:spcBef>
-              <a:buFont typeface="Arial" panose="020B0604020202020204" pitchFamily="34" charset="0"/>
-              <a:buChar char="•"/>
-              <a:defRPr sz="1800" kern="1200">
-                <a:solidFill>
-                  <a:schemeClr val="tx1"/>
-                </a:solidFill>
-                <a:latin typeface="+mn-lt"/>
-                <a:ea typeface="+mn-ea"/>
-                <a:cs typeface="+mn-cs"/>
-              </a:defRPr>
-            </a:lvl7pPr>
-            <a:lvl8pPr marL="3429000" indent="-228600" algn="l" defTabSz="914400" rtl="0" eaLnBrk="1" latinLnBrk="0" hangingPunct="1">
-              <a:lnSpc>
-                <a:spcPct val="90000"/>
-              </a:lnSpc>
-              <a:spcBef>
-                <a:spcPts val="500"/>
-              </a:spcBef>
-              <a:buFont typeface="Arial" panose="020B0604020202020204" pitchFamily="34" charset="0"/>
-              <a:buChar char="•"/>
-              <a:defRPr sz="1800" kern="1200">
-                <a:solidFill>
-                  <a:schemeClr val="tx1"/>
-                </a:solidFill>
-                <a:latin typeface="+mn-lt"/>
-                <a:ea typeface="+mn-ea"/>
-                <a:cs typeface="+mn-cs"/>
-              </a:defRPr>
-            </a:lvl8pPr>
-            <a:lvl9pPr marL="3886200" indent="-228600" algn="l" defTabSz="914400" rtl="0" eaLnBrk="1" latinLnBrk="0" hangingPunct="1">
-              <a:lnSpc>
-                <a:spcPct val="90000"/>
-              </a:lnSpc>
-              <a:spcBef>
-                <a:spcPts val="500"/>
-              </a:spcBef>
-              <a:buFont typeface="Arial" panose="020B0604020202020204" pitchFamily="34" charset="0"/>
-              <a:buChar char="•"/>
-              <a:defRPr sz="1800" kern="1200">
-                <a:solidFill>
-                  <a:schemeClr val="tx1"/>
-                </a:solidFill>
-                <a:latin typeface="+mn-lt"/>
-                <a:ea typeface="+mn-ea"/>
-                <a:cs typeface="+mn-cs"/>
-              </a:defRPr>
-            </a:lvl9pPr>
-          </a:lstStyle>
-          <a:p>
-            <a:pPr marL="0" indent="0">
-              <a:buFont typeface="Arial" panose="020B0604020202020204" pitchFamily="34" charset="0"/>
-              <a:buNone/>
-            </a:pPr>
-            <a:endParaRPr lang="en-AU" dirty="0">
-              <a:solidFill>
-                <a:schemeClr val="bg1"/>
-              </a:solidFill>
-              <a:latin typeface="Poppins Thin" panose="00000300000000000000" pitchFamily="2" charset="0"/>
-              <a:cs typeface="Poppins Thin" panose="00000300000000000000" pitchFamily="2" charset="0"/>
-            </a:endParaRPr>
-          </a:p>
-          <a:p>
-            <a:pPr marL="0" indent="0">
-              <a:buFont typeface="Arial" panose="020B0604020202020204" pitchFamily="34" charset="0"/>
-              <a:buNone/>
-            </a:pPr>
-            <a:r>
-              <a:rPr lang="en-AU" dirty="0">
-                <a:solidFill>
-                  <a:schemeClr val="bg1"/>
-                </a:solidFill>
-                <a:latin typeface="Poppins Thin" panose="00000300000000000000" pitchFamily="2" charset="0"/>
-                <a:cs typeface="Poppins Thin" panose="00000300000000000000" pitchFamily="2" charset="0"/>
-              </a:rPr>
-              <a:t>Certain events can have major impacts in the data</a:t>
-            </a:r>
-          </a:p>
-          <a:p>
-            <a:pPr marL="0" indent="0">
-              <a:buFont typeface="Arial" panose="020B0604020202020204" pitchFamily="34" charset="0"/>
-              <a:buNone/>
-            </a:pPr>
-            <a:endParaRPr lang="en-AU" dirty="0">
-              <a:solidFill>
-                <a:schemeClr val="bg1"/>
-              </a:solidFill>
-              <a:latin typeface="Poppins Thin" panose="00000300000000000000" pitchFamily="2" charset="0"/>
-              <a:cs typeface="Poppins Thin" panose="00000300000000000000" pitchFamily="2" charset="0"/>
-            </a:endParaRPr>
-          </a:p>
-        </p:txBody>
-      </p:sp>
-      <p:pic>
-        <p:nvPicPr>
-          <p:cNvPr id="11" name="Picture 10">
-            <a:extLst>
-              <a:ext uri="{FF2B5EF4-FFF2-40B4-BE49-F238E27FC236}">
-                <a16:creationId xmlns:a16="http://schemas.microsoft.com/office/drawing/2014/main" id="{0FB0C687-6300-4285-971A-879F620DAABA}"/>
-              </a:ext>
-            </a:extLst>
-          </p:cNvPr>
-          <p:cNvPicPr>
-            <a:picLocks noChangeAspect="1"/>
-          </p:cNvPicPr>
-          <p:nvPr/>
-        </p:nvPicPr>
-        <p:blipFill>
-          <a:blip r:embed="rId3"/>
-          <a:stretch>
-            <a:fillRect/>
-          </a:stretch>
-        </p:blipFill>
-        <p:spPr>
-          <a:xfrm>
-            <a:off x="136552" y="2204110"/>
-            <a:ext cx="5507252" cy="3451929"/>
-          </a:xfrm>
-          <a:prstGeom prst="rect">
-            <a:avLst/>
-          </a:prstGeom>
-        </p:spPr>
-      </p:pic>
-    </p:spTree>
-    <p:extLst>
-      <p:ext uri="{BB962C8B-B14F-4D97-AF65-F5344CB8AC3E}">
-        <p14:creationId xmlns:p14="http://schemas.microsoft.com/office/powerpoint/2010/main" val="1216062914"/>
       </p:ext>
     </p:extLst>
   </p:cSld>
@@ -6521,6 +6149,36 @@
           </a:p>
         </p:txBody>
       </p:sp>
+      <p:pic>
+        <p:nvPicPr>
+          <p:cNvPr id="4" name="Picture 3">
+            <a:extLst>
+              <a:ext uri="{FF2B5EF4-FFF2-40B4-BE49-F238E27FC236}">
+                <a16:creationId xmlns:a16="http://schemas.microsoft.com/office/drawing/2014/main" id="{712DD66C-1520-4910-A957-E3ABCFA719D5}"/>
+              </a:ext>
+            </a:extLst>
+          </p:cNvPr>
+          <p:cNvPicPr>
+            <a:picLocks noChangeAspect="1"/>
+          </p:cNvPicPr>
+          <p:nvPr/>
+        </p:nvPicPr>
+        <p:blipFill>
+          <a:blip r:embed="rId2"/>
+          <a:stretch>
+            <a:fillRect/>
+          </a:stretch>
+        </p:blipFill>
+        <p:spPr>
+          <a:xfrm>
+            <a:off x="136552" y="102594"/>
+            <a:ext cx="3611434" cy="2006353"/>
+          </a:xfrm>
+          <a:prstGeom prst="rect">
+            <a:avLst/>
+          </a:prstGeom>
+        </p:spPr>
+      </p:pic>
       <p:sp>
         <p:nvSpPr>
           <p:cNvPr id="10" name="Subtitle 2">
@@ -6738,6 +6396,624 @@
                 <a:latin typeface="Poppins Thin" panose="00000300000000000000" pitchFamily="2" charset="0"/>
                 <a:cs typeface="Poppins Thin" panose="00000300000000000000" pitchFamily="2" charset="0"/>
               </a:rPr>
+              <a:t>Certain events can have major impacts in the data</a:t>
+            </a:r>
+          </a:p>
+          <a:p>
+            <a:pPr marL="0" indent="0">
+              <a:buFont typeface="Arial" panose="020B0604020202020204" pitchFamily="34" charset="0"/>
+              <a:buNone/>
+            </a:pPr>
+            <a:endParaRPr lang="en-AU" dirty="0">
+              <a:solidFill>
+                <a:schemeClr val="bg1"/>
+              </a:solidFill>
+              <a:latin typeface="Poppins Thin" panose="00000300000000000000" pitchFamily="2" charset="0"/>
+              <a:cs typeface="Poppins Thin" panose="00000300000000000000" pitchFamily="2" charset="0"/>
+            </a:endParaRPr>
+          </a:p>
+        </p:txBody>
+      </p:sp>
+      <p:pic>
+        <p:nvPicPr>
+          <p:cNvPr id="11" name="Picture 10">
+            <a:extLst>
+              <a:ext uri="{FF2B5EF4-FFF2-40B4-BE49-F238E27FC236}">
+                <a16:creationId xmlns:a16="http://schemas.microsoft.com/office/drawing/2014/main" id="{0FB0C687-6300-4285-971A-879F620DAABA}"/>
+              </a:ext>
+            </a:extLst>
+          </p:cNvPr>
+          <p:cNvPicPr>
+            <a:picLocks noChangeAspect="1"/>
+          </p:cNvPicPr>
+          <p:nvPr/>
+        </p:nvPicPr>
+        <p:blipFill>
+          <a:blip r:embed="rId3"/>
+          <a:stretch>
+            <a:fillRect/>
+          </a:stretch>
+        </p:blipFill>
+        <p:spPr>
+          <a:xfrm>
+            <a:off x="136552" y="2204110"/>
+            <a:ext cx="5507252" cy="3451929"/>
+          </a:xfrm>
+          <a:prstGeom prst="rect">
+            <a:avLst/>
+          </a:prstGeom>
+        </p:spPr>
+      </p:pic>
+    </p:spTree>
+    <p:extLst>
+      <p:ext uri="{BB962C8B-B14F-4D97-AF65-F5344CB8AC3E}">
+        <p14:creationId xmlns:p14="http://schemas.microsoft.com/office/powerpoint/2010/main" val="1216062914"/>
+      </p:ext>
+    </p:extLst>
+  </p:cSld>
+  <p:clrMapOvr>
+    <a:masterClrMapping/>
+  </p:clrMapOvr>
+</p:sld>
+</file>
+
+<file path=ppt/slides/slide21.xml><?xml version="1.0" encoding="utf-8"?>
+<p:sld xmlns:a="http://schemas.openxmlformats.org/drawingml/2006/main" xmlns:r="http://schemas.openxmlformats.org/officeDocument/2006/relationships" xmlns:p="http://schemas.openxmlformats.org/presentationml/2006/main">
+  <p:cSld>
+    <p:spTree>
+      <p:nvGrpSpPr>
+        <p:cNvPr id="1" name=""/>
+        <p:cNvGrpSpPr/>
+        <p:nvPr/>
+      </p:nvGrpSpPr>
+      <p:grpSpPr>
+        <a:xfrm>
+          <a:off x="0" y="0"/>
+          <a:ext cx="0" cy="0"/>
+          <a:chOff x="0" y="0"/>
+          <a:chExt cx="0" cy="0"/>
+        </a:xfrm>
+      </p:grpSpPr>
+      <p:sp>
+        <p:nvSpPr>
+          <p:cNvPr id="5" name="Title 1">
+            <a:extLst>
+              <a:ext uri="{FF2B5EF4-FFF2-40B4-BE49-F238E27FC236}">
+                <a16:creationId xmlns:a16="http://schemas.microsoft.com/office/drawing/2014/main" id="{1279DE2A-D8BC-42F8-B9A2-5002E5466014}"/>
+              </a:ext>
+            </a:extLst>
+          </p:cNvPr>
+          <p:cNvSpPr txBox="1">
+            <a:spLocks/>
+          </p:cNvSpPr>
+          <p:nvPr/>
+        </p:nvSpPr>
+        <p:spPr>
+          <a:xfrm>
+            <a:off x="5048527" y="439114"/>
+            <a:ext cx="9144000" cy="914545"/>
+          </a:xfrm>
+          <a:prstGeom prst="rect">
+            <a:avLst/>
+          </a:prstGeom>
+        </p:spPr>
+        <p:txBody>
+          <a:bodyPr vert="horz" lIns="91440" tIns="45720" rIns="91440" bIns="45720" rtlCol="0" anchor="ctr">
+            <a:normAutofit/>
+          </a:bodyPr>
+          <a:lstStyle>
+            <a:lvl1pPr algn="l" defTabSz="914400" rtl="0" eaLnBrk="1" latinLnBrk="0" hangingPunct="1">
+              <a:lnSpc>
+                <a:spcPct val="90000"/>
+              </a:lnSpc>
+              <a:spcBef>
+                <a:spcPct val="0"/>
+              </a:spcBef>
+              <a:buNone/>
+              <a:defRPr sz="4400" kern="1200">
+                <a:solidFill>
+                  <a:schemeClr val="tx1"/>
+                </a:solidFill>
+                <a:latin typeface="+mj-lt"/>
+                <a:ea typeface="+mj-ea"/>
+                <a:cs typeface="+mj-cs"/>
+              </a:defRPr>
+            </a:lvl1pPr>
+          </a:lstStyle>
+          <a:p>
+            <a:pPr algn="ctr"/>
+            <a:r>
+              <a:rPr lang="en-AU" dirty="0">
+                <a:solidFill>
+                  <a:schemeClr val="bg1"/>
+                </a:solidFill>
+                <a:latin typeface="Poppins SemiBold" panose="00000700000000000000" pitchFamily="2" charset="0"/>
+                <a:cs typeface="Poppins SemiBold" panose="00000700000000000000" pitchFamily="2" charset="0"/>
+              </a:rPr>
+              <a:t>Trends</a:t>
+            </a:r>
+          </a:p>
+        </p:txBody>
+      </p:sp>
+      <p:cxnSp>
+        <p:nvCxnSpPr>
+          <p:cNvPr id="6" name="Straight Connector 5">
+            <a:extLst>
+              <a:ext uri="{FF2B5EF4-FFF2-40B4-BE49-F238E27FC236}">
+                <a16:creationId xmlns:a16="http://schemas.microsoft.com/office/drawing/2014/main" id="{D3CDC234-268A-4E73-8C02-3D43BBE2AD22}"/>
+              </a:ext>
+            </a:extLst>
+          </p:cNvPr>
+          <p:cNvCxnSpPr>
+            <a:cxnSpLocks/>
+          </p:cNvCxnSpPr>
+          <p:nvPr/>
+        </p:nvCxnSpPr>
+        <p:spPr>
+          <a:xfrm flipH="1">
+            <a:off x="7341970" y="1208224"/>
+            <a:ext cx="4645891" cy="0"/>
+          </a:xfrm>
+          <a:prstGeom prst="line">
+            <a:avLst/>
+          </a:prstGeom>
+          <a:ln w="19050">
+            <a:solidFill>
+              <a:srgbClr val="FFF200"/>
+            </a:solidFill>
+          </a:ln>
+        </p:spPr>
+        <p:style>
+          <a:lnRef idx="1">
+            <a:schemeClr val="accent1"/>
+          </a:lnRef>
+          <a:fillRef idx="0">
+            <a:schemeClr val="accent1"/>
+          </a:fillRef>
+          <a:effectRef idx="0">
+            <a:schemeClr val="accent1"/>
+          </a:effectRef>
+          <a:fontRef idx="minor">
+            <a:schemeClr val="tx1"/>
+          </a:fontRef>
+        </p:style>
+      </p:cxnSp>
+      <p:sp>
+        <p:nvSpPr>
+          <p:cNvPr id="7" name="Subtitle 2">
+            <a:extLst>
+              <a:ext uri="{FF2B5EF4-FFF2-40B4-BE49-F238E27FC236}">
+                <a16:creationId xmlns:a16="http://schemas.microsoft.com/office/drawing/2014/main" id="{F4CD056A-17FC-4E04-8E88-5FC2DD8E54FA}"/>
+              </a:ext>
+            </a:extLst>
+          </p:cNvPr>
+          <p:cNvSpPr txBox="1">
+            <a:spLocks/>
+          </p:cNvSpPr>
+          <p:nvPr/>
+        </p:nvSpPr>
+        <p:spPr>
+          <a:xfrm>
+            <a:off x="0" y="4030462"/>
+            <a:ext cx="4956698" cy="2006353"/>
+          </a:xfrm>
+          <a:prstGeom prst="rect">
+            <a:avLst/>
+          </a:prstGeom>
+        </p:spPr>
+        <p:txBody>
+          <a:bodyPr vert="horz" lIns="91440" tIns="45720" rIns="91440" bIns="45720" rtlCol="0">
+            <a:normAutofit/>
+          </a:bodyPr>
+          <a:lstStyle>
+            <a:lvl1pPr marL="228600" indent="-228600" algn="l" defTabSz="914400" rtl="0" eaLnBrk="1" latinLnBrk="0" hangingPunct="1">
+              <a:lnSpc>
+                <a:spcPct val="90000"/>
+              </a:lnSpc>
+              <a:spcBef>
+                <a:spcPts val="1000"/>
+              </a:spcBef>
+              <a:buFont typeface="Arial" panose="020B0604020202020204" pitchFamily="34" charset="0"/>
+              <a:buChar char="•"/>
+              <a:defRPr sz="2800" kern="1200">
+                <a:solidFill>
+                  <a:schemeClr val="tx1"/>
+                </a:solidFill>
+                <a:latin typeface="+mn-lt"/>
+                <a:ea typeface="+mn-ea"/>
+                <a:cs typeface="+mn-cs"/>
+              </a:defRPr>
+            </a:lvl1pPr>
+            <a:lvl2pPr marL="685800" indent="-228600" algn="l" defTabSz="914400" rtl="0" eaLnBrk="1" latinLnBrk="0" hangingPunct="1">
+              <a:lnSpc>
+                <a:spcPct val="90000"/>
+              </a:lnSpc>
+              <a:spcBef>
+                <a:spcPts val="500"/>
+              </a:spcBef>
+              <a:buFont typeface="Arial" panose="020B0604020202020204" pitchFamily="34" charset="0"/>
+              <a:buChar char="•"/>
+              <a:defRPr sz="2400" kern="1200">
+                <a:solidFill>
+                  <a:schemeClr val="tx1"/>
+                </a:solidFill>
+                <a:latin typeface="+mn-lt"/>
+                <a:ea typeface="+mn-ea"/>
+                <a:cs typeface="+mn-cs"/>
+              </a:defRPr>
+            </a:lvl2pPr>
+            <a:lvl3pPr marL="1143000" indent="-228600" algn="l" defTabSz="914400" rtl="0" eaLnBrk="1" latinLnBrk="0" hangingPunct="1">
+              <a:lnSpc>
+                <a:spcPct val="90000"/>
+              </a:lnSpc>
+              <a:spcBef>
+                <a:spcPts val="500"/>
+              </a:spcBef>
+              <a:buFont typeface="Arial" panose="020B0604020202020204" pitchFamily="34" charset="0"/>
+              <a:buChar char="•"/>
+              <a:defRPr sz="2000" kern="1200">
+                <a:solidFill>
+                  <a:schemeClr val="tx1"/>
+                </a:solidFill>
+                <a:latin typeface="+mn-lt"/>
+                <a:ea typeface="+mn-ea"/>
+                <a:cs typeface="+mn-cs"/>
+              </a:defRPr>
+            </a:lvl3pPr>
+            <a:lvl4pPr marL="1600200" indent="-228600" algn="l" defTabSz="914400" rtl="0" eaLnBrk="1" latinLnBrk="0" hangingPunct="1">
+              <a:lnSpc>
+                <a:spcPct val="90000"/>
+              </a:lnSpc>
+              <a:spcBef>
+                <a:spcPts val="500"/>
+              </a:spcBef>
+              <a:buFont typeface="Arial" panose="020B0604020202020204" pitchFamily="34" charset="0"/>
+              <a:buChar char="•"/>
+              <a:defRPr sz="1800" kern="1200">
+                <a:solidFill>
+                  <a:schemeClr val="tx1"/>
+                </a:solidFill>
+                <a:latin typeface="+mn-lt"/>
+                <a:ea typeface="+mn-ea"/>
+                <a:cs typeface="+mn-cs"/>
+              </a:defRPr>
+            </a:lvl4pPr>
+            <a:lvl5pPr marL="2057400" indent="-228600" algn="l" defTabSz="914400" rtl="0" eaLnBrk="1" latinLnBrk="0" hangingPunct="1">
+              <a:lnSpc>
+                <a:spcPct val="90000"/>
+              </a:lnSpc>
+              <a:spcBef>
+                <a:spcPts val="500"/>
+              </a:spcBef>
+              <a:buFont typeface="Arial" panose="020B0604020202020204" pitchFamily="34" charset="0"/>
+              <a:buChar char="•"/>
+              <a:defRPr sz="1800" kern="1200">
+                <a:solidFill>
+                  <a:schemeClr val="tx1"/>
+                </a:solidFill>
+                <a:latin typeface="+mn-lt"/>
+                <a:ea typeface="+mn-ea"/>
+                <a:cs typeface="+mn-cs"/>
+              </a:defRPr>
+            </a:lvl5pPr>
+            <a:lvl6pPr marL="2514600" indent="-228600" algn="l" defTabSz="914400" rtl="0" eaLnBrk="1" latinLnBrk="0" hangingPunct="1">
+              <a:lnSpc>
+                <a:spcPct val="90000"/>
+              </a:lnSpc>
+              <a:spcBef>
+                <a:spcPts val="500"/>
+              </a:spcBef>
+              <a:buFont typeface="Arial" panose="020B0604020202020204" pitchFamily="34" charset="0"/>
+              <a:buChar char="•"/>
+              <a:defRPr sz="1800" kern="1200">
+                <a:solidFill>
+                  <a:schemeClr val="tx1"/>
+                </a:solidFill>
+                <a:latin typeface="+mn-lt"/>
+                <a:ea typeface="+mn-ea"/>
+                <a:cs typeface="+mn-cs"/>
+              </a:defRPr>
+            </a:lvl6pPr>
+            <a:lvl7pPr marL="2971800" indent="-228600" algn="l" defTabSz="914400" rtl="0" eaLnBrk="1" latinLnBrk="0" hangingPunct="1">
+              <a:lnSpc>
+                <a:spcPct val="90000"/>
+              </a:lnSpc>
+              <a:spcBef>
+                <a:spcPts val="500"/>
+              </a:spcBef>
+              <a:buFont typeface="Arial" panose="020B0604020202020204" pitchFamily="34" charset="0"/>
+              <a:buChar char="•"/>
+              <a:defRPr sz="1800" kern="1200">
+                <a:solidFill>
+                  <a:schemeClr val="tx1"/>
+                </a:solidFill>
+                <a:latin typeface="+mn-lt"/>
+                <a:ea typeface="+mn-ea"/>
+                <a:cs typeface="+mn-cs"/>
+              </a:defRPr>
+            </a:lvl7pPr>
+            <a:lvl8pPr marL="3429000" indent="-228600" algn="l" defTabSz="914400" rtl="0" eaLnBrk="1" latinLnBrk="0" hangingPunct="1">
+              <a:lnSpc>
+                <a:spcPct val="90000"/>
+              </a:lnSpc>
+              <a:spcBef>
+                <a:spcPts val="500"/>
+              </a:spcBef>
+              <a:buFont typeface="Arial" panose="020B0604020202020204" pitchFamily="34" charset="0"/>
+              <a:buChar char="•"/>
+              <a:defRPr sz="1800" kern="1200">
+                <a:solidFill>
+                  <a:schemeClr val="tx1"/>
+                </a:solidFill>
+                <a:latin typeface="+mn-lt"/>
+                <a:ea typeface="+mn-ea"/>
+                <a:cs typeface="+mn-cs"/>
+              </a:defRPr>
+            </a:lvl8pPr>
+            <a:lvl9pPr marL="3886200" indent="-228600" algn="l" defTabSz="914400" rtl="0" eaLnBrk="1" latinLnBrk="0" hangingPunct="1">
+              <a:lnSpc>
+                <a:spcPct val="90000"/>
+              </a:lnSpc>
+              <a:spcBef>
+                <a:spcPts val="500"/>
+              </a:spcBef>
+              <a:buFont typeface="Arial" panose="020B0604020202020204" pitchFamily="34" charset="0"/>
+              <a:buChar char="•"/>
+              <a:defRPr sz="1800" kern="1200">
+                <a:solidFill>
+                  <a:schemeClr val="tx1"/>
+                </a:solidFill>
+                <a:latin typeface="+mn-lt"/>
+                <a:ea typeface="+mn-ea"/>
+                <a:cs typeface="+mn-cs"/>
+              </a:defRPr>
+            </a:lvl9pPr>
+          </a:lstStyle>
+          <a:p>
+            <a:pPr marL="0" indent="0">
+              <a:buFont typeface="Arial" panose="020B0604020202020204" pitchFamily="34" charset="0"/>
+              <a:buNone/>
+            </a:pPr>
+            <a:endParaRPr lang="en-AU" dirty="0">
+              <a:solidFill>
+                <a:schemeClr val="bg1"/>
+              </a:solidFill>
+              <a:latin typeface="Poppins Thin" panose="00000300000000000000" pitchFamily="2" charset="0"/>
+              <a:cs typeface="Poppins Thin" panose="00000300000000000000" pitchFamily="2" charset="0"/>
+            </a:endParaRPr>
+          </a:p>
+          <a:p>
+            <a:pPr marL="0" indent="0">
+              <a:buFont typeface="Arial" panose="020B0604020202020204" pitchFamily="34" charset="0"/>
+              <a:buNone/>
+            </a:pPr>
+            <a:endParaRPr lang="en-AU" dirty="0">
+              <a:solidFill>
+                <a:schemeClr val="bg1"/>
+              </a:solidFill>
+              <a:latin typeface="Poppins Thin" panose="00000300000000000000" pitchFamily="2" charset="0"/>
+              <a:cs typeface="Poppins Thin" panose="00000300000000000000" pitchFamily="2" charset="0"/>
+            </a:endParaRPr>
+          </a:p>
+        </p:txBody>
+      </p:sp>
+      <p:sp>
+        <p:nvSpPr>
+          <p:cNvPr id="10" name="Subtitle 2">
+            <a:extLst>
+              <a:ext uri="{FF2B5EF4-FFF2-40B4-BE49-F238E27FC236}">
+                <a16:creationId xmlns:a16="http://schemas.microsoft.com/office/drawing/2014/main" id="{96980361-2285-4E2E-B53F-BED1673909E7}"/>
+              </a:ext>
+            </a:extLst>
+          </p:cNvPr>
+          <p:cNvSpPr txBox="1">
+            <a:spLocks/>
+          </p:cNvSpPr>
+          <p:nvPr/>
+        </p:nvSpPr>
+        <p:spPr>
+          <a:xfrm>
+            <a:off x="7235302" y="1047565"/>
+            <a:ext cx="4956698" cy="2006353"/>
+          </a:xfrm>
+          <a:prstGeom prst="rect">
+            <a:avLst/>
+          </a:prstGeom>
+        </p:spPr>
+        <p:txBody>
+          <a:bodyPr vert="horz" lIns="91440" tIns="45720" rIns="91440" bIns="45720" rtlCol="0">
+            <a:normAutofit/>
+          </a:bodyPr>
+          <a:lstStyle>
+            <a:lvl1pPr marL="228600" indent="-228600" algn="l" defTabSz="914400" rtl="0" eaLnBrk="1" latinLnBrk="0" hangingPunct="1">
+              <a:lnSpc>
+                <a:spcPct val="90000"/>
+              </a:lnSpc>
+              <a:spcBef>
+                <a:spcPts val="1000"/>
+              </a:spcBef>
+              <a:buFont typeface="Arial" panose="020B0604020202020204" pitchFamily="34" charset="0"/>
+              <a:buChar char="•"/>
+              <a:defRPr sz="2800" kern="1200">
+                <a:solidFill>
+                  <a:schemeClr val="tx1"/>
+                </a:solidFill>
+                <a:latin typeface="+mn-lt"/>
+                <a:ea typeface="+mn-ea"/>
+                <a:cs typeface="+mn-cs"/>
+              </a:defRPr>
+            </a:lvl1pPr>
+            <a:lvl2pPr marL="685800" indent="-228600" algn="l" defTabSz="914400" rtl="0" eaLnBrk="1" latinLnBrk="0" hangingPunct="1">
+              <a:lnSpc>
+                <a:spcPct val="90000"/>
+              </a:lnSpc>
+              <a:spcBef>
+                <a:spcPts val="500"/>
+              </a:spcBef>
+              <a:buFont typeface="Arial" panose="020B0604020202020204" pitchFamily="34" charset="0"/>
+              <a:buChar char="•"/>
+              <a:defRPr sz="2400" kern="1200">
+                <a:solidFill>
+                  <a:schemeClr val="tx1"/>
+                </a:solidFill>
+                <a:latin typeface="+mn-lt"/>
+                <a:ea typeface="+mn-ea"/>
+                <a:cs typeface="+mn-cs"/>
+              </a:defRPr>
+            </a:lvl2pPr>
+            <a:lvl3pPr marL="1143000" indent="-228600" algn="l" defTabSz="914400" rtl="0" eaLnBrk="1" latinLnBrk="0" hangingPunct="1">
+              <a:lnSpc>
+                <a:spcPct val="90000"/>
+              </a:lnSpc>
+              <a:spcBef>
+                <a:spcPts val="500"/>
+              </a:spcBef>
+              <a:buFont typeface="Arial" panose="020B0604020202020204" pitchFamily="34" charset="0"/>
+              <a:buChar char="•"/>
+              <a:defRPr sz="2000" kern="1200">
+                <a:solidFill>
+                  <a:schemeClr val="tx1"/>
+                </a:solidFill>
+                <a:latin typeface="+mn-lt"/>
+                <a:ea typeface="+mn-ea"/>
+                <a:cs typeface="+mn-cs"/>
+              </a:defRPr>
+            </a:lvl3pPr>
+            <a:lvl4pPr marL="1600200" indent="-228600" algn="l" defTabSz="914400" rtl="0" eaLnBrk="1" latinLnBrk="0" hangingPunct="1">
+              <a:lnSpc>
+                <a:spcPct val="90000"/>
+              </a:lnSpc>
+              <a:spcBef>
+                <a:spcPts val="500"/>
+              </a:spcBef>
+              <a:buFont typeface="Arial" panose="020B0604020202020204" pitchFamily="34" charset="0"/>
+              <a:buChar char="•"/>
+              <a:defRPr sz="1800" kern="1200">
+                <a:solidFill>
+                  <a:schemeClr val="tx1"/>
+                </a:solidFill>
+                <a:latin typeface="+mn-lt"/>
+                <a:ea typeface="+mn-ea"/>
+                <a:cs typeface="+mn-cs"/>
+              </a:defRPr>
+            </a:lvl4pPr>
+            <a:lvl5pPr marL="2057400" indent="-228600" algn="l" defTabSz="914400" rtl="0" eaLnBrk="1" latinLnBrk="0" hangingPunct="1">
+              <a:lnSpc>
+                <a:spcPct val="90000"/>
+              </a:lnSpc>
+              <a:spcBef>
+                <a:spcPts val="500"/>
+              </a:spcBef>
+              <a:buFont typeface="Arial" panose="020B0604020202020204" pitchFamily="34" charset="0"/>
+              <a:buChar char="•"/>
+              <a:defRPr sz="1800" kern="1200">
+                <a:solidFill>
+                  <a:schemeClr val="tx1"/>
+                </a:solidFill>
+                <a:latin typeface="+mn-lt"/>
+                <a:ea typeface="+mn-ea"/>
+                <a:cs typeface="+mn-cs"/>
+              </a:defRPr>
+            </a:lvl5pPr>
+            <a:lvl6pPr marL="2514600" indent="-228600" algn="l" defTabSz="914400" rtl="0" eaLnBrk="1" latinLnBrk="0" hangingPunct="1">
+              <a:lnSpc>
+                <a:spcPct val="90000"/>
+              </a:lnSpc>
+              <a:spcBef>
+                <a:spcPts val="500"/>
+              </a:spcBef>
+              <a:buFont typeface="Arial" panose="020B0604020202020204" pitchFamily="34" charset="0"/>
+              <a:buChar char="•"/>
+              <a:defRPr sz="1800" kern="1200">
+                <a:solidFill>
+                  <a:schemeClr val="tx1"/>
+                </a:solidFill>
+                <a:latin typeface="+mn-lt"/>
+                <a:ea typeface="+mn-ea"/>
+                <a:cs typeface="+mn-cs"/>
+              </a:defRPr>
+            </a:lvl6pPr>
+            <a:lvl7pPr marL="2971800" indent="-228600" algn="l" defTabSz="914400" rtl="0" eaLnBrk="1" latinLnBrk="0" hangingPunct="1">
+              <a:lnSpc>
+                <a:spcPct val="90000"/>
+              </a:lnSpc>
+              <a:spcBef>
+                <a:spcPts val="500"/>
+              </a:spcBef>
+              <a:buFont typeface="Arial" panose="020B0604020202020204" pitchFamily="34" charset="0"/>
+              <a:buChar char="•"/>
+              <a:defRPr sz="1800" kern="1200">
+                <a:solidFill>
+                  <a:schemeClr val="tx1"/>
+                </a:solidFill>
+                <a:latin typeface="+mn-lt"/>
+                <a:ea typeface="+mn-ea"/>
+                <a:cs typeface="+mn-cs"/>
+              </a:defRPr>
+            </a:lvl7pPr>
+            <a:lvl8pPr marL="3429000" indent="-228600" algn="l" defTabSz="914400" rtl="0" eaLnBrk="1" latinLnBrk="0" hangingPunct="1">
+              <a:lnSpc>
+                <a:spcPct val="90000"/>
+              </a:lnSpc>
+              <a:spcBef>
+                <a:spcPts val="500"/>
+              </a:spcBef>
+              <a:buFont typeface="Arial" panose="020B0604020202020204" pitchFamily="34" charset="0"/>
+              <a:buChar char="•"/>
+              <a:defRPr sz="1800" kern="1200">
+                <a:solidFill>
+                  <a:schemeClr val="tx1"/>
+                </a:solidFill>
+                <a:latin typeface="+mn-lt"/>
+                <a:ea typeface="+mn-ea"/>
+                <a:cs typeface="+mn-cs"/>
+              </a:defRPr>
+            </a:lvl8pPr>
+            <a:lvl9pPr marL="3886200" indent="-228600" algn="l" defTabSz="914400" rtl="0" eaLnBrk="1" latinLnBrk="0" hangingPunct="1">
+              <a:lnSpc>
+                <a:spcPct val="90000"/>
+              </a:lnSpc>
+              <a:spcBef>
+                <a:spcPts val="500"/>
+              </a:spcBef>
+              <a:buFont typeface="Arial" panose="020B0604020202020204" pitchFamily="34" charset="0"/>
+              <a:buChar char="•"/>
+              <a:defRPr sz="1800" kern="1200">
+                <a:solidFill>
+                  <a:schemeClr val="tx1"/>
+                </a:solidFill>
+                <a:latin typeface="+mn-lt"/>
+                <a:ea typeface="+mn-ea"/>
+                <a:cs typeface="+mn-cs"/>
+              </a:defRPr>
+            </a:lvl9pPr>
+          </a:lstStyle>
+          <a:p>
+            <a:pPr marL="0" indent="0">
+              <a:buFont typeface="Arial" panose="020B0604020202020204" pitchFamily="34" charset="0"/>
+              <a:buNone/>
+            </a:pPr>
+            <a:endParaRPr lang="en-AU" dirty="0">
+              <a:solidFill>
+                <a:schemeClr val="bg1"/>
+              </a:solidFill>
+              <a:latin typeface="Poppins Thin" panose="00000300000000000000" pitchFamily="2" charset="0"/>
+              <a:cs typeface="Poppins Thin" panose="00000300000000000000" pitchFamily="2" charset="0"/>
+            </a:endParaRPr>
+          </a:p>
+          <a:p>
+            <a:pPr marL="0" indent="0">
+              <a:buFont typeface="Arial" panose="020B0604020202020204" pitchFamily="34" charset="0"/>
+              <a:buNone/>
+            </a:pPr>
+            <a:r>
+              <a:rPr lang="en-AU" dirty="0">
+                <a:solidFill>
+                  <a:schemeClr val="bg1"/>
+                </a:solidFill>
+                <a:latin typeface="Poppins Thin" panose="00000300000000000000" pitchFamily="2" charset="0"/>
+                <a:cs typeface="Poppins Thin" panose="00000300000000000000" pitchFamily="2" charset="0"/>
+              </a:rPr>
               <a:t>Is there a better way to view the seasonal trends?</a:t>
             </a:r>
           </a:p>
@@ -6769,7 +7045,7 @@
 </p:sld>
 </file>
 
-<file path=ppt/slides/slide21.xml><?xml version="1.0" encoding="utf-8"?>
+<file path=ppt/slides/slide22.xml><?xml version="1.0" encoding="utf-8"?>
 <p:sld xmlns:a="http://schemas.openxmlformats.org/drawingml/2006/main" xmlns:r="http://schemas.openxmlformats.org/officeDocument/2006/relationships" xmlns:p="http://schemas.openxmlformats.org/presentationml/2006/main">
   <p:cSld>
     <p:spTree>
@@ -6834,7 +7110,7 @@
 </p:sld>
 </file>
 
-<file path=ppt/slides/slide22.xml><?xml version="1.0" encoding="utf-8"?>
+<file path=ppt/slides/slide23.xml><?xml version="1.0" encoding="utf-8"?>
 <p:sld xmlns:a="http://schemas.openxmlformats.org/drawingml/2006/main" xmlns:r="http://schemas.openxmlformats.org/officeDocument/2006/relationships" xmlns:p="http://schemas.openxmlformats.org/presentationml/2006/main">
   <p:cSld>
     <p:spTree>
